--- a/00-Selected for discussion/A/HDFS节能算法.pptx
+++ b/00-Selected for discussion/A/HDFS节能算法.pptx
@@ -1,6 +1,6 @@
 
 <file path=ppt/presentation.xml><?xml version="1.0" encoding="utf-8"?>
-<p:presentation xmlns:a="http://schemas.openxmlformats.org/drawingml/2006/main" xmlns:r="http://schemas.openxmlformats.org/officeDocument/2006/relationships" xmlns:p="http://schemas.openxmlformats.org/presentationml/2006/main" saveSubsetFonts="1">
+<p:presentation xmlns:a="http://schemas.openxmlformats.org/drawingml/2006/main" xmlns:r="http://schemas.openxmlformats.org/officeDocument/2006/relationships" xmlns:p="http://schemas.openxmlformats.org/presentationml/2006/main">
   <p:sldMasterIdLst>
     <p:sldMasterId id="2147483648" r:id="rId1"/>
   </p:sldMasterIdLst>
@@ -151,13 +151,7 @@
       </p:grpSpPr>
       <p:sp>
         <p:nvSpPr>
-          <p:cNvPr id="2" name="标题 1">
-            <a:extLst>
-              <a:ext uri="{FF2B5EF4-FFF2-40B4-BE49-F238E27FC236}">
-                <a16:creationId xmlns:a16="http://schemas.microsoft.com/office/drawing/2014/main" id="{67E2C6C8-C71D-4FD7-9009-434B69CB0191}"/>
-              </a:ext>
-            </a:extLst>
-          </p:cNvPr>
+          <p:cNvPr id="2" name="标题 1"/>
           <p:cNvSpPr>
             <a:spLocks noGrp="1"/>
           </p:cNvSpPr>
@@ -188,13 +182,7 @@
       </p:sp>
       <p:sp>
         <p:nvSpPr>
-          <p:cNvPr id="3" name="副标题 2">
-            <a:extLst>
-              <a:ext uri="{FF2B5EF4-FFF2-40B4-BE49-F238E27FC236}">
-                <a16:creationId xmlns:a16="http://schemas.microsoft.com/office/drawing/2014/main" id="{FD5759FE-2C97-4062-8349-1D0A7CC1DE46}"/>
-              </a:ext>
-            </a:extLst>
-          </p:cNvPr>
+          <p:cNvPr id="3" name="副标题 2"/>
           <p:cNvSpPr>
             <a:spLocks noGrp="1"/>
           </p:cNvSpPr>
@@ -258,13 +246,7 @@
       </p:sp>
       <p:sp>
         <p:nvSpPr>
-          <p:cNvPr id="4" name="日期占位符 3">
-            <a:extLst>
-              <a:ext uri="{FF2B5EF4-FFF2-40B4-BE49-F238E27FC236}">
-                <a16:creationId xmlns:a16="http://schemas.microsoft.com/office/drawing/2014/main" id="{05664C57-6374-4235-8C3C-CFD3CA604835}"/>
-              </a:ext>
-            </a:extLst>
-          </p:cNvPr>
+          <p:cNvPr id="4" name="日期占位符 3"/>
           <p:cNvSpPr>
             <a:spLocks noGrp="1"/>
           </p:cNvSpPr>
@@ -279,7 +261,7 @@
           <a:p>
             <a:fld id="{D5F9A1B7-175F-4738-8D83-7E13EBFA803A}" type="datetimeFigureOut">
               <a:rPr lang="zh-CN" altLang="en-US" smtClean="0"/>
-              <a:t>2018/7/20</a:t>
+              <a:t>2018/7/22</a:t>
             </a:fld>
             <a:endParaRPr lang="zh-CN" altLang="en-US"/>
           </a:p>
@@ -287,13 +269,7 @@
       </p:sp>
       <p:sp>
         <p:nvSpPr>
-          <p:cNvPr id="5" name="页脚占位符 4">
-            <a:extLst>
-              <a:ext uri="{FF2B5EF4-FFF2-40B4-BE49-F238E27FC236}">
-                <a16:creationId xmlns:a16="http://schemas.microsoft.com/office/drawing/2014/main" id="{09EB39C7-4C01-494E-BCD7-AAB46AD00D66}"/>
-              </a:ext>
-            </a:extLst>
-          </p:cNvPr>
+          <p:cNvPr id="5" name="页脚占位符 4"/>
           <p:cNvSpPr>
             <a:spLocks noGrp="1"/>
           </p:cNvSpPr>
@@ -312,13 +288,7 @@
       </p:sp>
       <p:sp>
         <p:nvSpPr>
-          <p:cNvPr id="6" name="灯片编号占位符 5">
-            <a:extLst>
-              <a:ext uri="{FF2B5EF4-FFF2-40B4-BE49-F238E27FC236}">
-                <a16:creationId xmlns:a16="http://schemas.microsoft.com/office/drawing/2014/main" id="{055C9EC1-5BC7-4182-920E-D44E0327C85D}"/>
-              </a:ext>
-            </a:extLst>
-          </p:cNvPr>
+          <p:cNvPr id="6" name="灯片编号占位符 5"/>
           <p:cNvSpPr>
             <a:spLocks noGrp="1"/>
           </p:cNvSpPr>
@@ -340,11 +310,6 @@
         </p:txBody>
       </p:sp>
     </p:spTree>
-    <p:extLst>
-      <p:ext uri="{BB962C8B-B14F-4D97-AF65-F5344CB8AC3E}">
-        <p14:creationId xmlns:p14="http://schemas.microsoft.com/office/powerpoint/2010/main" val="2339271178"/>
-      </p:ext>
-    </p:extLst>
   </p:cSld>
   <p:clrMapOvr>
     <a:masterClrMapping/>
@@ -371,13 +336,7 @@
       </p:grpSpPr>
       <p:sp>
         <p:nvSpPr>
-          <p:cNvPr id="2" name="标题 1">
-            <a:extLst>
-              <a:ext uri="{FF2B5EF4-FFF2-40B4-BE49-F238E27FC236}">
-                <a16:creationId xmlns:a16="http://schemas.microsoft.com/office/drawing/2014/main" id="{3810734A-CA19-41D1-BF55-05CAC640C56F}"/>
-              </a:ext>
-            </a:extLst>
-          </p:cNvPr>
+          <p:cNvPr id="2" name="标题 1"/>
           <p:cNvSpPr>
             <a:spLocks noGrp="1"/>
           </p:cNvSpPr>
@@ -399,18 +358,12 @@
       </p:sp>
       <p:sp>
         <p:nvSpPr>
-          <p:cNvPr id="3" name="竖排文字占位符 2">
-            <a:extLst>
-              <a:ext uri="{FF2B5EF4-FFF2-40B4-BE49-F238E27FC236}">
-                <a16:creationId xmlns:a16="http://schemas.microsoft.com/office/drawing/2014/main" id="{8F8EB99A-ACA9-4E05-81FE-A71D7F8BDA4A}"/>
-              </a:ext>
-            </a:extLst>
-          </p:cNvPr>
+          <p:cNvPr id="3" name="竖排文字占位符 2"/>
           <p:cNvSpPr>
             <a:spLocks noGrp="1"/>
           </p:cNvSpPr>
           <p:nvPr>
-            <p:ph type="body" orient="vert" idx="1"/>
+            <p:ph type="body" orient="vert" idx="1" hasCustomPrompt="1"/>
           </p:nvPr>
         </p:nvSpPr>
         <p:spPr/>
@@ -456,13 +409,7 @@
       </p:sp>
       <p:sp>
         <p:nvSpPr>
-          <p:cNvPr id="4" name="日期占位符 3">
-            <a:extLst>
-              <a:ext uri="{FF2B5EF4-FFF2-40B4-BE49-F238E27FC236}">
-                <a16:creationId xmlns:a16="http://schemas.microsoft.com/office/drawing/2014/main" id="{3C06DBC9-87E8-40F1-BCE8-B9A5D30BDE69}"/>
-              </a:ext>
-            </a:extLst>
-          </p:cNvPr>
+          <p:cNvPr id="4" name="日期占位符 3"/>
           <p:cNvSpPr>
             <a:spLocks noGrp="1"/>
           </p:cNvSpPr>
@@ -477,7 +424,7 @@
           <a:p>
             <a:fld id="{D5F9A1B7-175F-4738-8D83-7E13EBFA803A}" type="datetimeFigureOut">
               <a:rPr lang="zh-CN" altLang="en-US" smtClean="0"/>
-              <a:t>2018/7/20</a:t>
+              <a:t>2018/7/22</a:t>
             </a:fld>
             <a:endParaRPr lang="zh-CN" altLang="en-US"/>
           </a:p>
@@ -485,13 +432,7 @@
       </p:sp>
       <p:sp>
         <p:nvSpPr>
-          <p:cNvPr id="5" name="页脚占位符 4">
-            <a:extLst>
-              <a:ext uri="{FF2B5EF4-FFF2-40B4-BE49-F238E27FC236}">
-                <a16:creationId xmlns:a16="http://schemas.microsoft.com/office/drawing/2014/main" id="{09AFD1CB-107F-4D7F-907D-C8F33B0239ED}"/>
-              </a:ext>
-            </a:extLst>
-          </p:cNvPr>
+          <p:cNvPr id="5" name="页脚占位符 4"/>
           <p:cNvSpPr>
             <a:spLocks noGrp="1"/>
           </p:cNvSpPr>
@@ -510,13 +451,7 @@
       </p:sp>
       <p:sp>
         <p:nvSpPr>
-          <p:cNvPr id="6" name="灯片编号占位符 5">
-            <a:extLst>
-              <a:ext uri="{FF2B5EF4-FFF2-40B4-BE49-F238E27FC236}">
-                <a16:creationId xmlns:a16="http://schemas.microsoft.com/office/drawing/2014/main" id="{601CBEEE-1E35-4C1D-9C49-2804AAAC6854}"/>
-              </a:ext>
-            </a:extLst>
-          </p:cNvPr>
+          <p:cNvPr id="6" name="灯片编号占位符 5"/>
           <p:cNvSpPr>
             <a:spLocks noGrp="1"/>
           </p:cNvSpPr>
@@ -538,11 +473,6 @@
         </p:txBody>
       </p:sp>
     </p:spTree>
-    <p:extLst>
-      <p:ext uri="{BB962C8B-B14F-4D97-AF65-F5344CB8AC3E}">
-        <p14:creationId xmlns:p14="http://schemas.microsoft.com/office/powerpoint/2010/main" val="2956927380"/>
-      </p:ext>
-    </p:extLst>
   </p:cSld>
   <p:clrMapOvr>
     <a:masterClrMapping/>
@@ -569,13 +499,7 @@
       </p:grpSpPr>
       <p:sp>
         <p:nvSpPr>
-          <p:cNvPr id="2" name="竖排标题 1">
-            <a:extLst>
-              <a:ext uri="{FF2B5EF4-FFF2-40B4-BE49-F238E27FC236}">
-                <a16:creationId xmlns:a16="http://schemas.microsoft.com/office/drawing/2014/main" id="{F73E0E64-4E1C-430F-8BC5-C33CE5942B53}"/>
-              </a:ext>
-            </a:extLst>
-          </p:cNvPr>
+          <p:cNvPr id="2" name="竖排标题 1"/>
           <p:cNvSpPr>
             <a:spLocks noGrp="1"/>
           </p:cNvSpPr>
@@ -602,18 +526,12 @@
       </p:sp>
       <p:sp>
         <p:nvSpPr>
-          <p:cNvPr id="3" name="竖排文字占位符 2">
-            <a:extLst>
-              <a:ext uri="{FF2B5EF4-FFF2-40B4-BE49-F238E27FC236}">
-                <a16:creationId xmlns:a16="http://schemas.microsoft.com/office/drawing/2014/main" id="{BDC13771-B571-4049-9C0D-15893BCAB8A9}"/>
-              </a:ext>
-            </a:extLst>
-          </p:cNvPr>
+          <p:cNvPr id="3" name="竖排文字占位符 2"/>
           <p:cNvSpPr>
             <a:spLocks noGrp="1"/>
           </p:cNvSpPr>
           <p:nvPr>
-            <p:ph type="body" orient="vert" idx="1"/>
+            <p:ph type="body" orient="vert" idx="1" hasCustomPrompt="1"/>
           </p:nvPr>
         </p:nvSpPr>
         <p:spPr>
@@ -664,13 +582,7 @@
       </p:sp>
       <p:sp>
         <p:nvSpPr>
-          <p:cNvPr id="4" name="日期占位符 3">
-            <a:extLst>
-              <a:ext uri="{FF2B5EF4-FFF2-40B4-BE49-F238E27FC236}">
-                <a16:creationId xmlns:a16="http://schemas.microsoft.com/office/drawing/2014/main" id="{FD358CBC-B789-44CE-97B1-8A9D33A84CAB}"/>
-              </a:ext>
-            </a:extLst>
-          </p:cNvPr>
+          <p:cNvPr id="4" name="日期占位符 3"/>
           <p:cNvSpPr>
             <a:spLocks noGrp="1"/>
           </p:cNvSpPr>
@@ -685,7 +597,7 @@
           <a:p>
             <a:fld id="{D5F9A1B7-175F-4738-8D83-7E13EBFA803A}" type="datetimeFigureOut">
               <a:rPr lang="zh-CN" altLang="en-US" smtClean="0"/>
-              <a:t>2018/7/20</a:t>
+              <a:t>2018/7/22</a:t>
             </a:fld>
             <a:endParaRPr lang="zh-CN" altLang="en-US"/>
           </a:p>
@@ -693,13 +605,7 @@
       </p:sp>
       <p:sp>
         <p:nvSpPr>
-          <p:cNvPr id="5" name="页脚占位符 4">
-            <a:extLst>
-              <a:ext uri="{FF2B5EF4-FFF2-40B4-BE49-F238E27FC236}">
-                <a16:creationId xmlns:a16="http://schemas.microsoft.com/office/drawing/2014/main" id="{F1FC35E0-D2DF-4752-B018-0C42F5432006}"/>
-              </a:ext>
-            </a:extLst>
-          </p:cNvPr>
+          <p:cNvPr id="5" name="页脚占位符 4"/>
           <p:cNvSpPr>
             <a:spLocks noGrp="1"/>
           </p:cNvSpPr>
@@ -718,13 +624,7 @@
       </p:sp>
       <p:sp>
         <p:nvSpPr>
-          <p:cNvPr id="6" name="灯片编号占位符 5">
-            <a:extLst>
-              <a:ext uri="{FF2B5EF4-FFF2-40B4-BE49-F238E27FC236}">
-                <a16:creationId xmlns:a16="http://schemas.microsoft.com/office/drawing/2014/main" id="{EF5A4811-035D-456F-84FF-24D6719AAAD0}"/>
-              </a:ext>
-            </a:extLst>
-          </p:cNvPr>
+          <p:cNvPr id="6" name="灯片编号占位符 5"/>
           <p:cNvSpPr>
             <a:spLocks noGrp="1"/>
           </p:cNvSpPr>
@@ -746,11 +646,6 @@
         </p:txBody>
       </p:sp>
     </p:spTree>
-    <p:extLst>
-      <p:ext uri="{BB962C8B-B14F-4D97-AF65-F5344CB8AC3E}">
-        <p14:creationId xmlns:p14="http://schemas.microsoft.com/office/powerpoint/2010/main" val="3920813983"/>
-      </p:ext>
-    </p:extLst>
   </p:cSld>
   <p:clrMapOvr>
     <a:masterClrMapping/>
@@ -777,13 +672,7 @@
       </p:grpSpPr>
       <p:sp>
         <p:nvSpPr>
-          <p:cNvPr id="2" name="标题 1">
-            <a:extLst>
-              <a:ext uri="{FF2B5EF4-FFF2-40B4-BE49-F238E27FC236}">
-                <a16:creationId xmlns:a16="http://schemas.microsoft.com/office/drawing/2014/main" id="{EB799630-08C8-449B-9CDD-D53D01EEF16B}"/>
-              </a:ext>
-            </a:extLst>
-          </p:cNvPr>
+          <p:cNvPr id="2" name="标题 1"/>
           <p:cNvSpPr>
             <a:spLocks noGrp="1"/>
           </p:cNvSpPr>
@@ -805,18 +694,12 @@
       </p:sp>
       <p:sp>
         <p:nvSpPr>
-          <p:cNvPr id="3" name="内容占位符 2">
-            <a:extLst>
-              <a:ext uri="{FF2B5EF4-FFF2-40B4-BE49-F238E27FC236}">
-                <a16:creationId xmlns:a16="http://schemas.microsoft.com/office/drawing/2014/main" id="{A7AB0768-8F75-4C50-B53F-8478E3DD06DA}"/>
-              </a:ext>
-            </a:extLst>
-          </p:cNvPr>
+          <p:cNvPr id="3" name="内容占位符 2"/>
           <p:cNvSpPr>
             <a:spLocks noGrp="1"/>
           </p:cNvSpPr>
           <p:nvPr>
-            <p:ph idx="1"/>
+            <p:ph idx="1" hasCustomPrompt="1"/>
           </p:nvPr>
         </p:nvSpPr>
         <p:spPr/>
@@ -862,13 +745,7 @@
       </p:sp>
       <p:sp>
         <p:nvSpPr>
-          <p:cNvPr id="4" name="日期占位符 3">
-            <a:extLst>
-              <a:ext uri="{FF2B5EF4-FFF2-40B4-BE49-F238E27FC236}">
-                <a16:creationId xmlns:a16="http://schemas.microsoft.com/office/drawing/2014/main" id="{BAB5FD07-76D9-4E17-89E1-406C1AA8A46E}"/>
-              </a:ext>
-            </a:extLst>
-          </p:cNvPr>
+          <p:cNvPr id="4" name="日期占位符 3"/>
           <p:cNvSpPr>
             <a:spLocks noGrp="1"/>
           </p:cNvSpPr>
@@ -883,7 +760,7 @@
           <a:p>
             <a:fld id="{D5F9A1B7-175F-4738-8D83-7E13EBFA803A}" type="datetimeFigureOut">
               <a:rPr lang="zh-CN" altLang="en-US" smtClean="0"/>
-              <a:t>2018/7/20</a:t>
+              <a:t>2018/7/22</a:t>
             </a:fld>
             <a:endParaRPr lang="zh-CN" altLang="en-US"/>
           </a:p>
@@ -891,13 +768,7 @@
       </p:sp>
       <p:sp>
         <p:nvSpPr>
-          <p:cNvPr id="5" name="页脚占位符 4">
-            <a:extLst>
-              <a:ext uri="{FF2B5EF4-FFF2-40B4-BE49-F238E27FC236}">
-                <a16:creationId xmlns:a16="http://schemas.microsoft.com/office/drawing/2014/main" id="{7D18F3AE-81F8-46B7-B795-9EB5509A895C}"/>
-              </a:ext>
-            </a:extLst>
-          </p:cNvPr>
+          <p:cNvPr id="5" name="页脚占位符 4"/>
           <p:cNvSpPr>
             <a:spLocks noGrp="1"/>
           </p:cNvSpPr>
@@ -916,13 +787,7 @@
       </p:sp>
       <p:sp>
         <p:nvSpPr>
-          <p:cNvPr id="6" name="灯片编号占位符 5">
-            <a:extLst>
-              <a:ext uri="{FF2B5EF4-FFF2-40B4-BE49-F238E27FC236}">
-                <a16:creationId xmlns:a16="http://schemas.microsoft.com/office/drawing/2014/main" id="{91F06A1D-2C8D-4776-BCCE-049AC364B043}"/>
-              </a:ext>
-            </a:extLst>
-          </p:cNvPr>
+          <p:cNvPr id="6" name="灯片编号占位符 5"/>
           <p:cNvSpPr>
             <a:spLocks noGrp="1"/>
           </p:cNvSpPr>
@@ -944,11 +809,6 @@
         </p:txBody>
       </p:sp>
     </p:spTree>
-    <p:extLst>
-      <p:ext uri="{BB962C8B-B14F-4D97-AF65-F5344CB8AC3E}">
-        <p14:creationId xmlns:p14="http://schemas.microsoft.com/office/powerpoint/2010/main" val="2770781638"/>
-      </p:ext>
-    </p:extLst>
   </p:cSld>
   <p:clrMapOvr>
     <a:masterClrMapping/>
@@ -975,13 +835,7 @@
       </p:grpSpPr>
       <p:sp>
         <p:nvSpPr>
-          <p:cNvPr id="2" name="标题 1">
-            <a:extLst>
-              <a:ext uri="{FF2B5EF4-FFF2-40B4-BE49-F238E27FC236}">
-                <a16:creationId xmlns:a16="http://schemas.microsoft.com/office/drawing/2014/main" id="{F3F816CF-0887-4195-9ED2-8190009F0CEF}"/>
-              </a:ext>
-            </a:extLst>
-          </p:cNvPr>
+          <p:cNvPr id="2" name="标题 1"/>
           <p:cNvSpPr>
             <a:spLocks noGrp="1"/>
           </p:cNvSpPr>
@@ -1012,18 +866,12 @@
       </p:sp>
       <p:sp>
         <p:nvSpPr>
-          <p:cNvPr id="3" name="文本占位符 2">
-            <a:extLst>
-              <a:ext uri="{FF2B5EF4-FFF2-40B4-BE49-F238E27FC236}">
-                <a16:creationId xmlns:a16="http://schemas.microsoft.com/office/drawing/2014/main" id="{42695919-EFD1-40A0-9ED6-3101E67DC0F0}"/>
-              </a:ext>
-            </a:extLst>
-          </p:cNvPr>
+          <p:cNvPr id="3" name="文本占位符 2"/>
           <p:cNvSpPr>
             <a:spLocks noGrp="1"/>
           </p:cNvSpPr>
           <p:nvPr>
-            <p:ph type="body" idx="1"/>
+            <p:ph type="body" idx="1" hasCustomPrompt="1"/>
           </p:nvPr>
         </p:nvSpPr>
         <p:spPr>
@@ -1137,13 +985,7 @@
       </p:sp>
       <p:sp>
         <p:nvSpPr>
-          <p:cNvPr id="4" name="日期占位符 3">
-            <a:extLst>
-              <a:ext uri="{FF2B5EF4-FFF2-40B4-BE49-F238E27FC236}">
-                <a16:creationId xmlns:a16="http://schemas.microsoft.com/office/drawing/2014/main" id="{5D431D06-0494-437C-8503-E4AC89F0E4E8}"/>
-              </a:ext>
-            </a:extLst>
-          </p:cNvPr>
+          <p:cNvPr id="4" name="日期占位符 3"/>
           <p:cNvSpPr>
             <a:spLocks noGrp="1"/>
           </p:cNvSpPr>
@@ -1158,7 +1000,7 @@
           <a:p>
             <a:fld id="{D5F9A1B7-175F-4738-8D83-7E13EBFA803A}" type="datetimeFigureOut">
               <a:rPr lang="zh-CN" altLang="en-US" smtClean="0"/>
-              <a:t>2018/7/20</a:t>
+              <a:t>2018/7/22</a:t>
             </a:fld>
             <a:endParaRPr lang="zh-CN" altLang="en-US"/>
           </a:p>
@@ -1166,13 +1008,7 @@
       </p:sp>
       <p:sp>
         <p:nvSpPr>
-          <p:cNvPr id="5" name="页脚占位符 4">
-            <a:extLst>
-              <a:ext uri="{FF2B5EF4-FFF2-40B4-BE49-F238E27FC236}">
-                <a16:creationId xmlns:a16="http://schemas.microsoft.com/office/drawing/2014/main" id="{0C61B388-4D67-403A-B6BF-7A7D65D5A003}"/>
-              </a:ext>
-            </a:extLst>
-          </p:cNvPr>
+          <p:cNvPr id="5" name="页脚占位符 4"/>
           <p:cNvSpPr>
             <a:spLocks noGrp="1"/>
           </p:cNvSpPr>
@@ -1191,13 +1027,7 @@
       </p:sp>
       <p:sp>
         <p:nvSpPr>
-          <p:cNvPr id="6" name="灯片编号占位符 5">
-            <a:extLst>
-              <a:ext uri="{FF2B5EF4-FFF2-40B4-BE49-F238E27FC236}">
-                <a16:creationId xmlns:a16="http://schemas.microsoft.com/office/drawing/2014/main" id="{DD4EA986-25DB-412F-8417-EC7EB8FED5C0}"/>
-              </a:ext>
-            </a:extLst>
-          </p:cNvPr>
+          <p:cNvPr id="6" name="灯片编号占位符 5"/>
           <p:cNvSpPr>
             <a:spLocks noGrp="1"/>
           </p:cNvSpPr>
@@ -1219,11 +1049,6 @@
         </p:txBody>
       </p:sp>
     </p:spTree>
-    <p:extLst>
-      <p:ext uri="{BB962C8B-B14F-4D97-AF65-F5344CB8AC3E}">
-        <p14:creationId xmlns:p14="http://schemas.microsoft.com/office/powerpoint/2010/main" val="200848879"/>
-      </p:ext>
-    </p:extLst>
   </p:cSld>
   <p:clrMapOvr>
     <a:masterClrMapping/>
@@ -1250,13 +1075,7 @@
       </p:grpSpPr>
       <p:sp>
         <p:nvSpPr>
-          <p:cNvPr id="2" name="标题 1">
-            <a:extLst>
-              <a:ext uri="{FF2B5EF4-FFF2-40B4-BE49-F238E27FC236}">
-                <a16:creationId xmlns:a16="http://schemas.microsoft.com/office/drawing/2014/main" id="{938FD0C1-961D-4143-8848-FEF4D7C4A6AE}"/>
-              </a:ext>
-            </a:extLst>
-          </p:cNvPr>
+          <p:cNvPr id="2" name="标题 1"/>
           <p:cNvSpPr>
             <a:spLocks noGrp="1"/>
           </p:cNvSpPr>
@@ -1278,18 +1097,12 @@
       </p:sp>
       <p:sp>
         <p:nvSpPr>
-          <p:cNvPr id="3" name="内容占位符 2">
-            <a:extLst>
-              <a:ext uri="{FF2B5EF4-FFF2-40B4-BE49-F238E27FC236}">
-                <a16:creationId xmlns:a16="http://schemas.microsoft.com/office/drawing/2014/main" id="{06FAA500-FA81-4687-AAF0-516C7B4BD47B}"/>
-              </a:ext>
-            </a:extLst>
-          </p:cNvPr>
+          <p:cNvPr id="3" name="内容占位符 2"/>
           <p:cNvSpPr>
             <a:spLocks noGrp="1"/>
           </p:cNvSpPr>
           <p:nvPr>
-            <p:ph sz="half" idx="1"/>
+            <p:ph sz="half" idx="1" hasCustomPrompt="1"/>
           </p:nvPr>
         </p:nvSpPr>
         <p:spPr>
@@ -1340,18 +1153,12 @@
       </p:sp>
       <p:sp>
         <p:nvSpPr>
-          <p:cNvPr id="4" name="内容占位符 3">
-            <a:extLst>
-              <a:ext uri="{FF2B5EF4-FFF2-40B4-BE49-F238E27FC236}">
-                <a16:creationId xmlns:a16="http://schemas.microsoft.com/office/drawing/2014/main" id="{73383E39-3CC6-4754-BFDC-67368D111BFE}"/>
-              </a:ext>
-            </a:extLst>
-          </p:cNvPr>
+          <p:cNvPr id="4" name="内容占位符 3"/>
           <p:cNvSpPr>
             <a:spLocks noGrp="1"/>
           </p:cNvSpPr>
           <p:nvPr>
-            <p:ph sz="half" idx="2"/>
+            <p:ph sz="half" idx="2" hasCustomPrompt="1"/>
           </p:nvPr>
         </p:nvSpPr>
         <p:spPr>
@@ -1402,13 +1209,7 @@
       </p:sp>
       <p:sp>
         <p:nvSpPr>
-          <p:cNvPr id="5" name="日期占位符 4">
-            <a:extLst>
-              <a:ext uri="{FF2B5EF4-FFF2-40B4-BE49-F238E27FC236}">
-                <a16:creationId xmlns:a16="http://schemas.microsoft.com/office/drawing/2014/main" id="{64B49AC6-314D-4E18-A91E-61E44A2F073F}"/>
-              </a:ext>
-            </a:extLst>
-          </p:cNvPr>
+          <p:cNvPr id="5" name="日期占位符 4"/>
           <p:cNvSpPr>
             <a:spLocks noGrp="1"/>
           </p:cNvSpPr>
@@ -1423,7 +1224,7 @@
           <a:p>
             <a:fld id="{D5F9A1B7-175F-4738-8D83-7E13EBFA803A}" type="datetimeFigureOut">
               <a:rPr lang="zh-CN" altLang="en-US" smtClean="0"/>
-              <a:t>2018/7/20</a:t>
+              <a:t>2018/7/22</a:t>
             </a:fld>
             <a:endParaRPr lang="zh-CN" altLang="en-US"/>
           </a:p>
@@ -1431,13 +1232,7 @@
       </p:sp>
       <p:sp>
         <p:nvSpPr>
-          <p:cNvPr id="6" name="页脚占位符 5">
-            <a:extLst>
-              <a:ext uri="{FF2B5EF4-FFF2-40B4-BE49-F238E27FC236}">
-                <a16:creationId xmlns:a16="http://schemas.microsoft.com/office/drawing/2014/main" id="{639A1C4E-F245-45FC-9CDA-E3AADC06968D}"/>
-              </a:ext>
-            </a:extLst>
-          </p:cNvPr>
+          <p:cNvPr id="6" name="页脚占位符 5"/>
           <p:cNvSpPr>
             <a:spLocks noGrp="1"/>
           </p:cNvSpPr>
@@ -1456,13 +1251,7 @@
       </p:sp>
       <p:sp>
         <p:nvSpPr>
-          <p:cNvPr id="7" name="灯片编号占位符 6">
-            <a:extLst>
-              <a:ext uri="{FF2B5EF4-FFF2-40B4-BE49-F238E27FC236}">
-                <a16:creationId xmlns:a16="http://schemas.microsoft.com/office/drawing/2014/main" id="{73969C50-785E-41AE-A582-6AB5F0B24F2A}"/>
-              </a:ext>
-            </a:extLst>
-          </p:cNvPr>
+          <p:cNvPr id="7" name="灯片编号占位符 6"/>
           <p:cNvSpPr>
             <a:spLocks noGrp="1"/>
           </p:cNvSpPr>
@@ -1484,11 +1273,6 @@
         </p:txBody>
       </p:sp>
     </p:spTree>
-    <p:extLst>
-      <p:ext uri="{BB962C8B-B14F-4D97-AF65-F5344CB8AC3E}">
-        <p14:creationId xmlns:p14="http://schemas.microsoft.com/office/powerpoint/2010/main" val="292968306"/>
-      </p:ext>
-    </p:extLst>
   </p:cSld>
   <p:clrMapOvr>
     <a:masterClrMapping/>
@@ -1515,13 +1299,7 @@
       </p:grpSpPr>
       <p:sp>
         <p:nvSpPr>
-          <p:cNvPr id="2" name="标题 1">
-            <a:extLst>
-              <a:ext uri="{FF2B5EF4-FFF2-40B4-BE49-F238E27FC236}">
-                <a16:creationId xmlns:a16="http://schemas.microsoft.com/office/drawing/2014/main" id="{682F145F-9D5A-4B4B-8F51-3218B3625E66}"/>
-              </a:ext>
-            </a:extLst>
-          </p:cNvPr>
+          <p:cNvPr id="2" name="标题 1"/>
           <p:cNvSpPr>
             <a:spLocks noGrp="1"/>
           </p:cNvSpPr>
@@ -1548,18 +1326,12 @@
       </p:sp>
       <p:sp>
         <p:nvSpPr>
-          <p:cNvPr id="3" name="文本占位符 2">
-            <a:extLst>
-              <a:ext uri="{FF2B5EF4-FFF2-40B4-BE49-F238E27FC236}">
-                <a16:creationId xmlns:a16="http://schemas.microsoft.com/office/drawing/2014/main" id="{184BD978-A539-4A6E-B744-5D9D1CFE840E}"/>
-              </a:ext>
-            </a:extLst>
-          </p:cNvPr>
+          <p:cNvPr id="3" name="文本占位符 2"/>
           <p:cNvSpPr>
             <a:spLocks noGrp="1"/>
           </p:cNvSpPr>
           <p:nvPr>
-            <p:ph type="body" idx="1"/>
+            <p:ph type="body" idx="1" hasCustomPrompt="1"/>
           </p:nvPr>
         </p:nvSpPr>
         <p:spPr>
@@ -1619,18 +1391,12 @@
       </p:sp>
       <p:sp>
         <p:nvSpPr>
-          <p:cNvPr id="4" name="内容占位符 3">
-            <a:extLst>
-              <a:ext uri="{FF2B5EF4-FFF2-40B4-BE49-F238E27FC236}">
-                <a16:creationId xmlns:a16="http://schemas.microsoft.com/office/drawing/2014/main" id="{2FECB644-2138-48CF-A333-611B1DC69A94}"/>
-              </a:ext>
-            </a:extLst>
-          </p:cNvPr>
+          <p:cNvPr id="4" name="内容占位符 3"/>
           <p:cNvSpPr>
             <a:spLocks noGrp="1"/>
           </p:cNvSpPr>
           <p:nvPr>
-            <p:ph sz="half" idx="2"/>
+            <p:ph sz="half" idx="2" hasCustomPrompt="1"/>
           </p:nvPr>
         </p:nvSpPr>
         <p:spPr>
@@ -1681,18 +1447,12 @@
       </p:sp>
       <p:sp>
         <p:nvSpPr>
-          <p:cNvPr id="5" name="文本占位符 4">
-            <a:extLst>
-              <a:ext uri="{FF2B5EF4-FFF2-40B4-BE49-F238E27FC236}">
-                <a16:creationId xmlns:a16="http://schemas.microsoft.com/office/drawing/2014/main" id="{66AEA1EA-379F-47A8-8395-8EAF1794F298}"/>
-              </a:ext>
-            </a:extLst>
-          </p:cNvPr>
+          <p:cNvPr id="5" name="文本占位符 4"/>
           <p:cNvSpPr>
             <a:spLocks noGrp="1"/>
           </p:cNvSpPr>
           <p:nvPr>
-            <p:ph type="body" sz="quarter" idx="3"/>
+            <p:ph type="body" sz="quarter" idx="3" hasCustomPrompt="1"/>
           </p:nvPr>
         </p:nvSpPr>
         <p:spPr>
@@ -1752,18 +1512,12 @@
       </p:sp>
       <p:sp>
         <p:nvSpPr>
-          <p:cNvPr id="6" name="内容占位符 5">
-            <a:extLst>
-              <a:ext uri="{FF2B5EF4-FFF2-40B4-BE49-F238E27FC236}">
-                <a16:creationId xmlns:a16="http://schemas.microsoft.com/office/drawing/2014/main" id="{1D4FD0C6-9FD0-4479-AF3E-5E119394CC3B}"/>
-              </a:ext>
-            </a:extLst>
-          </p:cNvPr>
+          <p:cNvPr id="6" name="内容占位符 5"/>
           <p:cNvSpPr>
             <a:spLocks noGrp="1"/>
           </p:cNvSpPr>
           <p:nvPr>
-            <p:ph sz="quarter" idx="4"/>
+            <p:ph sz="quarter" idx="4" hasCustomPrompt="1"/>
           </p:nvPr>
         </p:nvSpPr>
         <p:spPr>
@@ -1814,13 +1568,7 @@
       </p:sp>
       <p:sp>
         <p:nvSpPr>
-          <p:cNvPr id="7" name="日期占位符 6">
-            <a:extLst>
-              <a:ext uri="{FF2B5EF4-FFF2-40B4-BE49-F238E27FC236}">
-                <a16:creationId xmlns:a16="http://schemas.microsoft.com/office/drawing/2014/main" id="{3AAB523C-A97C-4DBF-A247-45977B49590D}"/>
-              </a:ext>
-            </a:extLst>
-          </p:cNvPr>
+          <p:cNvPr id="7" name="日期占位符 6"/>
           <p:cNvSpPr>
             <a:spLocks noGrp="1"/>
           </p:cNvSpPr>
@@ -1835,7 +1583,7 @@
           <a:p>
             <a:fld id="{D5F9A1B7-175F-4738-8D83-7E13EBFA803A}" type="datetimeFigureOut">
               <a:rPr lang="zh-CN" altLang="en-US" smtClean="0"/>
-              <a:t>2018/7/20</a:t>
+              <a:t>2018/7/22</a:t>
             </a:fld>
             <a:endParaRPr lang="zh-CN" altLang="en-US"/>
           </a:p>
@@ -1843,13 +1591,7 @@
       </p:sp>
       <p:sp>
         <p:nvSpPr>
-          <p:cNvPr id="8" name="页脚占位符 7">
-            <a:extLst>
-              <a:ext uri="{FF2B5EF4-FFF2-40B4-BE49-F238E27FC236}">
-                <a16:creationId xmlns:a16="http://schemas.microsoft.com/office/drawing/2014/main" id="{E6F6E879-EEE0-42F2-B4C7-ABD03FDB06A1}"/>
-              </a:ext>
-            </a:extLst>
-          </p:cNvPr>
+          <p:cNvPr id="8" name="页脚占位符 7"/>
           <p:cNvSpPr>
             <a:spLocks noGrp="1"/>
           </p:cNvSpPr>
@@ -1868,13 +1610,7 @@
       </p:sp>
       <p:sp>
         <p:nvSpPr>
-          <p:cNvPr id="9" name="灯片编号占位符 8">
-            <a:extLst>
-              <a:ext uri="{FF2B5EF4-FFF2-40B4-BE49-F238E27FC236}">
-                <a16:creationId xmlns:a16="http://schemas.microsoft.com/office/drawing/2014/main" id="{439E767E-EE0C-425F-ABB6-9797AAB1A428}"/>
-              </a:ext>
-            </a:extLst>
-          </p:cNvPr>
+          <p:cNvPr id="9" name="灯片编号占位符 8"/>
           <p:cNvSpPr>
             <a:spLocks noGrp="1"/>
           </p:cNvSpPr>
@@ -1896,11 +1632,6 @@
         </p:txBody>
       </p:sp>
     </p:spTree>
-    <p:extLst>
-      <p:ext uri="{BB962C8B-B14F-4D97-AF65-F5344CB8AC3E}">
-        <p14:creationId xmlns:p14="http://schemas.microsoft.com/office/powerpoint/2010/main" val="1440470112"/>
-      </p:ext>
-    </p:extLst>
   </p:cSld>
   <p:clrMapOvr>
     <a:masterClrMapping/>
@@ -1927,13 +1658,7 @@
       </p:grpSpPr>
       <p:sp>
         <p:nvSpPr>
-          <p:cNvPr id="2" name="标题 1">
-            <a:extLst>
-              <a:ext uri="{FF2B5EF4-FFF2-40B4-BE49-F238E27FC236}">
-                <a16:creationId xmlns:a16="http://schemas.microsoft.com/office/drawing/2014/main" id="{71E24CC5-838D-4DD7-B9AF-0927391C765F}"/>
-              </a:ext>
-            </a:extLst>
-          </p:cNvPr>
+          <p:cNvPr id="2" name="标题 1"/>
           <p:cNvSpPr>
             <a:spLocks noGrp="1"/>
           </p:cNvSpPr>
@@ -1955,13 +1680,7 @@
       </p:sp>
       <p:sp>
         <p:nvSpPr>
-          <p:cNvPr id="3" name="日期占位符 2">
-            <a:extLst>
-              <a:ext uri="{FF2B5EF4-FFF2-40B4-BE49-F238E27FC236}">
-                <a16:creationId xmlns:a16="http://schemas.microsoft.com/office/drawing/2014/main" id="{FCFFB7D4-00DC-4C74-BBF5-3290771A37D7}"/>
-              </a:ext>
-            </a:extLst>
-          </p:cNvPr>
+          <p:cNvPr id="3" name="日期占位符 2"/>
           <p:cNvSpPr>
             <a:spLocks noGrp="1"/>
           </p:cNvSpPr>
@@ -1976,7 +1695,7 @@
           <a:p>
             <a:fld id="{D5F9A1B7-175F-4738-8D83-7E13EBFA803A}" type="datetimeFigureOut">
               <a:rPr lang="zh-CN" altLang="en-US" smtClean="0"/>
-              <a:t>2018/7/20</a:t>
+              <a:t>2018/7/22</a:t>
             </a:fld>
             <a:endParaRPr lang="zh-CN" altLang="en-US"/>
           </a:p>
@@ -1984,13 +1703,7 @@
       </p:sp>
       <p:sp>
         <p:nvSpPr>
-          <p:cNvPr id="4" name="页脚占位符 3">
-            <a:extLst>
-              <a:ext uri="{FF2B5EF4-FFF2-40B4-BE49-F238E27FC236}">
-                <a16:creationId xmlns:a16="http://schemas.microsoft.com/office/drawing/2014/main" id="{8B0DDC22-80F1-4A1D-8686-07A8A7CCF5D7}"/>
-              </a:ext>
-            </a:extLst>
-          </p:cNvPr>
+          <p:cNvPr id="4" name="页脚占位符 3"/>
           <p:cNvSpPr>
             <a:spLocks noGrp="1"/>
           </p:cNvSpPr>
@@ -2009,13 +1722,7 @@
       </p:sp>
       <p:sp>
         <p:nvSpPr>
-          <p:cNvPr id="5" name="灯片编号占位符 4">
-            <a:extLst>
-              <a:ext uri="{FF2B5EF4-FFF2-40B4-BE49-F238E27FC236}">
-                <a16:creationId xmlns:a16="http://schemas.microsoft.com/office/drawing/2014/main" id="{B9EBE2B7-5404-4A01-81C8-A5B92659414D}"/>
-              </a:ext>
-            </a:extLst>
-          </p:cNvPr>
+          <p:cNvPr id="5" name="灯片编号占位符 4"/>
           <p:cNvSpPr>
             <a:spLocks noGrp="1"/>
           </p:cNvSpPr>
@@ -2037,11 +1744,6 @@
         </p:txBody>
       </p:sp>
     </p:spTree>
-    <p:extLst>
-      <p:ext uri="{BB962C8B-B14F-4D97-AF65-F5344CB8AC3E}">
-        <p14:creationId xmlns:p14="http://schemas.microsoft.com/office/powerpoint/2010/main" val="1857434039"/>
-      </p:ext>
-    </p:extLst>
   </p:cSld>
   <p:clrMapOvr>
     <a:masterClrMapping/>
@@ -2068,13 +1770,7 @@
       </p:grpSpPr>
       <p:sp>
         <p:nvSpPr>
-          <p:cNvPr id="2" name="日期占位符 1">
-            <a:extLst>
-              <a:ext uri="{FF2B5EF4-FFF2-40B4-BE49-F238E27FC236}">
-                <a16:creationId xmlns:a16="http://schemas.microsoft.com/office/drawing/2014/main" id="{AA62FE53-06BD-4A90-AAD7-9DE6E603DA7E}"/>
-              </a:ext>
-            </a:extLst>
-          </p:cNvPr>
+          <p:cNvPr id="2" name="日期占位符 1"/>
           <p:cNvSpPr>
             <a:spLocks noGrp="1"/>
           </p:cNvSpPr>
@@ -2089,7 +1785,7 @@
           <a:p>
             <a:fld id="{D5F9A1B7-175F-4738-8D83-7E13EBFA803A}" type="datetimeFigureOut">
               <a:rPr lang="zh-CN" altLang="en-US" smtClean="0"/>
-              <a:t>2018/7/20</a:t>
+              <a:t>2018/7/22</a:t>
             </a:fld>
             <a:endParaRPr lang="zh-CN" altLang="en-US"/>
           </a:p>
@@ -2097,13 +1793,7 @@
       </p:sp>
       <p:sp>
         <p:nvSpPr>
-          <p:cNvPr id="3" name="页脚占位符 2">
-            <a:extLst>
-              <a:ext uri="{FF2B5EF4-FFF2-40B4-BE49-F238E27FC236}">
-                <a16:creationId xmlns:a16="http://schemas.microsoft.com/office/drawing/2014/main" id="{3A6D605C-3A7D-4A32-A624-27FD60DEEEF3}"/>
-              </a:ext>
-            </a:extLst>
-          </p:cNvPr>
+          <p:cNvPr id="3" name="页脚占位符 2"/>
           <p:cNvSpPr>
             <a:spLocks noGrp="1"/>
           </p:cNvSpPr>
@@ -2122,13 +1812,7 @@
       </p:sp>
       <p:sp>
         <p:nvSpPr>
-          <p:cNvPr id="4" name="灯片编号占位符 3">
-            <a:extLst>
-              <a:ext uri="{FF2B5EF4-FFF2-40B4-BE49-F238E27FC236}">
-                <a16:creationId xmlns:a16="http://schemas.microsoft.com/office/drawing/2014/main" id="{A29255B7-A152-4790-AA9D-11B0154FE1BC}"/>
-              </a:ext>
-            </a:extLst>
-          </p:cNvPr>
+          <p:cNvPr id="4" name="灯片编号占位符 3"/>
           <p:cNvSpPr>
             <a:spLocks noGrp="1"/>
           </p:cNvSpPr>
@@ -2150,11 +1834,6 @@
         </p:txBody>
       </p:sp>
     </p:spTree>
-    <p:extLst>
-      <p:ext uri="{BB962C8B-B14F-4D97-AF65-F5344CB8AC3E}">
-        <p14:creationId xmlns:p14="http://schemas.microsoft.com/office/powerpoint/2010/main" val="4035601980"/>
-      </p:ext>
-    </p:extLst>
   </p:cSld>
   <p:clrMapOvr>
     <a:masterClrMapping/>
@@ -2181,13 +1860,7 @@
       </p:grpSpPr>
       <p:sp>
         <p:nvSpPr>
-          <p:cNvPr id="2" name="标题 1">
-            <a:extLst>
-              <a:ext uri="{FF2B5EF4-FFF2-40B4-BE49-F238E27FC236}">
-                <a16:creationId xmlns:a16="http://schemas.microsoft.com/office/drawing/2014/main" id="{5E57501D-1BF3-4298-9624-BEEB2FF5C5C6}"/>
-              </a:ext>
-            </a:extLst>
-          </p:cNvPr>
+          <p:cNvPr id="2" name="标题 1"/>
           <p:cNvSpPr>
             <a:spLocks noGrp="1"/>
           </p:cNvSpPr>
@@ -2218,18 +1891,12 @@
       </p:sp>
       <p:sp>
         <p:nvSpPr>
-          <p:cNvPr id="3" name="内容占位符 2">
-            <a:extLst>
-              <a:ext uri="{FF2B5EF4-FFF2-40B4-BE49-F238E27FC236}">
-                <a16:creationId xmlns:a16="http://schemas.microsoft.com/office/drawing/2014/main" id="{C7E7D9E9-8D87-4036-84C6-B2BB4522FDA1}"/>
-              </a:ext>
-            </a:extLst>
-          </p:cNvPr>
+          <p:cNvPr id="3" name="内容占位符 2"/>
           <p:cNvSpPr>
             <a:spLocks noGrp="1"/>
           </p:cNvSpPr>
           <p:nvPr>
-            <p:ph idx="1"/>
+            <p:ph idx="1" hasCustomPrompt="1"/>
           </p:nvPr>
         </p:nvSpPr>
         <p:spPr>
@@ -2308,18 +1975,12 @@
       </p:sp>
       <p:sp>
         <p:nvSpPr>
-          <p:cNvPr id="4" name="文本占位符 3">
-            <a:extLst>
-              <a:ext uri="{FF2B5EF4-FFF2-40B4-BE49-F238E27FC236}">
-                <a16:creationId xmlns:a16="http://schemas.microsoft.com/office/drawing/2014/main" id="{3CA41FE1-674D-4DD0-815B-338EF5531166}"/>
-              </a:ext>
-            </a:extLst>
-          </p:cNvPr>
+          <p:cNvPr id="4" name="文本占位符 3"/>
           <p:cNvSpPr>
             <a:spLocks noGrp="1"/>
           </p:cNvSpPr>
           <p:nvPr>
-            <p:ph type="body" sz="half" idx="2"/>
+            <p:ph type="body" sz="half" idx="2" hasCustomPrompt="1"/>
           </p:nvPr>
         </p:nvSpPr>
         <p:spPr>
@@ -2379,13 +2040,7 @@
       </p:sp>
       <p:sp>
         <p:nvSpPr>
-          <p:cNvPr id="5" name="日期占位符 4">
-            <a:extLst>
-              <a:ext uri="{FF2B5EF4-FFF2-40B4-BE49-F238E27FC236}">
-                <a16:creationId xmlns:a16="http://schemas.microsoft.com/office/drawing/2014/main" id="{D47738C3-F7C7-4567-A59E-3CA5822F626A}"/>
-              </a:ext>
-            </a:extLst>
-          </p:cNvPr>
+          <p:cNvPr id="5" name="日期占位符 4"/>
           <p:cNvSpPr>
             <a:spLocks noGrp="1"/>
           </p:cNvSpPr>
@@ -2400,7 +2055,7 @@
           <a:p>
             <a:fld id="{D5F9A1B7-175F-4738-8D83-7E13EBFA803A}" type="datetimeFigureOut">
               <a:rPr lang="zh-CN" altLang="en-US" smtClean="0"/>
-              <a:t>2018/7/20</a:t>
+              <a:t>2018/7/22</a:t>
             </a:fld>
             <a:endParaRPr lang="zh-CN" altLang="en-US"/>
           </a:p>
@@ -2408,13 +2063,7 @@
       </p:sp>
       <p:sp>
         <p:nvSpPr>
-          <p:cNvPr id="6" name="页脚占位符 5">
-            <a:extLst>
-              <a:ext uri="{FF2B5EF4-FFF2-40B4-BE49-F238E27FC236}">
-                <a16:creationId xmlns:a16="http://schemas.microsoft.com/office/drawing/2014/main" id="{39618135-978E-49C0-872E-9A558452A57B}"/>
-              </a:ext>
-            </a:extLst>
-          </p:cNvPr>
+          <p:cNvPr id="6" name="页脚占位符 5"/>
           <p:cNvSpPr>
             <a:spLocks noGrp="1"/>
           </p:cNvSpPr>
@@ -2433,13 +2082,7 @@
       </p:sp>
       <p:sp>
         <p:nvSpPr>
-          <p:cNvPr id="7" name="灯片编号占位符 6">
-            <a:extLst>
-              <a:ext uri="{FF2B5EF4-FFF2-40B4-BE49-F238E27FC236}">
-                <a16:creationId xmlns:a16="http://schemas.microsoft.com/office/drawing/2014/main" id="{B5DFAE3C-F296-4BBB-BAC6-0FD3B74EC780}"/>
-              </a:ext>
-            </a:extLst>
-          </p:cNvPr>
+          <p:cNvPr id="7" name="灯片编号占位符 6"/>
           <p:cNvSpPr>
             <a:spLocks noGrp="1"/>
           </p:cNvSpPr>
@@ -2461,11 +2104,6 @@
         </p:txBody>
       </p:sp>
     </p:spTree>
-    <p:extLst>
-      <p:ext uri="{BB962C8B-B14F-4D97-AF65-F5344CB8AC3E}">
-        <p14:creationId xmlns:p14="http://schemas.microsoft.com/office/powerpoint/2010/main" val="764513150"/>
-      </p:ext>
-    </p:extLst>
   </p:cSld>
   <p:clrMapOvr>
     <a:masterClrMapping/>
@@ -2492,13 +2130,7 @@
       </p:grpSpPr>
       <p:sp>
         <p:nvSpPr>
-          <p:cNvPr id="2" name="标题 1">
-            <a:extLst>
-              <a:ext uri="{FF2B5EF4-FFF2-40B4-BE49-F238E27FC236}">
-                <a16:creationId xmlns:a16="http://schemas.microsoft.com/office/drawing/2014/main" id="{8BCD2910-40D5-45F1-9186-0A0B41AC0F0A}"/>
-              </a:ext>
-            </a:extLst>
-          </p:cNvPr>
+          <p:cNvPr id="2" name="标题 1"/>
           <p:cNvSpPr>
             <a:spLocks noGrp="1"/>
           </p:cNvSpPr>
@@ -2529,13 +2161,7 @@
       </p:sp>
       <p:sp>
         <p:nvSpPr>
-          <p:cNvPr id="3" name="图片占位符 2">
-            <a:extLst>
-              <a:ext uri="{FF2B5EF4-FFF2-40B4-BE49-F238E27FC236}">
-                <a16:creationId xmlns:a16="http://schemas.microsoft.com/office/drawing/2014/main" id="{5AF701CD-0DA7-4ED1-89B3-E182E7DC6741}"/>
-              </a:ext>
-            </a:extLst>
-          </p:cNvPr>
+          <p:cNvPr id="3" name="图片占位符 2"/>
           <p:cNvSpPr>
             <a:spLocks noGrp="1"/>
           </p:cNvSpPr>
@@ -2596,18 +2222,12 @@
       </p:sp>
       <p:sp>
         <p:nvSpPr>
-          <p:cNvPr id="4" name="文本占位符 3">
-            <a:extLst>
-              <a:ext uri="{FF2B5EF4-FFF2-40B4-BE49-F238E27FC236}">
-                <a16:creationId xmlns:a16="http://schemas.microsoft.com/office/drawing/2014/main" id="{AFC7BFB4-7CB3-482A-91D1-1C3B08E52271}"/>
-              </a:ext>
-            </a:extLst>
-          </p:cNvPr>
+          <p:cNvPr id="4" name="文本占位符 3"/>
           <p:cNvSpPr>
             <a:spLocks noGrp="1"/>
           </p:cNvSpPr>
           <p:nvPr>
-            <p:ph type="body" sz="half" idx="2"/>
+            <p:ph type="body" sz="half" idx="2" hasCustomPrompt="1"/>
           </p:nvPr>
         </p:nvSpPr>
         <p:spPr>
@@ -2667,13 +2287,7 @@
       </p:sp>
       <p:sp>
         <p:nvSpPr>
-          <p:cNvPr id="5" name="日期占位符 4">
-            <a:extLst>
-              <a:ext uri="{FF2B5EF4-FFF2-40B4-BE49-F238E27FC236}">
-                <a16:creationId xmlns:a16="http://schemas.microsoft.com/office/drawing/2014/main" id="{9894B971-FB21-42E5-BB79-838082298A68}"/>
-              </a:ext>
-            </a:extLst>
-          </p:cNvPr>
+          <p:cNvPr id="5" name="日期占位符 4"/>
           <p:cNvSpPr>
             <a:spLocks noGrp="1"/>
           </p:cNvSpPr>
@@ -2688,7 +2302,7 @@
           <a:p>
             <a:fld id="{D5F9A1B7-175F-4738-8D83-7E13EBFA803A}" type="datetimeFigureOut">
               <a:rPr lang="zh-CN" altLang="en-US" smtClean="0"/>
-              <a:t>2018/7/20</a:t>
+              <a:t>2018/7/22</a:t>
             </a:fld>
             <a:endParaRPr lang="zh-CN" altLang="en-US"/>
           </a:p>
@@ -2696,13 +2310,7 @@
       </p:sp>
       <p:sp>
         <p:nvSpPr>
-          <p:cNvPr id="6" name="页脚占位符 5">
-            <a:extLst>
-              <a:ext uri="{FF2B5EF4-FFF2-40B4-BE49-F238E27FC236}">
-                <a16:creationId xmlns:a16="http://schemas.microsoft.com/office/drawing/2014/main" id="{7C1F3E07-4B0B-4D63-8814-EB51F2B2180D}"/>
-              </a:ext>
-            </a:extLst>
-          </p:cNvPr>
+          <p:cNvPr id="6" name="页脚占位符 5"/>
           <p:cNvSpPr>
             <a:spLocks noGrp="1"/>
           </p:cNvSpPr>
@@ -2721,13 +2329,7 @@
       </p:sp>
       <p:sp>
         <p:nvSpPr>
-          <p:cNvPr id="7" name="灯片编号占位符 6">
-            <a:extLst>
-              <a:ext uri="{FF2B5EF4-FFF2-40B4-BE49-F238E27FC236}">
-                <a16:creationId xmlns:a16="http://schemas.microsoft.com/office/drawing/2014/main" id="{11A59294-1669-470F-9980-F44C8BDE5853}"/>
-              </a:ext>
-            </a:extLst>
-          </p:cNvPr>
+          <p:cNvPr id="7" name="灯片编号占位符 6"/>
           <p:cNvSpPr>
             <a:spLocks noGrp="1"/>
           </p:cNvSpPr>
@@ -2749,11 +2351,6 @@
         </p:txBody>
       </p:sp>
     </p:spTree>
-    <p:extLst>
-      <p:ext uri="{BB962C8B-B14F-4D97-AF65-F5344CB8AC3E}">
-        <p14:creationId xmlns:p14="http://schemas.microsoft.com/office/powerpoint/2010/main" val="1799415982"/>
-      </p:ext>
-    </p:extLst>
   </p:cSld>
   <p:clrMapOvr>
     <a:masterClrMapping/>
@@ -2785,13 +2382,7 @@
       </p:grpSpPr>
       <p:sp>
         <p:nvSpPr>
-          <p:cNvPr id="2" name="标题占位符 1">
-            <a:extLst>
-              <a:ext uri="{FF2B5EF4-FFF2-40B4-BE49-F238E27FC236}">
-                <a16:creationId xmlns:a16="http://schemas.microsoft.com/office/drawing/2014/main" id="{709C2219-0C14-4696-A975-82F6B974E334}"/>
-              </a:ext>
-            </a:extLst>
-          </p:cNvPr>
+          <p:cNvPr id="2" name="标题占位符 1"/>
           <p:cNvSpPr>
             <a:spLocks noGrp="1"/>
           </p:cNvSpPr>
@@ -2823,13 +2414,7 @@
       </p:sp>
       <p:sp>
         <p:nvSpPr>
-          <p:cNvPr id="3" name="文本占位符 2">
-            <a:extLst>
-              <a:ext uri="{FF2B5EF4-FFF2-40B4-BE49-F238E27FC236}">
-                <a16:creationId xmlns:a16="http://schemas.microsoft.com/office/drawing/2014/main" id="{10091FAC-976B-4655-9039-718BE8DDE0D5}"/>
-              </a:ext>
-            </a:extLst>
-          </p:cNvPr>
+          <p:cNvPr id="3" name="文本占位符 2"/>
           <p:cNvSpPr>
             <a:spLocks noGrp="1"/>
           </p:cNvSpPr>
@@ -2890,13 +2475,7 @@
       </p:sp>
       <p:sp>
         <p:nvSpPr>
-          <p:cNvPr id="4" name="日期占位符 3">
-            <a:extLst>
-              <a:ext uri="{FF2B5EF4-FFF2-40B4-BE49-F238E27FC236}">
-                <a16:creationId xmlns:a16="http://schemas.microsoft.com/office/drawing/2014/main" id="{99070DEB-4290-49A2-8FB6-7CFC2D8E6A7B}"/>
-              </a:ext>
-            </a:extLst>
-          </p:cNvPr>
+          <p:cNvPr id="4" name="日期占位符 3"/>
           <p:cNvSpPr>
             <a:spLocks noGrp="1"/>
           </p:cNvSpPr>
@@ -2929,7 +2508,7 @@
           <a:p>
             <a:fld id="{D5F9A1B7-175F-4738-8D83-7E13EBFA803A}" type="datetimeFigureOut">
               <a:rPr lang="zh-CN" altLang="en-US" smtClean="0"/>
-              <a:t>2018/7/20</a:t>
+              <a:t>2018/7/22</a:t>
             </a:fld>
             <a:endParaRPr lang="zh-CN" altLang="en-US"/>
           </a:p>
@@ -2937,13 +2516,7 @@
       </p:sp>
       <p:sp>
         <p:nvSpPr>
-          <p:cNvPr id="5" name="页脚占位符 4">
-            <a:extLst>
-              <a:ext uri="{FF2B5EF4-FFF2-40B4-BE49-F238E27FC236}">
-                <a16:creationId xmlns:a16="http://schemas.microsoft.com/office/drawing/2014/main" id="{9127BB72-B298-4CEE-8549-D24E78471B7D}"/>
-              </a:ext>
-            </a:extLst>
-          </p:cNvPr>
+          <p:cNvPr id="5" name="页脚占位符 4"/>
           <p:cNvSpPr>
             <a:spLocks noGrp="1"/>
           </p:cNvSpPr>
@@ -2980,13 +2553,7 @@
       </p:sp>
       <p:sp>
         <p:nvSpPr>
-          <p:cNvPr id="6" name="灯片编号占位符 5">
-            <a:extLst>
-              <a:ext uri="{FF2B5EF4-FFF2-40B4-BE49-F238E27FC236}">
-                <a16:creationId xmlns:a16="http://schemas.microsoft.com/office/drawing/2014/main" id="{FEB92AD8-C881-417A-9C61-47A6273470FD}"/>
-              </a:ext>
-            </a:extLst>
-          </p:cNvPr>
+          <p:cNvPr id="6" name="灯片编号占位符 5"/>
           <p:cNvSpPr>
             <a:spLocks noGrp="1"/>
           </p:cNvSpPr>
@@ -3026,11 +2593,6 @@
         </p:txBody>
       </p:sp>
     </p:spTree>
-    <p:extLst>
-      <p:ext uri="{BB962C8B-B14F-4D97-AF65-F5344CB8AC3E}">
-        <p14:creationId xmlns:p14="http://schemas.microsoft.com/office/powerpoint/2010/main" val="843904496"/>
-      </p:ext>
-    </p:extLst>
   </p:cSld>
   <p:clrMap bg1="lt1" tx1="dk1" bg2="lt2" tx2="dk2" accent1="accent1" accent2="accent2" accent3="accent3" accent4="accent4" accent5="accent5" accent6="accent6" hlink="hlink" folHlink="folHlink"/>
   <p:sldLayoutIdLst>
@@ -3348,13 +2910,7 @@
       </p:grpSpPr>
       <p:sp>
         <p:nvSpPr>
-          <p:cNvPr id="2" name="标题 1">
-            <a:extLst>
-              <a:ext uri="{FF2B5EF4-FFF2-40B4-BE49-F238E27FC236}">
-                <a16:creationId xmlns:a16="http://schemas.microsoft.com/office/drawing/2014/main" id="{DF74CC07-ACDD-4814-91B5-76120307CDF0}"/>
-              </a:ext>
-            </a:extLst>
-          </p:cNvPr>
+          <p:cNvPr id="2" name="标题 1"/>
           <p:cNvSpPr>
             <a:spLocks noGrp="1"/>
           </p:cNvSpPr>
@@ -3387,13 +2943,7 @@
       </p:sp>
       <p:sp>
         <p:nvSpPr>
-          <p:cNvPr id="3" name="副标题 2">
-            <a:extLst>
-              <a:ext uri="{FF2B5EF4-FFF2-40B4-BE49-F238E27FC236}">
-                <a16:creationId xmlns:a16="http://schemas.microsoft.com/office/drawing/2014/main" id="{86D103D7-03A9-410C-B355-D9CB8825327C}"/>
-              </a:ext>
-            </a:extLst>
-          </p:cNvPr>
+          <p:cNvPr id="3" name="副标题 2"/>
           <p:cNvSpPr>
             <a:spLocks noGrp="1"/>
           </p:cNvSpPr>
@@ -3416,11 +2966,6 @@
         </p:txBody>
       </p:sp>
     </p:spTree>
-    <p:extLst>
-      <p:ext uri="{BB962C8B-B14F-4D97-AF65-F5344CB8AC3E}">
-        <p14:creationId xmlns:p14="http://schemas.microsoft.com/office/powerpoint/2010/main" val="814114033"/>
-      </p:ext>
-    </p:extLst>
   </p:cSld>
   <p:clrMapOvr>
     <a:masterClrMapping/>
@@ -3447,13 +2992,7 @@
       </p:grpSpPr>
       <p:sp>
         <p:nvSpPr>
-          <p:cNvPr id="2" name="标题 1">
-            <a:extLst>
-              <a:ext uri="{FF2B5EF4-FFF2-40B4-BE49-F238E27FC236}">
-                <a16:creationId xmlns:a16="http://schemas.microsoft.com/office/drawing/2014/main" id="{4B0E7F7C-DDE1-426F-A419-03DA0EFFA1F5}"/>
-              </a:ext>
-            </a:extLst>
-          </p:cNvPr>
+          <p:cNvPr id="2" name="标题 1"/>
           <p:cNvSpPr>
             <a:spLocks noGrp="1"/>
           </p:cNvSpPr>
@@ -3481,16 +3020,12 @@
           </a:p>
         </p:txBody>
       </p:sp>
-      <mc:AlternateContent xmlns:mc="http://schemas.openxmlformats.org/markup-compatibility/2006" xmlns:a14="http://schemas.microsoft.com/office/drawing/2010/main">
-        <mc:Choice Requires="a14">
+      <mc:AlternateContent xmlns:mc="http://schemas.openxmlformats.org/markup-compatibility/2006">
+        <mc:Choice xmlns:a14="http://schemas.microsoft.com/office/drawing/2010/main" Requires="a14">
           <p:sp>
             <p:nvSpPr>
               <p:cNvPr id="3" name="副标题 2">
-                <a:extLst>
-                  <a:ext uri="{FF2B5EF4-FFF2-40B4-BE49-F238E27FC236}">
-                    <a16:creationId xmlns:a16="http://schemas.microsoft.com/office/drawing/2014/main" id="{9275ED89-1BC6-4B27-8ACB-2DC549115C13}"/>
-                  </a:ext>
-                </a:extLst>
+                <a:extLst/>
               </p:cNvPr>
               <p:cNvSpPr>
                 <a:spLocks noGrp="1"/>
@@ -3544,68 +3079,49 @@
                 </a:r>
               </a:p>
               <a:p>
-                <a:pPr algn="l"/>
+                <a:pPr algn="l">
+                  <a:lnSpc>
+                    <a:spcPct val="100000"/>
+                  </a:lnSpc>
+                </a:pPr>
                 <a:r>
                   <a:rPr lang="en-US" altLang="zh-CN" dirty="0">
                     <a:solidFill>
                       <a:srgbClr val="FF0000"/>
                     </a:solidFill>
                   </a:rPr>
-                  <a:t>    HDFS</a:t>
-                </a:r>
-                <a:r>
-                  <a:rPr lang="zh-CN" altLang="en-US" dirty="0">
-                    <a:solidFill>
-                      <a:srgbClr val="FF0000"/>
-                    </a:solidFill>
-                  </a:rPr>
+                  <a:t>    </a:t>
+                </a:r>
+                <a:r>
+                  <a:rPr lang="en-US" altLang="zh-CN" sz="2000" dirty="0"/>
+                  <a:t>HDFS</a:t>
+                </a:r>
+                <a:r>
+                  <a:rPr lang="zh-CN" altLang="en-US" sz="2000" dirty="0"/>
                   <a:t>集群中的任意文件</a:t>
                 </a:r>
                 <a:r>
-                  <a:rPr lang="en-US" altLang="zh-CN" dirty="0">
-                    <a:solidFill>
-                      <a:srgbClr val="FF0000"/>
-                    </a:solidFill>
-                  </a:rPr>
+                  <a:rPr lang="en-US" altLang="zh-CN" sz="2000" dirty="0"/>
                   <a:t>F</a:t>
                 </a:r>
                 <a:r>
-                  <a:rPr lang="zh-CN" altLang="en-US" dirty="0">
-                    <a:solidFill>
-                      <a:srgbClr val="FF0000"/>
-                    </a:solidFill>
-                  </a:rPr>
+                  <a:rPr lang="zh-CN" altLang="en-US" sz="2000" dirty="0"/>
                   <a:t>处于可用状态的条件是该文件数据块</a:t>
                 </a:r>
                 <a14:m>
                   <m:oMath xmlns:m="http://schemas.openxmlformats.org/officeDocument/2006/math">
                     <m:r>
-                      <a:rPr lang="zh-CN" altLang="en-US" i="1" dirty="0">
-                        <a:solidFill>
-                          <a:srgbClr val="FF0000"/>
-                        </a:solidFill>
-                        <a:latin typeface="Cambria Math" panose="02040503050406030204" pitchFamily="18" charset="0"/>
-                      </a:rPr>
+                      <a:rPr lang="zh-CN" altLang="en-US" sz="2000" dirty="0"/>
                       <m:t>状态</m:t>
                     </m:r>
                     <m:r>
-                      <a:rPr lang="zh-CN" altLang="en-US" i="1" dirty="0" smtClean="0">
-                        <a:solidFill>
-                          <a:srgbClr val="FF0000"/>
-                        </a:solidFill>
-                        <a:latin typeface="Cambria Math" panose="02040503050406030204" pitchFamily="18" charset="0"/>
-                      </a:rPr>
+                      <a:rPr lang="zh-CN" altLang="en-US" sz="2000" dirty="0"/>
                       <m:t>矩阵</m:t>
                     </m:r>
                     <m:sSub>
                       <m:sSubPr>
                         <m:ctrlPr>
-                          <a:rPr lang="en-US" altLang="zh-CN" i="1" smtClean="0">
-                            <a:solidFill>
-                              <a:srgbClr val="FF0000"/>
-                            </a:solidFill>
-                            <a:latin typeface="Cambria Math" panose="02040503050406030204" pitchFamily="18" charset="0"/>
-                          </a:rPr>
+                          <a:rPr lang="en-US" altLang="zh-CN" sz="2000"/>
                         </m:ctrlPr>
                       </m:sSubPr>
                       <m:e>
@@ -3613,43 +3129,21 @@
                           <m:rPr>
                             <m:sty m:val="p"/>
                           </m:rPr>
-                          <a:rPr lang="en-US" altLang="zh-CN" i="1">
-                            <a:solidFill>
-                              <a:srgbClr val="FF0000"/>
-                            </a:solidFill>
-                            <a:latin typeface="Cambria Math" panose="02040503050406030204" pitchFamily="18" charset="0"/>
-                          </a:rPr>
+                          <a:rPr lang="en-US" altLang="zh-CN" sz="2000"/>
                           <m:t>BS</m:t>
                         </m:r>
                       </m:e>
                       <m:sub>
                         <m:r>
-                          <a:rPr lang="en-US" altLang="zh-CN" b="0" i="1" smtClean="0">
-                            <a:solidFill>
-                              <a:srgbClr val="FF0000"/>
-                            </a:solidFill>
-                            <a:latin typeface="Cambria Math" panose="02040503050406030204" pitchFamily="18" charset="0"/>
-                          </a:rPr>
+                          <a:rPr lang="en-US" altLang="zh-CN" sz="2000"/>
                           <m:t>𝑛</m:t>
                         </m:r>
                         <m:r>
-                          <a:rPr lang="en-US" altLang="zh-CN" b="0" i="1" smtClean="0">
-                            <a:solidFill>
-                              <a:srgbClr val="FF0000"/>
-                            </a:solidFill>
-                            <a:latin typeface="Cambria Math" panose="02040503050406030204" pitchFamily="18" charset="0"/>
-                            <a:ea typeface="Cambria Math" panose="02040503050406030204" pitchFamily="18" charset="0"/>
-                          </a:rPr>
+                          <a:rPr lang="en-US" altLang="zh-CN" sz="2000"/>
                           <m:t>×</m:t>
                         </m:r>
                         <m:r>
-                          <a:rPr lang="en-US" altLang="zh-CN" b="0" i="1" smtClean="0">
-                            <a:solidFill>
-                              <a:srgbClr val="FF0000"/>
-                            </a:solidFill>
-                            <a:latin typeface="Cambria Math" panose="02040503050406030204" pitchFamily="18" charset="0"/>
-                            <a:ea typeface="Cambria Math" panose="02040503050406030204" pitchFamily="18" charset="0"/>
-                          </a:rPr>
+                          <a:rPr lang="en-US" altLang="zh-CN" sz="2000"/>
                           <m:t>𝑚</m:t>
                         </m:r>
                       </m:sub>
@@ -3657,42 +3151,30 @@
                   </m:oMath>
                 </a14:m>
                 <a:r>
-                  <a:rPr lang="zh-CN" altLang="en-US" dirty="0">
-                    <a:solidFill>
-                      <a:srgbClr val="FF0000"/>
-                    </a:solidFill>
-                  </a:rPr>
+                  <a:rPr lang="zh-CN" altLang="en-US" sz="2000" dirty="0"/>
                   <a:t>中的每一个行至少存在一个状态为</a:t>
                 </a:r>
                 <a:r>
-                  <a:rPr lang="en-US" altLang="zh-CN" dirty="0">
-                    <a:solidFill>
-                      <a:srgbClr val="FF0000"/>
-                    </a:solidFill>
-                  </a:rPr>
+                  <a:rPr lang="en-US" altLang="zh-CN" sz="2000" dirty="0"/>
                   <a:t>1</a:t>
                 </a:r>
                 <a:r>
-                  <a:rPr lang="zh-CN" altLang="en-US" dirty="0">
-                    <a:solidFill>
-                      <a:srgbClr val="FF0000"/>
-                    </a:solidFill>
-                  </a:rPr>
+                  <a:rPr lang="zh-CN" altLang="en-US" sz="2000" dirty="0"/>
                   <a:t>的数据块。</a:t>
                 </a:r>
-                <a:endParaRPr lang="en-US" altLang="zh-CN" dirty="0">
-                  <a:solidFill>
-                    <a:srgbClr val="FF0000"/>
-                  </a:solidFill>
-                </a:endParaRPr>
+                <a:endParaRPr lang="en-US" altLang="zh-CN" sz="2000" dirty="0"/>
               </a:p>
               <a:p>
-                <a:pPr algn="l"/>
-                <a:r>
-                  <a:rPr lang="zh-CN" altLang="en-US" dirty="0"/>
+                <a:pPr algn="l">
+                  <a:lnSpc>
+                    <a:spcPct val="100000"/>
+                  </a:lnSpc>
+                </a:pPr>
+                <a:r>
+                  <a:rPr lang="zh-CN" altLang="en-US" sz="2000" dirty="0"/>
                   <a:t>证明：反证法</a:t>
                 </a:r>
-                <a:endParaRPr lang="en-US" altLang="zh-CN" dirty="0"/>
+                <a:endParaRPr lang="en-US" altLang="zh-CN" sz="2000" dirty="0"/>
               </a:p>
               <a:p>
                 <a:pPr algn="l"/>
@@ -3701,15 +3183,11 @@
             </p:txBody>
           </p:sp>
         </mc:Choice>
-        <mc:Fallback xmlns="">
+        <mc:Fallback>
           <p:sp>
             <p:nvSpPr>
               <p:cNvPr id="3" name="副标题 2">
-                <a:extLst>
-                  <a:ext uri="{FF2B5EF4-FFF2-40B4-BE49-F238E27FC236}">
-                    <a16:creationId xmlns:a16="http://schemas.microsoft.com/office/drawing/2014/main" id="{9275ED89-1BC6-4B27-8ACB-2DC549115C13}"/>
-                  </a:ext>
-                </a:extLst>
+                <a:extLst/>
               </p:cNvPr>
               <p:cNvSpPr>
                 <a:spLocks noGrp="1" noRot="1" noChangeAspect="1" noMove="1" noResize="1" noEditPoints="1" noAdjustHandles="1" noChangeArrowheads="1" noChangeShapeType="1" noTextEdit="1"/>
@@ -3746,11 +3224,6 @@
         </mc:Fallback>
       </mc:AlternateContent>
     </p:spTree>
-    <p:extLst>
-      <p:ext uri="{BB962C8B-B14F-4D97-AF65-F5344CB8AC3E}">
-        <p14:creationId xmlns:p14="http://schemas.microsoft.com/office/powerpoint/2010/main" val="584290759"/>
-      </p:ext>
-    </p:extLst>
   </p:cSld>
   <p:clrMapOvr>
     <a:masterClrMapping/>
@@ -3777,13 +3250,7 @@
       </p:grpSpPr>
       <p:sp>
         <p:nvSpPr>
-          <p:cNvPr id="2" name="标题 1">
-            <a:extLst>
-              <a:ext uri="{FF2B5EF4-FFF2-40B4-BE49-F238E27FC236}">
-                <a16:creationId xmlns:a16="http://schemas.microsoft.com/office/drawing/2014/main" id="{5A493D93-019B-42D2-A4E9-A7C56C9747F9}"/>
-              </a:ext>
-            </a:extLst>
-          </p:cNvPr>
+          <p:cNvPr id="2" name="标题 1"/>
           <p:cNvSpPr>
             <a:spLocks noGrp="1"/>
           </p:cNvSpPr>
@@ -3816,11 +3283,7 @@
           <p:sp>
             <p:nvSpPr>
               <p:cNvPr id="3" name="副标题 2">
-                <a:extLst>
-                  <a:ext uri="{FF2B5EF4-FFF2-40B4-BE49-F238E27FC236}">
-                    <a16:creationId xmlns:a16="http://schemas.microsoft.com/office/drawing/2014/main" id="{EAA42E4E-364A-47BD-96A9-FE6DD67187DF}"/>
-                  </a:ext>
-                </a:extLst>
+                <a:extLst/>
               </p:cNvPr>
               <p:cNvSpPr>
                 <a:spLocks noGrp="1"/>
@@ -3841,7 +3304,11 @@
               </a:bodyPr>
               <a:lstStyle/>
               <a:p>
-                <a:pPr algn="l"/>
+                <a:pPr algn="l">
+                  <a:lnSpc>
+                    <a:spcPct val="110000"/>
+                  </a:lnSpc>
+                </a:pPr>
                 <a:r>
                   <a:rPr lang="zh-CN" altLang="en-US" dirty="0"/>
                   <a:t>    将</a:t>
@@ -4347,7 +3814,11 @@
                 </a:r>
               </a:p>
               <a:p>
-                <a:pPr algn="l"/>
+                <a:pPr algn="l">
+                  <a:lnSpc>
+                    <a:spcPct val="110000"/>
+                  </a:lnSpc>
+                </a:pPr>
                 <a:r>
                   <a:rPr lang="en-US" altLang="zh-CN" dirty="0"/>
                   <a:t>    </a:t>
@@ -4463,7 +3934,11 @@
                 <a:endParaRPr lang="en-US" altLang="zh-CN" dirty="0"/>
               </a:p>
               <a:p>
-                <a:pPr algn="l"/>
+                <a:pPr algn="l">
+                  <a:lnSpc>
+                    <a:spcPct val="110000"/>
+                  </a:lnSpc>
+                </a:pPr>
                 <a:r>
                   <a:rPr lang="en-US" altLang="zh-CN" dirty="0"/>
                   <a:t>     </a:t>
@@ -4508,11 +3983,7 @@
           <p:sp>
             <p:nvSpPr>
               <p:cNvPr id="3" name="副标题 2">
-                <a:extLst>
-                  <a:ext uri="{FF2B5EF4-FFF2-40B4-BE49-F238E27FC236}">
-                    <a16:creationId xmlns:a16="http://schemas.microsoft.com/office/drawing/2014/main" id="{EAA42E4E-364A-47BD-96A9-FE6DD67187DF}"/>
-                  </a:ext>
-                </a:extLst>
+                <a:extLst/>
               </p:cNvPr>
               <p:cNvSpPr>
                 <a:spLocks noGrp="1" noRot="1" noChangeAspect="1" noMove="1" noResize="1" noEditPoints="1" noAdjustHandles="1" noChangeArrowheads="1" noChangeShapeType="1" noTextEdit="1"/>
@@ -4529,7 +4000,7 @@
               <a:blipFill>
                 <a:blip r:embed="rId2"/>
                 <a:stretch>
-                  <a:fillRect l="-683" t="-1697" r="-435"/>
+                  <a:fillRect l="-683" t="-679" r="-435"/>
                 </a:stretch>
               </a:blipFill>
             </p:spPr>
@@ -4549,11 +4020,6 @@
         </mc:Fallback>
       </mc:AlternateContent>
     </p:spTree>
-    <p:extLst>
-      <p:ext uri="{BB962C8B-B14F-4D97-AF65-F5344CB8AC3E}">
-        <p14:creationId xmlns:p14="http://schemas.microsoft.com/office/powerpoint/2010/main" val="1190548371"/>
-      </p:ext>
-    </p:extLst>
   </p:cSld>
   <p:clrMapOvr>
     <a:masterClrMapping/>
@@ -4580,13 +4046,7 @@
       </p:grpSpPr>
       <p:sp>
         <p:nvSpPr>
-          <p:cNvPr id="2" name="标题 1">
-            <a:extLst>
-              <a:ext uri="{FF2B5EF4-FFF2-40B4-BE49-F238E27FC236}">
-                <a16:creationId xmlns:a16="http://schemas.microsoft.com/office/drawing/2014/main" id="{A21A997C-7987-4F1B-8BCD-9A9014697D10}"/>
-              </a:ext>
-            </a:extLst>
-          </p:cNvPr>
+          <p:cNvPr id="2" name="标题 1"/>
           <p:cNvSpPr>
             <a:spLocks noGrp="1"/>
           </p:cNvSpPr>
@@ -4619,11 +4079,7 @@
           <p:sp>
             <p:nvSpPr>
               <p:cNvPr id="3" name="副标题 2">
-                <a:extLst>
-                  <a:ext uri="{FF2B5EF4-FFF2-40B4-BE49-F238E27FC236}">
-                    <a16:creationId xmlns:a16="http://schemas.microsoft.com/office/drawing/2014/main" id="{AFBE4958-F943-4F01-B8B1-222DC86D70AF}"/>
-                  </a:ext>
-                </a:extLst>
+                <a:extLst/>
               </p:cNvPr>
               <p:cNvSpPr>
                 <a:spLocks noGrp="1"/>
@@ -4676,7 +4132,11 @@
                 </a:endParaRPr>
               </a:p>
               <a:p>
-                <a:pPr algn="l"/>
+                <a:pPr algn="l">
+                  <a:lnSpc>
+                    <a:spcPct val="100000"/>
+                  </a:lnSpc>
+                </a:pPr>
                 <a:r>
                   <a:rPr lang="en-US" altLang="zh-CN" sz="2000" dirty="0"/>
                   <a:t>    </a:t>
@@ -4692,59 +4152,38 @@
                 <a14:m>
                   <m:oMath xmlns:m="http://schemas.openxmlformats.org/officeDocument/2006/math">
                     <m:r>
-                      <a:rPr lang="en-US" altLang="zh-CN" sz="2000" i="1">
-                        <a:latin typeface="Cambria Math" panose="02040503050406030204" pitchFamily="18" charset="0"/>
-                        <a:ea typeface="Cambria Math" panose="02040503050406030204" pitchFamily="18" charset="0"/>
-                      </a:rPr>
+                      <a:rPr lang="en-US" altLang="zh-CN" sz="2000"/>
                       <m:t>≤ </m:t>
                     </m:r>
                     <m:sSub>
                       <m:sSubPr>
                         <m:ctrlPr>
-                          <a:rPr lang="en-US" altLang="zh-CN" sz="2000" i="1">
-                            <a:latin typeface="Cambria Math" panose="02040503050406030204" pitchFamily="18" charset="0"/>
-                            <a:ea typeface="Cambria Math" panose="02040503050406030204" pitchFamily="18" charset="0"/>
-                          </a:rPr>
+                          <a:rPr lang="en-US" altLang="zh-CN" sz="2000"/>
                         </m:ctrlPr>
                       </m:sSubPr>
                       <m:e>
                         <m:r>
-                          <a:rPr lang="en-US" altLang="zh-CN" sz="2000" i="1">
-                            <a:latin typeface="Cambria Math" panose="02040503050406030204" pitchFamily="18" charset="0"/>
-                            <a:ea typeface="Cambria Math" panose="02040503050406030204" pitchFamily="18" charset="0"/>
-                          </a:rPr>
+                          <a:rPr lang="en-US" altLang="zh-CN" sz="2000"/>
                           <m:t>𝑐</m:t>
                         </m:r>
                       </m:e>
                       <m:sub>
                         <m:r>
-                          <a:rPr lang="en-US" altLang="zh-CN" sz="2000" i="1">
-                            <a:latin typeface="Cambria Math" panose="02040503050406030204" pitchFamily="18" charset="0"/>
-                            <a:ea typeface="Cambria Math" panose="02040503050406030204" pitchFamily="18" charset="0"/>
-                          </a:rPr>
+                          <a:rPr lang="en-US" altLang="zh-CN" sz="2000"/>
                           <m:t>𝑠𝑚</m:t>
                         </m:r>
                         <m:r>
-                          <a:rPr lang="en-US" altLang="zh-CN" sz="2000" i="1">
-                            <a:latin typeface="Cambria Math" panose="02040503050406030204" pitchFamily="18" charset="0"/>
-                            <a:ea typeface="Cambria Math" panose="02040503050406030204" pitchFamily="18" charset="0"/>
-                          </a:rPr>
+                          <a:rPr lang="en-US" altLang="zh-CN" sz="2000"/>
                           <m:t>×</m:t>
                         </m:r>
                         <m:r>
-                          <a:rPr lang="en-US" altLang="zh-CN" sz="2000" i="1">
-                            <a:latin typeface="Cambria Math" panose="02040503050406030204" pitchFamily="18" charset="0"/>
-                            <a:ea typeface="Cambria Math" panose="02040503050406030204" pitchFamily="18" charset="0"/>
-                          </a:rPr>
+                          <a:rPr lang="en-US" altLang="zh-CN" sz="2000"/>
                           <m:t>𝑖</m:t>
                         </m:r>
                       </m:sub>
                     </m:sSub>
                     <m:r>
-                      <a:rPr lang="en-US" altLang="zh-CN" sz="2000" i="1">
-                        <a:latin typeface="Cambria Math" panose="02040503050406030204" pitchFamily="18" charset="0"/>
-                        <a:ea typeface="Cambria Math" panose="02040503050406030204" pitchFamily="18" charset="0"/>
-                      </a:rPr>
+                      <a:rPr lang="en-US" altLang="zh-CN" sz="2000"/>
                       <m:t> </m:t>
                     </m:r>
                   </m:oMath>
@@ -4768,23 +4207,43 @@
                 <a:endParaRPr lang="en-US" altLang="zh-CN" sz="2000" dirty="0"/>
               </a:p>
               <a:p>
-                <a:pPr algn="l"/>
+                <a:pPr algn="l">
+                  <a:lnSpc>
+                    <a:spcPct val="100000"/>
+                  </a:lnSpc>
+                </a:pPr>
                 <a:endParaRPr lang="en-US" altLang="zh-CN" sz="2000" dirty="0"/>
               </a:p>
               <a:p>
-                <a:pPr algn="l"/>
+                <a:pPr algn="l">
+                  <a:lnSpc>
+                    <a:spcPct val="100000"/>
+                  </a:lnSpc>
+                </a:pPr>
                 <a:endParaRPr lang="en-US" altLang="zh-CN" sz="2000" dirty="0"/>
               </a:p>
               <a:p>
-                <a:pPr algn="l"/>
+                <a:pPr algn="l">
+                  <a:lnSpc>
+                    <a:spcPct val="100000"/>
+                  </a:lnSpc>
+                </a:pPr>
                 <a:endParaRPr lang="en-US" altLang="zh-CN" sz="2000" dirty="0"/>
               </a:p>
               <a:p>
-                <a:pPr algn="l"/>
+                <a:pPr algn="l">
+                  <a:lnSpc>
+                    <a:spcPct val="100000"/>
+                  </a:lnSpc>
+                </a:pPr>
                 <a:endParaRPr lang="en-US" altLang="zh-CN" sz="2000" dirty="0"/>
               </a:p>
               <a:p>
-                <a:pPr algn="l"/>
+                <a:pPr algn="l">
+                  <a:lnSpc>
+                    <a:spcPct val="100000"/>
+                  </a:lnSpc>
+                </a:pPr>
                 <a:r>
                   <a:rPr lang="zh-CN" altLang="en-US" sz="2000" dirty="0"/>
                   <a:t>其中（</a:t>
@@ -4794,24 +4253,18 @@
                     <m:sSub>
                       <m:sSubPr>
                         <m:ctrlPr>
-                          <a:rPr lang="en-US" altLang="zh-CN" sz="2000" i="1" smtClean="0">
-                            <a:latin typeface="Cambria Math" panose="02040503050406030204" pitchFamily="18" charset="0"/>
-                          </a:rPr>
+                          <a:rPr lang="en-US" altLang="zh-CN" sz="2000"/>
                         </m:ctrlPr>
                       </m:sSubPr>
                       <m:e>
                         <m:r>
-                          <a:rPr lang="en-US" altLang="zh-CN" sz="2000" b="0" i="1" smtClean="0">
-                            <a:latin typeface="Cambria Math" panose="02040503050406030204" pitchFamily="18" charset="0"/>
-                          </a:rPr>
+                          <a:rPr lang="en-US" altLang="zh-CN" sz="2000"/>
                           <m:t>𝑛</m:t>
                         </m:r>
                       </m:e>
                       <m:sub>
                         <m:r>
-                          <a:rPr lang="en-US" altLang="zh-CN" sz="2000" b="0" i="1" smtClean="0">
-                            <a:latin typeface="Cambria Math" panose="02040503050406030204" pitchFamily="18" charset="0"/>
-                          </a:rPr>
+                          <a:rPr lang="en-US" altLang="zh-CN" sz="2000"/>
                           <m:t>1</m:t>
                         </m:r>
                       </m:sub>
@@ -4827,24 +4280,18 @@
                     <m:sSub>
                       <m:sSubPr>
                         <m:ctrlPr>
-                          <a:rPr lang="en-US" altLang="zh-CN" sz="2000" i="1">
-                            <a:latin typeface="Cambria Math" panose="02040503050406030204" pitchFamily="18" charset="0"/>
-                          </a:rPr>
+                          <a:rPr lang="en-US" altLang="zh-CN" sz="2000"/>
                         </m:ctrlPr>
                       </m:sSubPr>
                       <m:e>
                         <m:r>
-                          <a:rPr lang="en-US" altLang="zh-CN" sz="2000" i="1">
-                            <a:latin typeface="Cambria Math" panose="02040503050406030204" pitchFamily="18" charset="0"/>
-                          </a:rPr>
+                          <a:rPr lang="en-US" altLang="zh-CN" sz="2000"/>
                           <m:t>𝑛</m:t>
                         </m:r>
                       </m:e>
                       <m:sub>
                         <m:r>
-                          <a:rPr lang="en-US" altLang="zh-CN" sz="2000" b="0" i="1" smtClean="0">
-                            <a:latin typeface="Cambria Math" panose="02040503050406030204" pitchFamily="18" charset="0"/>
-                          </a:rPr>
+                          <a:rPr lang="en-US" altLang="zh-CN" sz="2000"/>
                           <m:t>2</m:t>
                         </m:r>
                       </m:sub>
@@ -4860,24 +4307,18 @@
                     <m:sSub>
                       <m:sSubPr>
                         <m:ctrlPr>
-                          <a:rPr lang="en-US" altLang="zh-CN" sz="2000" i="1">
-                            <a:latin typeface="Cambria Math" panose="02040503050406030204" pitchFamily="18" charset="0"/>
-                          </a:rPr>
+                          <a:rPr lang="en-US" altLang="zh-CN" sz="2000"/>
                         </m:ctrlPr>
                       </m:sSubPr>
                       <m:e>
                         <m:r>
-                          <a:rPr lang="en-US" altLang="zh-CN" sz="2000" i="1">
-                            <a:latin typeface="Cambria Math" panose="02040503050406030204" pitchFamily="18" charset="0"/>
-                          </a:rPr>
+                          <a:rPr lang="en-US" altLang="zh-CN" sz="2000"/>
                           <m:t>𝑛</m:t>
                         </m:r>
                       </m:e>
                       <m:sub>
                         <m:r>
-                          <a:rPr lang="en-US" altLang="zh-CN" sz="2000" b="0" i="1" smtClean="0">
-                            <a:latin typeface="Cambria Math" panose="02040503050406030204" pitchFamily="18" charset="0"/>
-                          </a:rPr>
+                          <a:rPr lang="en-US" altLang="zh-CN" sz="2000"/>
                           <m:t>3</m:t>
                         </m:r>
                       </m:sub>
@@ -4893,24 +4334,18 @@
                     <m:sSub>
                       <m:sSubPr>
                         <m:ctrlPr>
-                          <a:rPr lang="en-US" altLang="zh-CN" sz="2000" i="1">
-                            <a:latin typeface="Cambria Math" panose="02040503050406030204" pitchFamily="18" charset="0"/>
-                          </a:rPr>
+                          <a:rPr lang="en-US" altLang="zh-CN" sz="2000"/>
                         </m:ctrlPr>
                       </m:sSubPr>
                       <m:e>
                         <m:r>
-                          <a:rPr lang="en-US" altLang="zh-CN" sz="2000" i="1">
-                            <a:latin typeface="Cambria Math" panose="02040503050406030204" pitchFamily="18" charset="0"/>
-                          </a:rPr>
+                          <a:rPr lang="en-US" altLang="zh-CN" sz="2000"/>
                           <m:t>𝑛</m:t>
                         </m:r>
                       </m:e>
                       <m:sub>
                         <m:r>
-                          <a:rPr lang="en-US" altLang="zh-CN" sz="2000" b="0" i="1" smtClean="0">
-                            <a:latin typeface="Cambria Math" panose="02040503050406030204" pitchFamily="18" charset="0"/>
-                          </a:rPr>
+                          <a:rPr lang="en-US" altLang="zh-CN" sz="2000"/>
                           <m:t>𝑤</m:t>
                         </m:r>
                       </m:sub>
@@ -4942,9 +4377,7 @@
                     <m:sSub>
                       <m:sSubPr>
                         <m:ctrlPr>
-                          <a:rPr lang="en-US" altLang="zh-CN" sz="2000" i="1">
-                            <a:latin typeface="Cambria Math" panose="02040503050406030204" pitchFamily="18" charset="0"/>
-                          </a:rPr>
+                          <a:rPr lang="en-US" altLang="zh-CN" sz="2000"/>
                         </m:ctrlPr>
                       </m:sSubPr>
                       <m:e>
@@ -4952,48 +4385,36 @@
                           <m:rPr>
                             <m:sty m:val="p"/>
                           </m:rPr>
-                          <a:rPr lang="en-US" altLang="zh-CN" sz="2000" i="1" smtClean="0">
-                            <a:latin typeface="Cambria Math" panose="02040503050406030204" pitchFamily="18" charset="0"/>
-                          </a:rPr>
+                          <a:rPr lang="en-US" altLang="zh-CN" sz="2000"/>
                           <m:t>F</m:t>
                         </m:r>
                       </m:e>
                       <m:sub>
                         <m:r>
-                          <a:rPr lang="en-US" altLang="zh-CN" sz="2000" i="1">
-                            <a:latin typeface="Cambria Math" panose="02040503050406030204" pitchFamily="18" charset="0"/>
-                          </a:rPr>
+                          <a:rPr lang="en-US" altLang="zh-CN" sz="2000"/>
                           <m:t>1</m:t>
                         </m:r>
                       </m:sub>
                     </m:sSub>
                     <m:r>
-                      <a:rPr lang="en-US" altLang="zh-CN" sz="2000" b="0" i="1" smtClean="0">
-                        <a:latin typeface="Cambria Math" panose="02040503050406030204" pitchFamily="18" charset="0"/>
-                      </a:rPr>
+                      <a:rPr lang="en-US" altLang="zh-CN" sz="2000"/>
                       <m:t>,</m:t>
                     </m:r>
                     <m:sSub>
                       <m:sSubPr>
                         <m:ctrlPr>
-                          <a:rPr lang="en-US" altLang="zh-CN" sz="2000" i="1">
-                            <a:latin typeface="Cambria Math" panose="02040503050406030204" pitchFamily="18" charset="0"/>
-                          </a:rPr>
+                          <a:rPr lang="en-US" altLang="zh-CN" sz="2000"/>
                         </m:ctrlPr>
                       </m:sSubPr>
                       <m:e>
                         <m:r>
-                          <a:rPr lang="en-US" altLang="zh-CN" sz="2000" b="0" i="1" smtClean="0">
-                            <a:latin typeface="Cambria Math" panose="02040503050406030204" pitchFamily="18" charset="0"/>
-                          </a:rPr>
+                          <a:rPr lang="en-US" altLang="zh-CN" sz="2000"/>
                           <m:t>𝐹</m:t>
                         </m:r>
                       </m:e>
                       <m:sub>
                         <m:r>
-                          <a:rPr lang="en-US" altLang="zh-CN" sz="2000" b="0" i="1" smtClean="0">
-                            <a:latin typeface="Cambria Math" panose="02040503050406030204" pitchFamily="18" charset="0"/>
-                          </a:rPr>
+                          <a:rPr lang="en-US" altLang="zh-CN" sz="2000"/>
                           <m:t>2</m:t>
                         </m:r>
                       </m:sub>
@@ -5009,24 +4430,18 @@
                     <m:sSub>
                       <m:sSubPr>
                         <m:ctrlPr>
-                          <a:rPr lang="en-US" altLang="zh-CN" sz="2000" i="1">
-                            <a:latin typeface="Cambria Math" panose="02040503050406030204" pitchFamily="18" charset="0"/>
-                          </a:rPr>
+                          <a:rPr lang="en-US" altLang="zh-CN" sz="2000"/>
                         </m:ctrlPr>
                       </m:sSubPr>
                       <m:e>
                         <m:r>
-                          <a:rPr lang="en-US" altLang="zh-CN" sz="2000" b="0" i="1" smtClean="0">
-                            <a:latin typeface="Cambria Math" panose="02040503050406030204" pitchFamily="18" charset="0"/>
-                          </a:rPr>
+                          <a:rPr lang="en-US" altLang="zh-CN" sz="2000"/>
                           <m:t>𝐹</m:t>
                         </m:r>
                       </m:e>
                       <m:sub>
                         <m:r>
-                          <a:rPr lang="en-US" altLang="zh-CN" sz="2000" b="0" i="1" smtClean="0">
-                            <a:latin typeface="Cambria Math" panose="02040503050406030204" pitchFamily="18" charset="0"/>
-                          </a:rPr>
+                          <a:rPr lang="en-US" altLang="zh-CN" sz="2000"/>
                           <m:t>𝑤</m:t>
                         </m:r>
                       </m:sub>
@@ -5050,100 +4465,74 @@
                     <m:sSub>
                       <m:sSubPr>
                         <m:ctrlPr>
-                          <a:rPr lang="en-US" altLang="zh-CN" sz="2000" i="1">
-                            <a:latin typeface="Cambria Math" panose="02040503050406030204" pitchFamily="18" charset="0"/>
-                          </a:rPr>
+                          <a:rPr lang="en-US" altLang="zh-CN" sz="2000"/>
                         </m:ctrlPr>
                       </m:sSubPr>
                       <m:e>
                         <m:r>
-                          <a:rPr lang="en-US" altLang="zh-CN" sz="2000" b="0" i="1" smtClean="0">
-                            <a:latin typeface="Cambria Math" panose="02040503050406030204" pitchFamily="18" charset="0"/>
-                          </a:rPr>
+                          <a:rPr lang="en-US" altLang="zh-CN" sz="2000"/>
                           <m:t>𝑚</m:t>
                         </m:r>
                       </m:e>
                       <m:sub>
                         <m:r>
-                          <a:rPr lang="en-US" altLang="zh-CN" sz="2000" i="1">
-                            <a:latin typeface="Cambria Math" panose="02040503050406030204" pitchFamily="18" charset="0"/>
-                          </a:rPr>
+                          <a:rPr lang="en-US" altLang="zh-CN" sz="2000"/>
                           <m:t>1</m:t>
                         </m:r>
                       </m:sub>
                     </m:sSub>
                     <m:r>
-                      <a:rPr lang="en-US" altLang="zh-CN" sz="2000" b="0" i="1" smtClean="0">
-                        <a:latin typeface="Cambria Math" panose="02040503050406030204" pitchFamily="18" charset="0"/>
-                      </a:rPr>
+                      <a:rPr lang="en-US" altLang="zh-CN" sz="2000"/>
                       <m:t>,</m:t>
                     </m:r>
                     <m:r>
-                      <a:rPr lang="en-US" altLang="zh-CN" sz="2000" i="1">
-                        <a:latin typeface="Cambria Math" panose="02040503050406030204" pitchFamily="18" charset="0"/>
-                      </a:rPr>
+                      <a:rPr lang="en-US" altLang="zh-CN" sz="2000"/>
                       <m:t> </m:t>
                     </m:r>
                     <m:sSub>
                       <m:sSubPr>
                         <m:ctrlPr>
-                          <a:rPr lang="en-US" altLang="zh-CN" sz="2000" i="1">
-                            <a:latin typeface="Cambria Math" panose="02040503050406030204" pitchFamily="18" charset="0"/>
-                          </a:rPr>
+                          <a:rPr lang="en-US" altLang="zh-CN" sz="2000"/>
                         </m:ctrlPr>
                       </m:sSubPr>
                       <m:e>
                         <m:r>
-                          <a:rPr lang="en-US" altLang="zh-CN" sz="2000" i="1">
-                            <a:latin typeface="Cambria Math" panose="02040503050406030204" pitchFamily="18" charset="0"/>
-                          </a:rPr>
+                          <a:rPr lang="en-US" altLang="zh-CN" sz="2000"/>
                           <m:t>𝑚</m:t>
                         </m:r>
                       </m:e>
                       <m:sub>
                         <m:r>
-                          <a:rPr lang="en-US" altLang="zh-CN" sz="2000" i="1" smtClean="0">
-                            <a:latin typeface="Cambria Math" panose="02040503050406030204" pitchFamily="18" charset="0"/>
-                          </a:rPr>
+                          <a:rPr lang="en-US" altLang="zh-CN" sz="2000"/>
                           <m:t>2</m:t>
                         </m:r>
                       </m:sub>
                     </m:sSub>
                     <m:r>
-                      <a:rPr lang="en-US" altLang="zh-CN" sz="2000" i="1">
-                        <a:latin typeface="Cambria Math" panose="02040503050406030204" pitchFamily="18" charset="0"/>
-                      </a:rPr>
+                      <a:rPr lang="en-US" altLang="zh-CN" sz="2000"/>
                       <m:t>, </m:t>
                     </m:r>
                     <m:sSub>
                       <m:sSubPr>
                         <m:ctrlPr>
-                          <a:rPr lang="en-US" altLang="zh-CN" sz="2000" i="1">
-                            <a:latin typeface="Cambria Math" panose="02040503050406030204" pitchFamily="18" charset="0"/>
-                          </a:rPr>
+                          <a:rPr lang="en-US" altLang="zh-CN" sz="2000"/>
                         </m:ctrlPr>
                       </m:sSubPr>
                       <m:e>
                         <m:r>
-                          <a:rPr lang="en-US" altLang="zh-CN" sz="2000" i="1">
-                            <a:latin typeface="Cambria Math" panose="02040503050406030204" pitchFamily="18" charset="0"/>
-                          </a:rPr>
+                          <a:rPr lang="en-US" altLang="zh-CN" sz="2000"/>
                           <m:t>𝑚</m:t>
                         </m:r>
                       </m:e>
                       <m:sub>
                         <m:r>
-                          <a:rPr lang="en-US" altLang="zh-CN" sz="2000" i="1" smtClean="0">
-                            <a:latin typeface="Cambria Math" panose="02040503050406030204" pitchFamily="18" charset="0"/>
-                          </a:rPr>
+                          <a:rPr lang="en-US" altLang="zh-CN" sz="2000"/>
                           <m:t>3</m:t>
                         </m:r>
                       </m:sub>
                     </m:sSub>
                     <m:r>
-                      <a:rPr lang="en-US" altLang="zh-CN" sz="2000" i="1">
-                        <a:latin typeface="Cambria Math" panose="02040503050406030204" pitchFamily="18" charset="0"/>
-                      </a:rPr>
+                      <a:rPr lang="en-US" altLang="zh-CN" sz="2000"/>
                       <m:t>, </m:t>
                     </m:r>
                   </m:oMath>
@@ -5155,9 +4544,7 @@
                 <a14:m>
                   <m:oMath xmlns:m="http://schemas.openxmlformats.org/officeDocument/2006/math">
                     <m:r>
-                      <a:rPr lang="en-US" altLang="zh-CN" sz="2000" i="1">
-                        <a:latin typeface="Cambria Math" panose="02040503050406030204" pitchFamily="18" charset="0"/>
-                      </a:rPr>
+                      <a:rPr lang="en-US" altLang="zh-CN" sz="2000"/>
                       <m:t>,</m:t>
                     </m:r>
                   </m:oMath>
@@ -5171,16 +4558,12 @@
                     <m:sSub>
                       <m:sSubPr>
                         <m:ctrlPr>
-                          <a:rPr lang="en-US" altLang="zh-CN" sz="2000" i="1">
-                            <a:latin typeface="Cambria Math" panose="02040503050406030204" pitchFamily="18" charset="0"/>
-                          </a:rPr>
+                          <a:rPr lang="en-US" altLang="zh-CN" sz="2000"/>
                         </m:ctrlPr>
                       </m:sSubPr>
                       <m:e>
                         <m:r>
-                          <a:rPr lang="en-US" altLang="zh-CN" sz="2000" i="1">
-                            <a:latin typeface="Cambria Math" panose="02040503050406030204" pitchFamily="18" charset="0"/>
-                          </a:rPr>
+                          <a:rPr lang="en-US" altLang="zh-CN" sz="2000"/>
                           <m:t>𝑚</m:t>
                         </m:r>
                       </m:e>
@@ -5189,9 +4572,7 @@
                           <m:rPr>
                             <m:sty m:val="p"/>
                           </m:rPr>
-                          <a:rPr lang="en-US" altLang="zh-CN" sz="2000" i="1" smtClean="0">
-                            <a:latin typeface="Cambria Math" panose="02040503050406030204" pitchFamily="18" charset="0"/>
-                          </a:rPr>
+                          <a:rPr lang="en-US" altLang="zh-CN" sz="2000"/>
                           <m:t>w</m:t>
                         </m:r>
                       </m:sub>
@@ -5218,11 +4599,7 @@
           <p:sp>
             <p:nvSpPr>
               <p:cNvPr id="3" name="副标题 2">
-                <a:extLst>
-                  <a:ext uri="{FF2B5EF4-FFF2-40B4-BE49-F238E27FC236}">
-                    <a16:creationId xmlns:a16="http://schemas.microsoft.com/office/drawing/2014/main" id="{AFBE4958-F943-4F01-B8B1-222DC86D70AF}"/>
-                  </a:ext>
-                </a:extLst>
+                <a:extLst/>
               </p:cNvPr>
               <p:cNvSpPr>
                 <a:spLocks noGrp="1" noRot="1" noChangeAspect="1" noMove="1" noResize="1" noEditPoints="1" noAdjustHandles="1" noChangeArrowheads="1" noChangeShapeType="1" noTextEdit="1"/>
@@ -5239,7 +4616,7 @@
               <a:blipFill>
                 <a:blip r:embed="rId2"/>
                 <a:stretch>
-                  <a:fillRect l="-733" t="-1153"/>
+                  <a:fillRect l="-733" t="-1153" r="-533"/>
                 </a:stretch>
               </a:blipFill>
             </p:spPr>
@@ -5260,13 +4637,7 @@
       </mc:AlternateContent>
       <p:pic>
         <p:nvPicPr>
-          <p:cNvPr id="4" name="图片 3">
-            <a:extLst>
-              <a:ext uri="{FF2B5EF4-FFF2-40B4-BE49-F238E27FC236}">
-                <a16:creationId xmlns:a16="http://schemas.microsoft.com/office/drawing/2014/main" id="{EF15E9FE-008B-4139-88E2-88067CCEA1BB}"/>
-              </a:ext>
-            </a:extLst>
-          </p:cNvPr>
+          <p:cNvPr id="4" name="图片 3"/>
           <p:cNvPicPr>
             <a:picLocks noChangeAspect="1"/>
           </p:cNvPicPr>
@@ -5289,11 +4660,6 @@
         </p:spPr>
       </p:pic>
     </p:spTree>
-    <p:extLst>
-      <p:ext uri="{BB962C8B-B14F-4D97-AF65-F5344CB8AC3E}">
-        <p14:creationId xmlns:p14="http://schemas.microsoft.com/office/powerpoint/2010/main" val="1035749013"/>
-      </p:ext>
-    </p:extLst>
   </p:cSld>
   <p:clrMapOvr>
     <a:masterClrMapping/>
@@ -5320,13 +4686,7 @@
       </p:grpSpPr>
       <p:sp>
         <p:nvSpPr>
-          <p:cNvPr id="2" name="标题 1">
-            <a:extLst>
-              <a:ext uri="{FF2B5EF4-FFF2-40B4-BE49-F238E27FC236}">
-                <a16:creationId xmlns:a16="http://schemas.microsoft.com/office/drawing/2014/main" id="{3F6C33B5-C354-499F-9608-B6154768E310}"/>
-              </a:ext>
-            </a:extLst>
-          </p:cNvPr>
+          <p:cNvPr id="2" name="标题 1"/>
           <p:cNvSpPr>
             <a:spLocks noGrp="1"/>
           </p:cNvSpPr>
@@ -5354,16 +4714,12 @@
           </a:p>
         </p:txBody>
       </p:sp>
-      <mc:AlternateContent xmlns:mc="http://schemas.openxmlformats.org/markup-compatibility/2006" xmlns:a14="http://schemas.microsoft.com/office/drawing/2010/main">
-        <mc:Choice Requires="a14">
+      <mc:AlternateContent xmlns:mc="http://schemas.openxmlformats.org/markup-compatibility/2006">
+        <mc:Choice xmlns:a14="http://schemas.microsoft.com/office/drawing/2010/main" Requires="a14">
           <p:sp>
             <p:nvSpPr>
               <p:cNvPr id="3" name="副标题 2">
-                <a:extLst>
-                  <a:ext uri="{FF2B5EF4-FFF2-40B4-BE49-F238E27FC236}">
-                    <a16:creationId xmlns:a16="http://schemas.microsoft.com/office/drawing/2014/main" id="{725310B2-7026-44E0-BA6B-CB4F8C8BA387}"/>
-                  </a:ext>
-                </a:extLst>
+                <a:extLst/>
               </p:cNvPr>
               <p:cNvSpPr>
                 <a:spLocks noGrp="1"/>
@@ -5384,33 +4740,41 @@
               </a:bodyPr>
               <a:lstStyle/>
               <a:p>
-                <a:pPr algn="l"/>
-                <a:r>
-                  <a:rPr lang="zh-CN" altLang="en-US" dirty="0"/>
+                <a:pPr algn="l">
+                  <a:lnSpc>
+                    <a:spcPct val="100000"/>
+                  </a:lnSpc>
+                </a:pPr>
+                <a:r>
+                  <a:rPr lang="zh-CN" altLang="en-US" sz="2000" dirty="0"/>
                   <a:t>回顾一下刚才提到的定义：</a:t>
                 </a:r>
-                <a:endParaRPr lang="en-US" altLang="zh-CN" dirty="0"/>
+                <a:endParaRPr lang="en-US" altLang="zh-CN" sz="2000" dirty="0"/>
               </a:p>
               <a:p>
-                <a:pPr algn="l"/>
-                <a:r>
-                  <a:rPr lang="zh-CN" altLang="en-US" dirty="0"/>
+                <a:pPr algn="l">
+                  <a:lnSpc>
+                    <a:spcPct val="100000"/>
+                  </a:lnSpc>
+                </a:pPr>
+                <a:r>
+                  <a:rPr lang="zh-CN" altLang="en-US" sz="2000" dirty="0"/>
                   <a:t>针对</a:t>
                 </a:r>
                 <a:r>
-                  <a:rPr lang="en-US" altLang="zh-CN" dirty="0"/>
+                  <a:rPr lang="en-US" altLang="zh-CN" sz="2000" dirty="0"/>
                   <a:t>HDFS</a:t>
                 </a:r>
                 <a:r>
-                  <a:rPr lang="zh-CN" altLang="en-US" dirty="0"/>
+                  <a:rPr lang="zh-CN" altLang="en-US" sz="2000" dirty="0"/>
                   <a:t>节能问题分别定义了：</a:t>
                 </a:r>
                 <a:r>
-                  <a:rPr lang="en-US" altLang="zh-CN" dirty="0"/>
+                  <a:rPr lang="en-US" altLang="zh-CN" sz="2000" dirty="0"/>
                   <a:t>DN</a:t>
                 </a:r>
                 <a:r>
-                  <a:rPr lang="zh-CN" altLang="en-US" dirty="0"/>
+                  <a:rPr lang="zh-CN" altLang="en-US" sz="2000" dirty="0"/>
                   <a:t>节点矩阵（</a:t>
                 </a:r>
                 <a14:m>
@@ -5418,38 +4782,26 @@
                     <m:sSub>
                       <m:sSubPr>
                         <m:ctrlPr>
-                          <a:rPr lang="en-US" altLang="zh-CN" i="1" smtClean="0">
-                            <a:latin typeface="Cambria Math" panose="02040503050406030204" pitchFamily="18" charset="0"/>
-                          </a:rPr>
+                          <a:rPr lang="en-US" altLang="zh-CN" sz="2000"/>
                         </m:ctrlPr>
                       </m:sSubPr>
                       <m:e>
                         <m:r>
-                          <a:rPr lang="en-US" altLang="zh-CN" b="0" i="1" smtClean="0">
-                            <a:latin typeface="Cambria Math" panose="02040503050406030204" pitchFamily="18" charset="0"/>
-                          </a:rPr>
+                          <a:rPr lang="en-US" altLang="zh-CN" sz="2000"/>
                           <m:t>𝑐</m:t>
                         </m:r>
                       </m:e>
                       <m:sub>
                         <m:r>
-                          <a:rPr lang="en-US" altLang="zh-CN" b="0" i="1" smtClean="0">
-                            <a:latin typeface="Cambria Math" panose="02040503050406030204" pitchFamily="18" charset="0"/>
-                          </a:rPr>
+                          <a:rPr lang="en-US" altLang="zh-CN" sz="2000"/>
                           <m:t>𝑠𝑚</m:t>
                         </m:r>
                         <m:r>
-                          <a:rPr lang="en-US" altLang="zh-CN" b="0" i="1" smtClean="0">
-                            <a:latin typeface="Cambria Math" panose="02040503050406030204" pitchFamily="18" charset="0"/>
-                            <a:ea typeface="Cambria Math" panose="02040503050406030204" pitchFamily="18" charset="0"/>
-                          </a:rPr>
+                          <a:rPr lang="en-US" altLang="zh-CN" sz="2000"/>
                           <m:t>×</m:t>
                         </m:r>
                         <m:r>
-                          <a:rPr lang="en-US" altLang="zh-CN" b="0" i="1" smtClean="0">
-                            <a:latin typeface="Cambria Math" panose="02040503050406030204" pitchFamily="18" charset="0"/>
-                            <a:ea typeface="Cambria Math" panose="02040503050406030204" pitchFamily="18" charset="0"/>
-                          </a:rPr>
+                          <a:rPr lang="en-US" altLang="zh-CN" sz="2000"/>
                           <m:t>𝑖</m:t>
                         </m:r>
                       </m:sub>
@@ -5457,15 +4809,15 @@
                   </m:oMath>
                 </a14:m>
                 <a:r>
-                  <a:rPr lang="zh-CN" altLang="en-US" dirty="0"/>
+                  <a:rPr lang="zh-CN" altLang="en-US" sz="2000" dirty="0"/>
                   <a:t>）</a:t>
                 </a:r>
                 <a:r>
-                  <a:rPr lang="en-US" altLang="zh-CN" dirty="0"/>
+                  <a:rPr lang="en-US" altLang="zh-CN" sz="2000" dirty="0"/>
                   <a:t>,DN</a:t>
                 </a:r>
                 <a:r>
-                  <a:rPr lang="zh-CN" altLang="en-US" dirty="0"/>
+                  <a:rPr lang="zh-CN" altLang="en-US" sz="2000" dirty="0"/>
                   <a:t>节点状态矩阵（</a:t>
                 </a:r>
                 <a14:m>
@@ -5473,9 +4825,7 @@
                     <m:sSub>
                       <m:sSubPr>
                         <m:ctrlPr>
-                          <a:rPr lang="en-US" altLang="zh-CN" i="1" smtClean="0">
-                            <a:latin typeface="Cambria Math" panose="02040503050406030204" pitchFamily="18" charset="0"/>
-                          </a:rPr>
+                          <a:rPr lang="en-US" altLang="zh-CN" sz="2000"/>
                         </m:ctrlPr>
                       </m:sSubPr>
                       <m:e>
@@ -5483,61 +4833,45 @@
                           <m:rPr>
                             <m:sty m:val="p"/>
                           </m:rPr>
-                          <a:rPr lang="en-US" altLang="zh-CN" i="1">
-                            <a:latin typeface="Cambria Math" panose="02040503050406030204" pitchFamily="18" charset="0"/>
-                          </a:rPr>
+                          <a:rPr lang="en-US" altLang="zh-CN" sz="2000"/>
                           <m:t>DS</m:t>
                         </m:r>
                       </m:e>
                       <m:sub>
                         <m:r>
-                          <a:rPr lang="en-US" altLang="zh-CN" b="0" i="1" smtClean="0">
-                            <a:latin typeface="Cambria Math" panose="02040503050406030204" pitchFamily="18" charset="0"/>
-                          </a:rPr>
+                          <a:rPr lang="en-US" altLang="zh-CN" sz="2000"/>
                           <m:t>𝑠𝑚</m:t>
                         </m:r>
                         <m:r>
-                          <a:rPr lang="en-US" altLang="zh-CN" b="0" i="1" smtClean="0">
-                            <a:latin typeface="Cambria Math" panose="02040503050406030204" pitchFamily="18" charset="0"/>
-                            <a:ea typeface="Cambria Math" panose="02040503050406030204" pitchFamily="18" charset="0"/>
-                          </a:rPr>
+                          <a:rPr lang="en-US" altLang="zh-CN" sz="2000"/>
                           <m:t>×</m:t>
                         </m:r>
                         <m:r>
-                          <a:rPr lang="en-US" altLang="zh-CN" b="0" i="1" smtClean="0">
-                            <a:latin typeface="Cambria Math" panose="02040503050406030204" pitchFamily="18" charset="0"/>
-                            <a:ea typeface="Cambria Math" panose="02040503050406030204" pitchFamily="18" charset="0"/>
-                          </a:rPr>
+                          <a:rPr lang="en-US" altLang="zh-CN" sz="2000"/>
                           <m:t>𝑖</m:t>
                         </m:r>
                       </m:sub>
                     </m:sSub>
                     <m:r>
-                      <a:rPr lang="zh-CN" altLang="en-US" i="1">
-                        <a:latin typeface="Cambria Math" panose="02040503050406030204" pitchFamily="18" charset="0"/>
-                      </a:rPr>
+                      <a:rPr lang="zh-CN" altLang="en-US" sz="2000"/>
                       <m:t>）</m:t>
                     </m:r>
                     <m:r>
-                      <a:rPr lang="zh-CN" altLang="en-US" i="1" smtClean="0">
-                        <a:latin typeface="Cambria Math" panose="02040503050406030204" pitchFamily="18" charset="0"/>
-                      </a:rPr>
+                      <a:rPr lang="zh-CN" altLang="en-US" sz="2000"/>
                       <m:t>，</m:t>
                     </m:r>
                     <m:r>
-                      <a:rPr lang="zh-CN" altLang="en-US" i="1">
-                        <a:latin typeface="Cambria Math" panose="02040503050406030204" pitchFamily="18" charset="0"/>
-                      </a:rPr>
+                      <a:rPr lang="zh-CN" altLang="en-US" sz="2000"/>
                       <m:t>文件</m:t>
                     </m:r>
                   </m:oMath>
                 </a14:m>
                 <a:r>
-                  <a:rPr lang="zh-CN" altLang="en-US" dirty="0"/>
+                  <a:rPr lang="zh-CN" altLang="en-US" sz="2000" dirty="0"/>
                   <a:t>分块矩阵（</a:t>
                 </a:r>
                 <a:r>
-                  <a:rPr lang="en-US" altLang="zh-CN" dirty="0"/>
+                  <a:rPr lang="en-US" altLang="zh-CN" sz="2000" dirty="0"/>
                   <a:t> </a:t>
                 </a:r>
                 <a14:m>
@@ -5545,9 +4879,7 @@
                     <m:sSub>
                       <m:sSubPr>
                         <m:ctrlPr>
-                          <a:rPr lang="en-US" altLang="zh-CN" i="1">
-                            <a:latin typeface="Cambria Math" panose="02040503050406030204" pitchFamily="18" charset="0"/>
-                          </a:rPr>
+                          <a:rPr lang="en-US" altLang="zh-CN" sz="2000"/>
                         </m:ctrlPr>
                       </m:sSubPr>
                       <m:e>
@@ -5555,54 +4887,41 @@
                           <m:rPr>
                             <m:sty m:val="p"/>
                           </m:rPr>
-                          <a:rPr lang="en-US" altLang="zh-CN" i="1" smtClean="0">
-                            <a:latin typeface="Cambria Math" panose="02040503050406030204" pitchFamily="18" charset="0"/>
-                          </a:rPr>
+                          <a:rPr lang="en-US" altLang="zh-CN" sz="2000"/>
                           <m:t>F</m:t>
                         </m:r>
                       </m:e>
                       <m:sub>
                         <m:r>
-                          <a:rPr lang="en-US" altLang="zh-CN" b="0" i="1" smtClean="0">
-                            <a:latin typeface="Cambria Math" panose="02040503050406030204" pitchFamily="18" charset="0"/>
-                          </a:rPr>
+                          <a:rPr lang="en-US" altLang="zh-CN" sz="2000"/>
                           <m:t>𝑛</m:t>
                         </m:r>
                         <m:r>
-                          <a:rPr lang="en-US" altLang="zh-CN" i="1">
-                            <a:latin typeface="Cambria Math" panose="02040503050406030204" pitchFamily="18" charset="0"/>
-                            <a:ea typeface="Cambria Math" panose="02040503050406030204" pitchFamily="18" charset="0"/>
-                          </a:rPr>
+                          <a:rPr lang="en-US" altLang="zh-CN" sz="2000"/>
                           <m:t>×</m:t>
                         </m:r>
                         <m:r>
-                          <a:rPr lang="en-US" altLang="zh-CN" b="0" i="1" smtClean="0">
-                            <a:latin typeface="Cambria Math" panose="02040503050406030204" pitchFamily="18" charset="0"/>
-                            <a:ea typeface="Cambria Math" panose="02040503050406030204" pitchFamily="18" charset="0"/>
-                          </a:rPr>
+                          <a:rPr lang="en-US" altLang="zh-CN" sz="2000"/>
                           <m:t>𝑚</m:t>
                         </m:r>
                       </m:sub>
                     </m:sSub>
                     <m:r>
-                      <a:rPr lang="en-US" altLang="zh-CN" i="1">
-                        <a:latin typeface="Cambria Math" panose="02040503050406030204" pitchFamily="18" charset="0"/>
-                        <a:ea typeface="Cambria Math" panose="02040503050406030204" pitchFamily="18" charset="0"/>
-                      </a:rPr>
+                      <a:rPr lang="en-US" altLang="zh-CN" sz="2000"/>
                       <m:t> </m:t>
                     </m:r>
                   </m:oMath>
                 </a14:m>
                 <a:r>
-                  <a:rPr lang="zh-CN" altLang="en-US" dirty="0"/>
+                  <a:rPr lang="zh-CN" altLang="en-US" sz="2000" dirty="0"/>
                   <a:t>）</a:t>
                 </a:r>
                 <a:r>
-                  <a:rPr lang="en-US" altLang="zh-CN" dirty="0"/>
+                  <a:rPr lang="en-US" altLang="zh-CN" sz="2000" dirty="0"/>
                   <a:t>, </a:t>
                 </a:r>
                 <a:r>
-                  <a:rPr lang="zh-CN" altLang="en-US" dirty="0"/>
+                  <a:rPr lang="zh-CN" altLang="en-US" sz="2000" dirty="0"/>
                   <a:t>数据块存储矩阵（</a:t>
                 </a:r>
                 <a14:m>
@@ -5610,9 +4929,7 @@
                     <m:sSub>
                       <m:sSubPr>
                         <m:ctrlPr>
-                          <a:rPr lang="en-US" altLang="zh-CN" i="1">
-                            <a:latin typeface="Cambria Math" panose="02040503050406030204" pitchFamily="18" charset="0"/>
-                          </a:rPr>
+                          <a:rPr lang="en-US" altLang="zh-CN" sz="2000"/>
                         </m:ctrlPr>
                       </m:sSubPr>
                       <m:e>
@@ -5620,31 +4937,21 @@
                           <m:rPr>
                             <m:sty m:val="p"/>
                           </m:rPr>
-                          <a:rPr lang="en-US" altLang="zh-CN" i="1" smtClean="0">
-                            <a:latin typeface="Cambria Math" panose="02040503050406030204" pitchFamily="18" charset="0"/>
-                          </a:rPr>
+                          <a:rPr lang="en-US" altLang="zh-CN" sz="2000"/>
                           <m:t>S</m:t>
                         </m:r>
                       </m:e>
                       <m:sub>
                         <m:r>
-                          <a:rPr lang="en-US" altLang="zh-CN" i="1">
-                            <a:latin typeface="Cambria Math" panose="02040503050406030204" pitchFamily="18" charset="0"/>
-                          </a:rPr>
+                          <a:rPr lang="en-US" altLang="zh-CN" sz="2000"/>
                           <m:t>𝑛</m:t>
                         </m:r>
                         <m:r>
-                          <a:rPr lang="en-US" altLang="zh-CN" i="1">
-                            <a:latin typeface="Cambria Math" panose="02040503050406030204" pitchFamily="18" charset="0"/>
-                            <a:ea typeface="Cambria Math" panose="02040503050406030204" pitchFamily="18" charset="0"/>
-                          </a:rPr>
+                          <a:rPr lang="en-US" altLang="zh-CN" sz="2000"/>
                           <m:t>×</m:t>
                         </m:r>
                         <m:r>
-                          <a:rPr lang="en-US" altLang="zh-CN" i="1">
-                            <a:latin typeface="Cambria Math" panose="02040503050406030204" pitchFamily="18" charset="0"/>
-                            <a:ea typeface="Cambria Math" panose="02040503050406030204" pitchFamily="18" charset="0"/>
-                          </a:rPr>
+                          <a:rPr lang="en-US" altLang="zh-CN" sz="2000"/>
                           <m:t>𝑚</m:t>
                         </m:r>
                       </m:sub>
@@ -5652,19 +4959,19 @@
                   </m:oMath>
                 </a14:m>
                 <a:r>
-                  <a:rPr lang="zh-CN" altLang="en-US" dirty="0"/>
+                  <a:rPr lang="zh-CN" altLang="en-US" sz="2000" dirty="0"/>
                   <a:t>）</a:t>
                 </a:r>
                 <a:r>
-                  <a:rPr lang="en-US" altLang="zh-CN" dirty="0"/>
+                  <a:rPr lang="en-US" altLang="zh-CN" sz="2000" dirty="0"/>
                   <a:t>,</a:t>
                 </a:r>
                 <a:r>
-                  <a:rPr lang="zh-CN" altLang="en-US" dirty="0"/>
+                  <a:rPr lang="zh-CN" altLang="en-US" sz="2000" dirty="0"/>
                   <a:t>数据块状态矩阵（</a:t>
                 </a:r>
                 <a:r>
-                  <a:rPr lang="en-US" altLang="zh-CN" dirty="0"/>
+                  <a:rPr lang="en-US" altLang="zh-CN" sz="2000" dirty="0"/>
                   <a:t> </a:t>
                 </a:r>
                 <a14:m>
@@ -5672,9 +4979,7 @@
                     <m:sSub>
                       <m:sSubPr>
                         <m:ctrlPr>
-                          <a:rPr lang="en-US" altLang="zh-CN" i="1">
-                            <a:latin typeface="Cambria Math" panose="02040503050406030204" pitchFamily="18" charset="0"/>
-                          </a:rPr>
+                          <a:rPr lang="en-US" altLang="zh-CN" sz="2000"/>
                         </m:ctrlPr>
                       </m:sSubPr>
                       <m:e>
@@ -5682,77 +4987,64 @@
                           <m:rPr>
                             <m:sty m:val="p"/>
                           </m:rPr>
-                          <a:rPr lang="en-US" altLang="zh-CN" i="1">
-                            <a:latin typeface="Cambria Math" panose="02040503050406030204" pitchFamily="18" charset="0"/>
-                          </a:rPr>
+                          <a:rPr lang="en-US" altLang="zh-CN" sz="2000"/>
                           <m:t>BS</m:t>
                         </m:r>
                       </m:e>
                       <m:sub>
                         <m:r>
-                          <a:rPr lang="en-US" altLang="zh-CN" i="1">
-                            <a:latin typeface="Cambria Math" panose="02040503050406030204" pitchFamily="18" charset="0"/>
-                          </a:rPr>
+                          <a:rPr lang="en-US" altLang="zh-CN" sz="2000"/>
                           <m:t>𝑛</m:t>
                         </m:r>
                         <m:r>
-                          <a:rPr lang="en-US" altLang="zh-CN" i="1">
-                            <a:latin typeface="Cambria Math" panose="02040503050406030204" pitchFamily="18" charset="0"/>
-                            <a:ea typeface="Cambria Math" panose="02040503050406030204" pitchFamily="18" charset="0"/>
-                          </a:rPr>
+                          <a:rPr lang="en-US" altLang="zh-CN" sz="2000"/>
                           <m:t>×</m:t>
                         </m:r>
                         <m:r>
-                          <a:rPr lang="en-US" altLang="zh-CN" i="1">
-                            <a:latin typeface="Cambria Math" panose="02040503050406030204" pitchFamily="18" charset="0"/>
-                            <a:ea typeface="Cambria Math" panose="02040503050406030204" pitchFamily="18" charset="0"/>
-                          </a:rPr>
+                          <a:rPr lang="en-US" altLang="zh-CN" sz="2000"/>
                           <m:t>𝑚</m:t>
                         </m:r>
                       </m:sub>
                     </m:sSub>
                     <m:r>
-                      <a:rPr lang="en-US" altLang="zh-CN" i="1">
-                        <a:latin typeface="Cambria Math" panose="02040503050406030204" pitchFamily="18" charset="0"/>
-                        <a:ea typeface="Cambria Math" panose="02040503050406030204" pitchFamily="18" charset="0"/>
-                      </a:rPr>
+                      <a:rPr lang="en-US" altLang="zh-CN" sz="2000"/>
                       <m:t> </m:t>
                     </m:r>
                   </m:oMath>
                 </a14:m>
                 <a:r>
-                  <a:rPr lang="zh-CN" altLang="en-US" dirty="0"/>
+                  <a:rPr lang="zh-CN" altLang="en-US" sz="2000" dirty="0"/>
                   <a:t>）。</a:t>
                 </a:r>
-                <a:endParaRPr lang="en-US" altLang="zh-CN" dirty="0"/>
+                <a:endParaRPr lang="en-US" altLang="zh-CN" sz="2000" dirty="0"/>
               </a:p>
               <a:p>
-                <a:pPr algn="l"/>
-                <a:r>
-                  <a:rPr lang="zh-CN" altLang="en-US" dirty="0"/>
+                <a:pPr algn="l">
+                  <a:lnSpc>
+                    <a:spcPct val="100000"/>
+                  </a:lnSpc>
+                </a:pPr>
+                <a:r>
+                  <a:rPr lang="zh-CN" altLang="en-US" sz="2000" dirty="0"/>
                   <a:t>论文中</a:t>
                 </a:r>
                 <a:r>
-                  <a:rPr lang="en-US" altLang="zh-CN" dirty="0"/>
+                  <a:rPr lang="en-US" altLang="zh-CN" sz="2000" dirty="0"/>
                   <a:t>3.2</a:t>
                 </a:r>
                 <a:r>
-                  <a:rPr lang="zh-CN" altLang="en-US" dirty="0"/>
+                  <a:rPr lang="zh-CN" altLang="en-US" sz="2000" dirty="0"/>
                   <a:t>节为了对这些概念进行解释，举了具体的例子。</a:t>
                 </a:r>
               </a:p>
             </p:txBody>
           </p:sp>
         </mc:Choice>
-        <mc:Fallback xmlns="">
+        <mc:Fallback>
           <p:sp>
             <p:nvSpPr>
               <p:cNvPr id="3" name="副标题 2">
-                <a:extLst>
-                  <a:ext uri="{FF2B5EF4-FFF2-40B4-BE49-F238E27FC236}">
-                    <a16:creationId xmlns:a16="http://schemas.microsoft.com/office/drawing/2014/main" id="{725310B2-7026-44E0-BA6B-CB4F8C8BA387}"/>
-                  </a:ext>
-                </a:extLst>
+                <a:extLst/>
               </p:cNvPr>
               <p:cNvSpPr>
                 <a:spLocks noGrp="1" noRot="1" noChangeAspect="1" noMove="1" noResize="1" noEditPoints="1" noAdjustHandles="1" noChangeArrowheads="1" noChangeShapeType="1" noTextEdit="1"/>
@@ -5769,7 +5061,7 @@
               <a:blipFill>
                 <a:blip r:embed="rId2"/>
                 <a:stretch>
-                  <a:fillRect l="-932" t="-2257"/>
+                  <a:fillRect l="-622" t="-868"/>
                 </a:stretch>
               </a:blipFill>
             </p:spPr>
@@ -5789,11 +5081,6 @@
         </mc:Fallback>
       </mc:AlternateContent>
     </p:spTree>
-    <p:extLst>
-      <p:ext uri="{BB962C8B-B14F-4D97-AF65-F5344CB8AC3E}">
-        <p14:creationId xmlns:p14="http://schemas.microsoft.com/office/powerpoint/2010/main" val="3996830492"/>
-      </p:ext>
-    </p:extLst>
   </p:cSld>
   <p:clrMapOvr>
     <a:masterClrMapping/>
@@ -5820,13 +5107,7 @@
       </p:grpSpPr>
       <p:sp>
         <p:nvSpPr>
-          <p:cNvPr id="2" name="标题 1">
-            <a:extLst>
-              <a:ext uri="{FF2B5EF4-FFF2-40B4-BE49-F238E27FC236}">
-                <a16:creationId xmlns:a16="http://schemas.microsoft.com/office/drawing/2014/main" id="{4A561528-3F94-41A5-95B6-2AE8F404FA82}"/>
-              </a:ext>
-            </a:extLst>
-          </p:cNvPr>
+          <p:cNvPr id="2" name="标题 1"/>
           <p:cNvSpPr>
             <a:spLocks noGrp="1"/>
           </p:cNvSpPr>
@@ -5854,16 +5135,12 @@
           </a:p>
         </p:txBody>
       </p:sp>
-      <mc:AlternateContent xmlns:mc="http://schemas.openxmlformats.org/markup-compatibility/2006" xmlns:a14="http://schemas.microsoft.com/office/drawing/2010/main">
-        <mc:Choice Requires="a14">
+      <mc:AlternateContent xmlns:mc="http://schemas.openxmlformats.org/markup-compatibility/2006">
+        <mc:Choice xmlns:a14="http://schemas.microsoft.com/office/drawing/2010/main" Requires="a14">
           <p:sp>
             <p:nvSpPr>
               <p:cNvPr id="3" name="副标题 2">
-                <a:extLst>
-                  <a:ext uri="{FF2B5EF4-FFF2-40B4-BE49-F238E27FC236}">
-                    <a16:creationId xmlns:a16="http://schemas.microsoft.com/office/drawing/2014/main" id="{78EE3802-A69D-4FAA-9F33-31419ADDD238}"/>
-                  </a:ext>
-                </a:extLst>
+                <a:extLst/>
               </p:cNvPr>
               <p:cNvSpPr>
                 <a:spLocks noGrp="1"/>
@@ -5874,91 +5151,99 @@
             </p:nvSpPr>
             <p:spPr>
               <a:xfrm>
-                <a:off x="1408590" y="1510312"/>
+                <a:off x="1378998" y="1269507"/>
                 <a:ext cx="10783409" cy="5041407"/>
               </a:xfrm>
             </p:spPr>
             <p:txBody>
               <a:bodyPr>
-                <a:normAutofit fontScale="92500"/>
+                <a:normAutofit/>
               </a:bodyPr>
               <a:lstStyle/>
               <a:p>
-                <a:pPr algn="l"/>
-                <a:r>
-                  <a:rPr lang="zh-CN" altLang="en-US" dirty="0"/>
+                <a:pPr algn="l">
+                  <a:lnSpc>
+                    <a:spcPct val="100000"/>
+                  </a:lnSpc>
+                </a:pPr>
+                <a:r>
+                  <a:rPr lang="zh-CN" altLang="en-US" sz="2200" dirty="0"/>
                   <a:t>例：</a:t>
                 </a:r>
-                <a:endParaRPr lang="en-US" altLang="zh-CN" dirty="0"/>
+                <a:endParaRPr lang="en-US" altLang="zh-CN" sz="2200" dirty="0"/>
               </a:p>
               <a:p>
-                <a:pPr algn="l"/>
-                <a:r>
-                  <a:rPr lang="zh-CN" altLang="en-US" dirty="0"/>
+                <a:pPr algn="l">
+                  <a:lnSpc>
+                    <a:spcPct val="100000"/>
+                  </a:lnSpc>
+                </a:pPr>
+                <a:r>
+                  <a:rPr lang="zh-CN" altLang="en-US" sz="2200" dirty="0"/>
                   <a:t>假设有一个</a:t>
                 </a:r>
                 <a:r>
-                  <a:rPr lang="en-US" altLang="zh-CN" dirty="0"/>
+                  <a:rPr lang="en-US" altLang="zh-CN" sz="2200" dirty="0"/>
                   <a:t>4</a:t>
                 </a:r>
                 <a:r>
-                  <a:rPr lang="zh-CN" altLang="en-US" dirty="0"/>
+                  <a:rPr lang="zh-CN" altLang="en-US" sz="2200" dirty="0"/>
                   <a:t>个</a:t>
                 </a:r>
                 <a:r>
-                  <a:rPr lang="en-US" altLang="zh-CN" dirty="0"/>
+                  <a:rPr lang="en-US" altLang="zh-CN" sz="2200" dirty="0"/>
                   <a:t>RACK</a:t>
                 </a:r>
                 <a:r>
-                  <a:rPr lang="zh-CN" altLang="en-US" dirty="0"/>
+                  <a:rPr lang="zh-CN" altLang="en-US" sz="2200" dirty="0"/>
                   <a:t>组成的集群，每个</a:t>
                 </a:r>
                 <a:r>
-                  <a:rPr lang="en-US" altLang="zh-CN" dirty="0"/>
+                  <a:rPr lang="en-US" altLang="zh-CN" sz="2200" dirty="0"/>
                   <a:t>RACK</a:t>
                 </a:r>
                 <a:r>
-                  <a:rPr lang="zh-CN" altLang="en-US" dirty="0"/>
+                  <a:rPr lang="zh-CN" altLang="en-US" sz="2200" dirty="0"/>
                   <a:t>中分别有</a:t>
                 </a:r>
                 <a:r>
-                  <a:rPr lang="en-US" altLang="zh-CN" dirty="0"/>
+                  <a:rPr lang="en-US" altLang="zh-CN" sz="2200" dirty="0"/>
                   <a:t>3</a:t>
                 </a:r>
                 <a:r>
-                  <a:rPr lang="zh-CN" altLang="en-US" dirty="0"/>
+                  <a:rPr lang="zh-CN" altLang="en-US" sz="2200" dirty="0"/>
                   <a:t>，</a:t>
                 </a:r>
                 <a:r>
-                  <a:rPr lang="en-US" altLang="zh-CN" dirty="0"/>
+                  <a:rPr lang="en-US" altLang="zh-CN" sz="2200" dirty="0"/>
                   <a:t>4</a:t>
                 </a:r>
                 <a:r>
-                  <a:rPr lang="zh-CN" altLang="en-US" dirty="0"/>
+                  <a:rPr lang="zh-CN" altLang="en-US" sz="2200" dirty="0"/>
                   <a:t>，</a:t>
                 </a:r>
                 <a:r>
-                  <a:rPr lang="en-US" altLang="zh-CN" dirty="0"/>
+                  <a:rPr lang="en-US" altLang="zh-CN" sz="2200" dirty="0"/>
                   <a:t>2</a:t>
                 </a:r>
                 <a:r>
-                  <a:rPr lang="zh-CN" altLang="en-US" dirty="0"/>
+                  <a:rPr lang="zh-CN" altLang="en-US" sz="2200" dirty="0"/>
                   <a:t>，</a:t>
                 </a:r>
                 <a:r>
-                  <a:rPr lang="en-US" altLang="zh-CN" dirty="0"/>
+                  <a:rPr lang="en-US" altLang="zh-CN" sz="2200" dirty="0"/>
                   <a:t>5</a:t>
                 </a:r>
                 <a:r>
-                  <a:rPr lang="zh-CN" altLang="en-US" dirty="0"/>
+                  <a:rPr lang="zh-CN" altLang="en-US" sz="2200" dirty="0"/>
                   <a:t>个</a:t>
                 </a:r>
                 <a:r>
-                  <a:rPr lang="en-US" altLang="zh-CN" dirty="0"/>
+                  <a:rPr lang="en-US" altLang="zh-CN" sz="2200" dirty="0"/>
                   <a:t>DN</a:t>
                 </a:r>
                 <a:r>
-                  <a:rPr lang="zh-CN" altLang="en-US" dirty="0"/>
+                  <a:rPr lang="zh-CN" altLang="en-US" sz="2200" dirty="0"/>
                   <a:t>节点，其中节点</a:t>
                 </a:r>
                 <a14:m>
@@ -5966,9 +5251,7 @@
                     <m:sSub>
                       <m:sSubPr>
                         <m:ctrlPr>
-                          <a:rPr lang="en-US" altLang="zh-CN" i="1" smtClean="0">
-                            <a:latin typeface="Cambria Math" panose="02040503050406030204" pitchFamily="18" charset="0"/>
-                          </a:rPr>
+                          <a:rPr lang="en-US" altLang="zh-CN" sz="2200"/>
                         </m:ctrlPr>
                       </m:sSubPr>
                       <m:e>
@@ -5976,23 +5259,17 @@
                           <m:rPr>
                             <m:sty m:val="p"/>
                           </m:rPr>
-                          <a:rPr lang="en-US" altLang="zh-CN" i="1">
-                            <a:latin typeface="Cambria Math" panose="02040503050406030204" pitchFamily="18" charset="0"/>
-                          </a:rPr>
+                          <a:rPr lang="en-US" altLang="zh-CN" sz="2200"/>
                           <m:t>dn</m:t>
                         </m:r>
                       </m:e>
                       <m:sub>
                         <m:r>
-                          <a:rPr lang="en-US" altLang="zh-CN" i="1">
-                            <a:latin typeface="Cambria Math" panose="02040503050406030204" pitchFamily="18" charset="0"/>
-                          </a:rPr>
+                          <a:rPr lang="en-US" altLang="zh-CN" sz="2200"/>
                           <m:t>3</m:t>
                         </m:r>
                         <m:r>
-                          <a:rPr lang="en-US" altLang="zh-CN" i="1" smtClean="0">
-                            <a:latin typeface="Cambria Math" panose="02040503050406030204" pitchFamily="18" charset="0"/>
-                          </a:rPr>
+                          <a:rPr lang="en-US" altLang="zh-CN" sz="2200"/>
                           <m:t>1</m:t>
                         </m:r>
                       </m:sub>
@@ -6000,7 +5277,7 @@
                   </m:oMath>
                 </a14:m>
                 <a:r>
-                  <a:rPr lang="zh-CN" altLang="en-US" dirty="0"/>
+                  <a:rPr lang="zh-CN" altLang="en-US" sz="2200" dirty="0"/>
                   <a:t>与</a:t>
                 </a:r>
                 <a14:m>
@@ -6008,9 +5285,7 @@
                     <m:sSub>
                       <m:sSubPr>
                         <m:ctrlPr>
-                          <a:rPr lang="en-US" altLang="zh-CN" i="1">
-                            <a:latin typeface="Cambria Math" panose="02040503050406030204" pitchFamily="18" charset="0"/>
-                          </a:rPr>
+                          <a:rPr lang="en-US" altLang="zh-CN" sz="2200"/>
                         </m:ctrlPr>
                       </m:sSubPr>
                       <m:e>
@@ -6018,17 +5293,13 @@
                           <m:rPr>
                             <m:sty m:val="p"/>
                           </m:rPr>
-                          <a:rPr lang="en-US" altLang="zh-CN" i="1">
-                            <a:latin typeface="Cambria Math" panose="02040503050406030204" pitchFamily="18" charset="0"/>
-                          </a:rPr>
+                          <a:rPr lang="en-US" altLang="zh-CN" sz="2200"/>
                           <m:t>dn</m:t>
                         </m:r>
                       </m:e>
                       <m:sub>
                         <m:r>
-                          <a:rPr lang="en-US" altLang="zh-CN" i="1">
-                            <a:latin typeface="Cambria Math" panose="02040503050406030204" pitchFamily="18" charset="0"/>
-                          </a:rPr>
+                          <a:rPr lang="en-US" altLang="zh-CN" sz="2200"/>
                           <m:t>44</m:t>
                         </m:r>
                       </m:sub>
@@ -6036,11 +5307,11 @@
                   </m:oMath>
                 </a14:m>
                 <a:r>
-                  <a:rPr lang="zh-CN" altLang="en-US" dirty="0"/>
+                  <a:rPr lang="zh-CN" altLang="en-US" sz="2200" dirty="0"/>
                   <a:t>处于休眠状态，</a:t>
                 </a:r>
                 <a:r>
-                  <a:rPr lang="en-US" altLang="zh-CN" dirty="0"/>
+                  <a:rPr lang="en-US" altLang="zh-CN" sz="2200" dirty="0"/>
                   <a:t> </a:t>
                 </a:r>
                 <a14:m>
@@ -6048,9 +5319,7 @@
                     <m:sSub>
                       <m:sSubPr>
                         <m:ctrlPr>
-                          <a:rPr lang="en-US" altLang="zh-CN" i="1">
-                            <a:latin typeface="Cambria Math" panose="02040503050406030204" pitchFamily="18" charset="0"/>
-                          </a:rPr>
+                          <a:rPr lang="en-US" altLang="zh-CN" sz="2200"/>
                         </m:ctrlPr>
                       </m:sSubPr>
                       <m:e>
@@ -6058,17 +5327,13 @@
                           <m:rPr>
                             <m:sty m:val="p"/>
                           </m:rPr>
-                          <a:rPr lang="en-US" altLang="zh-CN" i="1">
-                            <a:latin typeface="Cambria Math" panose="02040503050406030204" pitchFamily="18" charset="0"/>
-                          </a:rPr>
+                          <a:rPr lang="en-US" altLang="zh-CN" sz="2200"/>
                           <m:t>dn</m:t>
                         </m:r>
                       </m:e>
                       <m:sub>
                         <m:r>
-                          <a:rPr lang="en-US" altLang="zh-CN" i="1">
-                            <a:latin typeface="Cambria Math" panose="02040503050406030204" pitchFamily="18" charset="0"/>
-                          </a:rPr>
+                          <a:rPr lang="en-US" altLang="zh-CN" sz="2200"/>
                           <m:t>32</m:t>
                         </m:r>
                       </m:sub>
@@ -6076,7 +5341,7 @@
                   </m:oMath>
                 </a14:m>
                 <a:r>
-                  <a:rPr lang="zh-CN" altLang="en-US" dirty="0"/>
+                  <a:rPr lang="zh-CN" altLang="en-US" sz="2200" dirty="0"/>
                   <a:t>与</a:t>
                 </a:r>
                 <a14:m>
@@ -6084,9 +5349,7 @@
                     <m:sSub>
                       <m:sSubPr>
                         <m:ctrlPr>
-                          <a:rPr lang="en-US" altLang="zh-CN" i="1">
-                            <a:latin typeface="Cambria Math" panose="02040503050406030204" pitchFamily="18" charset="0"/>
-                          </a:rPr>
+                          <a:rPr lang="en-US" altLang="zh-CN" sz="2200"/>
                         </m:ctrlPr>
                       </m:sSubPr>
                       <m:e>
@@ -6094,17 +5357,13 @@
                           <m:rPr>
                             <m:sty m:val="p"/>
                           </m:rPr>
-                          <a:rPr lang="en-US" altLang="zh-CN" i="1">
-                            <a:latin typeface="Cambria Math" panose="02040503050406030204" pitchFamily="18" charset="0"/>
-                          </a:rPr>
+                          <a:rPr lang="en-US" altLang="zh-CN" sz="2200"/>
                           <m:t>dn</m:t>
                         </m:r>
                       </m:e>
                       <m:sub>
                         <m:r>
-                          <a:rPr lang="en-US" altLang="zh-CN" i="1">
-                            <a:latin typeface="Cambria Math" panose="02040503050406030204" pitchFamily="18" charset="0"/>
-                          </a:rPr>
+                          <a:rPr lang="en-US" altLang="zh-CN" sz="2200"/>
                           <m:t>14</m:t>
                         </m:r>
                       </m:sub>
@@ -6112,89 +5371,80 @@
                   </m:oMath>
                 </a14:m>
                 <a:r>
-                  <a:rPr lang="zh-CN" altLang="en-US" dirty="0"/>
+                  <a:rPr lang="zh-CN" altLang="en-US" sz="2200" dirty="0"/>
                   <a:t>处于宕机状态。则根据定义</a:t>
                 </a:r>
                 <a:r>
-                  <a:rPr lang="en-US" altLang="zh-CN" dirty="0"/>
+                  <a:rPr lang="en-US" altLang="zh-CN" sz="2200" dirty="0"/>
                   <a:t>1</a:t>
                 </a:r>
                 <a:r>
-                  <a:rPr lang="zh-CN" altLang="en-US" dirty="0"/>
+                  <a:rPr lang="zh-CN" altLang="en-US" sz="2200" dirty="0"/>
                   <a:t>，定义</a:t>
                 </a:r>
                 <a:r>
-                  <a:rPr lang="en-US" altLang="zh-CN" dirty="0"/>
+                  <a:rPr lang="en-US" altLang="zh-CN" sz="2200" dirty="0"/>
                   <a:t>2</a:t>
                 </a:r>
                 <a:r>
-                  <a:rPr lang="zh-CN" altLang="en-US" dirty="0"/>
+                  <a:rPr lang="zh-CN" altLang="en-US" sz="2200" dirty="0"/>
                   <a:t>该集群的</a:t>
                 </a:r>
                 <a:r>
-                  <a:rPr lang="en-US" altLang="zh-CN" dirty="0"/>
+                  <a:rPr lang="en-US" altLang="zh-CN" sz="2200" dirty="0"/>
                   <a:t>DN</a:t>
                 </a:r>
                 <a:r>
-                  <a:rPr lang="zh-CN" altLang="en-US" dirty="0"/>
+                  <a:rPr lang="zh-CN" altLang="en-US" sz="2200" dirty="0"/>
                   <a:t>节点矩阵、</a:t>
                 </a:r>
                 <a:r>
-                  <a:rPr lang="en-US" altLang="zh-CN" dirty="0"/>
+                  <a:rPr lang="en-US" altLang="zh-CN" sz="2200" dirty="0"/>
                   <a:t>DN</a:t>
                 </a:r>
                 <a:r>
-                  <a:rPr lang="zh-CN" altLang="en-US" dirty="0"/>
+                  <a:rPr lang="zh-CN" altLang="en-US" sz="2200" dirty="0"/>
                   <a:t>节点状态矩阵表示为：</a:t>
                 </a:r>
-                <a:endParaRPr lang="en-US" altLang="zh-CN" dirty="0"/>
+                <a:endParaRPr lang="en-US" altLang="zh-CN" sz="2200" dirty="0"/>
               </a:p>
               <a:p>
-                <a:pPr algn="l"/>
-                <a:endParaRPr lang="en-US" altLang="zh-CN" i="1" dirty="0">
-                  <a:latin typeface="Cambria Math" panose="02040503050406030204" pitchFamily="18" charset="0"/>
-                </a:endParaRPr>
+                <a:pPr algn="l">
+                  <a:lnSpc>
+                    <a:spcPct val="100000"/>
+                  </a:lnSpc>
+                </a:pPr>
+                <a:endParaRPr lang="en-US" altLang="zh-CN" sz="2200" dirty="0"/>
               </a:p>
               <a:p>
-                <a:pPr algn="l"/>
+                <a:pPr algn="l">
+                  <a:lnSpc>
+                    <a:spcPct val="100000"/>
+                  </a:lnSpc>
+                </a:pPr>
                 <a14:m>
                   <m:oMath xmlns:m="http://schemas.openxmlformats.org/officeDocument/2006/math">
                     <m:sSub>
                       <m:sSubPr>
                         <m:ctrlPr>
-                          <a:rPr lang="en-US" altLang="zh-CN" i="1" smtClean="0">
-                            <a:latin typeface="Cambria Math" panose="02040503050406030204" pitchFamily="18" charset="0"/>
-                          </a:rPr>
+                          <a:rPr lang="en-US" altLang="zh-CN" sz="2200"/>
                         </m:ctrlPr>
                       </m:sSubPr>
                       <m:e>
                         <m:r>
-                          <a:rPr lang="en-US" altLang="zh-CN" b="0" i="1" smtClean="0">
-                            <a:latin typeface="Cambria Math" panose="02040503050406030204" pitchFamily="18" charset="0"/>
-                          </a:rPr>
+                          <a:rPr lang="en-US" altLang="zh-CN" sz="2200"/>
                           <m:t>𝐶</m:t>
                         </m:r>
                       </m:e>
                       <m:sub>
                         <m:r>
-                          <a:rPr lang="en-US" altLang="zh-CN" b="0" i="1" smtClean="0">
-                            <a:latin typeface="Cambria Math" panose="02040503050406030204" pitchFamily="18" charset="0"/>
-                          </a:rPr>
-                          <m:t>5</m:t>
-                        </m:r>
-                        <m:r>
-                          <a:rPr lang="en-US" altLang="zh-CN" b="0" i="1" smtClean="0">
-                            <a:latin typeface="Cambria Math" panose="02040503050406030204" pitchFamily="18" charset="0"/>
-                            <a:ea typeface="Cambria Math" panose="02040503050406030204" pitchFamily="18" charset="0"/>
-                          </a:rPr>
-                          <m:t>×4</m:t>
+                          <a:rPr lang="en-US" altLang="zh-CN" sz="2200"/>
+                          <m:t>5×4</m:t>
                         </m:r>
                       </m:sub>
                     </m:sSub>
                     <m:r>
-                      <a:rPr lang="en-US" altLang="zh-CN" b="0" i="1" smtClean="0">
-                        <a:latin typeface="Cambria Math" panose="02040503050406030204" pitchFamily="18" charset="0"/>
-                      </a:rPr>
+                      <a:rPr lang="en-US" altLang="zh-CN" sz="2200"/>
                       <m:t>= </m:t>
                     </m:r>
                     <m:d>
@@ -6202,9 +5452,7 @@
                         <m:begChr m:val="["/>
                         <m:endChr m:val="]"/>
                         <m:ctrlPr>
-                          <a:rPr lang="en-US" altLang="zh-CN" i="1" smtClean="0">
-                            <a:latin typeface="Cambria Math" panose="02040503050406030204" pitchFamily="18" charset="0"/>
-                          </a:rPr>
+                          <a:rPr lang="en-US" altLang="zh-CN" sz="2200"/>
                         </m:ctrlPr>
                       </m:dPr>
                       <m:e>
@@ -6219,9 +5467,7 @@
                               </m:mc>
                             </m:mcs>
                             <m:ctrlPr>
-                              <a:rPr lang="en-US" altLang="zh-CN" i="1" smtClean="0">
-                                <a:latin typeface="Cambria Math" panose="02040503050406030204" pitchFamily="18" charset="0"/>
-                              </a:rPr>
+                              <a:rPr lang="en-US" altLang="zh-CN" sz="2200"/>
                             </m:ctrlPr>
                           </m:mPr>
                           <m:mr>
@@ -6237,9 +5483,7 @@
                                     </m:mc>
                                   </m:mcs>
                                   <m:ctrlPr>
-                                    <a:rPr lang="en-US" altLang="zh-CN" i="1" smtClean="0">
-                                      <a:latin typeface="Cambria Math" panose="02040503050406030204" pitchFamily="18" charset="0"/>
-                                    </a:rPr>
+                                    <a:rPr lang="en-US" altLang="zh-CN" sz="2200"/>
                                   </m:ctrlPr>
                                 </m:mPr>
                                 <m:mr>
@@ -6247,9 +5491,7 @@
                                     <m:sSub>
                                       <m:sSubPr>
                                         <m:ctrlPr>
-                                          <a:rPr lang="en-US" altLang="zh-CN" i="1">
-                                            <a:latin typeface="Cambria Math" panose="02040503050406030204" pitchFamily="18" charset="0"/>
-                                          </a:rPr>
+                                          <a:rPr lang="en-US" altLang="zh-CN" sz="2200"/>
                                         </m:ctrlPr>
                                       </m:sSubPr>
                                       <m:e>
@@ -6257,23 +5499,17 @@
                                           <m:rPr>
                                             <m:sty m:val="p"/>
                                           </m:rPr>
-                                          <a:rPr lang="en-US" altLang="zh-CN" i="1">
-                                            <a:latin typeface="Cambria Math" panose="02040503050406030204" pitchFamily="18" charset="0"/>
-                                          </a:rPr>
+                                          <a:rPr lang="en-US" altLang="zh-CN" sz="2200"/>
                                           <m:t>dn</m:t>
                                         </m:r>
                                       </m:e>
                                       <m:sub>
                                         <m:r>
-                                          <a:rPr lang="en-US" altLang="zh-CN" b="0" i="1" smtClean="0">
-                                            <a:latin typeface="Cambria Math" panose="02040503050406030204" pitchFamily="18" charset="0"/>
-                                          </a:rPr>
+                                          <a:rPr lang="en-US" altLang="zh-CN" sz="2200"/>
                                           <m:t>1</m:t>
                                         </m:r>
                                         <m:r>
-                                          <a:rPr lang="en-US" altLang="zh-CN" i="1">
-                                            <a:latin typeface="Cambria Math" panose="02040503050406030204" pitchFamily="18" charset="0"/>
-                                          </a:rPr>
+                                          <a:rPr lang="en-US" altLang="zh-CN" sz="2200"/>
                                           <m:t>1</m:t>
                                         </m:r>
                                       </m:sub>
@@ -6283,9 +5519,7 @@
                                     <m:sSub>
                                       <m:sSubPr>
                                         <m:ctrlPr>
-                                          <a:rPr lang="en-US" altLang="zh-CN" i="1">
-                                            <a:latin typeface="Cambria Math" panose="02040503050406030204" pitchFamily="18" charset="0"/>
-                                          </a:rPr>
+                                          <a:rPr lang="en-US" altLang="zh-CN" sz="2200"/>
                                         </m:ctrlPr>
                                       </m:sSubPr>
                                       <m:e>
@@ -6293,17 +5527,13 @@
                                           <m:rPr>
                                             <m:sty m:val="p"/>
                                           </m:rPr>
-                                          <a:rPr lang="en-US" altLang="zh-CN" i="1">
-                                            <a:latin typeface="Cambria Math" panose="02040503050406030204" pitchFamily="18" charset="0"/>
-                                          </a:rPr>
+                                          <a:rPr lang="en-US" altLang="zh-CN" sz="2200"/>
                                           <m:t>dn</m:t>
                                         </m:r>
                                       </m:e>
                                       <m:sub>
                                         <m:r>
-                                          <a:rPr lang="en-US" altLang="zh-CN" b="0" i="1" smtClean="0">
-                                            <a:latin typeface="Cambria Math" panose="02040503050406030204" pitchFamily="18" charset="0"/>
-                                          </a:rPr>
+                                          <a:rPr lang="en-US" altLang="zh-CN" sz="2200"/>
                                           <m:t>12</m:t>
                                         </m:r>
                                       </m:sub>
@@ -6315,9 +5545,7 @@
                                     <m:sSub>
                                       <m:sSubPr>
                                         <m:ctrlPr>
-                                          <a:rPr lang="en-US" altLang="zh-CN" i="1">
-                                            <a:latin typeface="Cambria Math" panose="02040503050406030204" pitchFamily="18" charset="0"/>
-                                          </a:rPr>
+                                          <a:rPr lang="en-US" altLang="zh-CN" sz="2200"/>
                                         </m:ctrlPr>
                                       </m:sSubPr>
                                       <m:e>
@@ -6325,23 +5553,17 @@
                                           <m:rPr>
                                             <m:sty m:val="p"/>
                                           </m:rPr>
-                                          <a:rPr lang="en-US" altLang="zh-CN" i="1">
-                                            <a:latin typeface="Cambria Math" panose="02040503050406030204" pitchFamily="18" charset="0"/>
-                                          </a:rPr>
+                                          <a:rPr lang="en-US" altLang="zh-CN" sz="2200"/>
                                           <m:t>dn</m:t>
                                         </m:r>
                                       </m:e>
                                       <m:sub>
                                         <m:r>
-                                          <a:rPr lang="en-US" altLang="zh-CN" b="0" i="1" smtClean="0">
-                                            <a:latin typeface="Cambria Math" panose="02040503050406030204" pitchFamily="18" charset="0"/>
-                                          </a:rPr>
+                                          <a:rPr lang="en-US" altLang="zh-CN" sz="2200"/>
                                           <m:t>2</m:t>
                                         </m:r>
                                         <m:r>
-                                          <a:rPr lang="en-US" altLang="zh-CN" i="1">
-                                            <a:latin typeface="Cambria Math" panose="02040503050406030204" pitchFamily="18" charset="0"/>
-                                          </a:rPr>
+                                          <a:rPr lang="en-US" altLang="zh-CN" sz="2200"/>
                                           <m:t>1</m:t>
                                         </m:r>
                                       </m:sub>
@@ -6351,9 +5573,7 @@
                                     <m:sSub>
                                       <m:sSubPr>
                                         <m:ctrlPr>
-                                          <a:rPr lang="en-US" altLang="zh-CN" i="1">
-                                            <a:latin typeface="Cambria Math" panose="02040503050406030204" pitchFamily="18" charset="0"/>
-                                          </a:rPr>
+                                          <a:rPr lang="en-US" altLang="zh-CN" sz="2200"/>
                                         </m:ctrlPr>
                                       </m:sSubPr>
                                       <m:e>
@@ -6361,17 +5581,13 @@
                                           <m:rPr>
                                             <m:sty m:val="p"/>
                                           </m:rPr>
-                                          <a:rPr lang="en-US" altLang="zh-CN" i="1">
-                                            <a:latin typeface="Cambria Math" panose="02040503050406030204" pitchFamily="18" charset="0"/>
-                                          </a:rPr>
+                                          <a:rPr lang="en-US" altLang="zh-CN" sz="2200"/>
                                           <m:t>dn</m:t>
                                         </m:r>
                                       </m:e>
                                       <m:sub>
                                         <m:r>
-                                          <a:rPr lang="en-US" altLang="zh-CN" b="0" i="1" smtClean="0">
-                                            <a:latin typeface="Cambria Math" panose="02040503050406030204" pitchFamily="18" charset="0"/>
-                                          </a:rPr>
+                                          <a:rPr lang="en-US" altLang="zh-CN" sz="2200"/>
                                           <m:t>22</m:t>
                                         </m:r>
                                       </m:sub>
@@ -6392,9 +5608,7 @@
                                     </m:mc>
                                   </m:mcs>
                                   <m:ctrlPr>
-                                    <a:rPr lang="en-US" altLang="zh-CN" i="1" smtClean="0">
-                                      <a:latin typeface="Cambria Math" panose="02040503050406030204" pitchFamily="18" charset="0"/>
-                                    </a:rPr>
+                                    <a:rPr lang="en-US" altLang="zh-CN" sz="2200"/>
                                   </m:ctrlPr>
                                 </m:mPr>
                                 <m:mr>
@@ -6402,39 +5616,29 @@
                                     <m:sSub>
                                       <m:sSubPr>
                                         <m:ctrlPr>
-                                          <a:rPr lang="en-US" altLang="zh-CN" i="1">
-                                            <a:latin typeface="Cambria Math" panose="02040503050406030204" pitchFamily="18" charset="0"/>
-                                          </a:rPr>
+                                          <a:rPr lang="en-US" altLang="zh-CN" sz="2200"/>
                                         </m:ctrlPr>
                                       </m:sSubPr>
                                       <m:e>
                                         <m:r>
-                                          <a:rPr lang="en-US" altLang="zh-CN" b="0" i="1" smtClean="0">
-                                            <a:latin typeface="Cambria Math" panose="02040503050406030204" pitchFamily="18" charset="0"/>
-                                          </a:rPr>
+                                          <a:rPr lang="en-US" altLang="zh-CN" sz="2200"/>
                                           <m:t>    </m:t>
                                         </m:r>
                                         <m:r>
                                           <m:rPr>
                                             <m:sty m:val="p"/>
                                           </m:rPr>
-                                          <a:rPr lang="en-US" altLang="zh-CN" i="1">
-                                            <a:latin typeface="Cambria Math" panose="02040503050406030204" pitchFamily="18" charset="0"/>
-                                          </a:rPr>
+                                          <a:rPr lang="en-US" altLang="zh-CN" sz="2200"/>
                                           <m:t>dn</m:t>
                                         </m:r>
                                       </m:e>
                                       <m:sub>
                                         <m:r>
-                                          <a:rPr lang="en-US" altLang="zh-CN" i="1">
-                                            <a:latin typeface="Cambria Math" panose="02040503050406030204" pitchFamily="18" charset="0"/>
-                                          </a:rPr>
+                                          <a:rPr lang="en-US" altLang="zh-CN" sz="2200"/>
                                           <m:t>1</m:t>
                                         </m:r>
                                         <m:r>
-                                          <a:rPr lang="en-US" altLang="zh-CN" b="0" i="1" smtClean="0">
-                                            <a:latin typeface="Cambria Math" panose="02040503050406030204" pitchFamily="18" charset="0"/>
-                                          </a:rPr>
+                                          <a:rPr lang="en-US" altLang="zh-CN" sz="2200"/>
                                           <m:t>3</m:t>
                                         </m:r>
                                       </m:sub>
@@ -6442,17 +5646,13 @@
                                   </m:e>
                                   <m:e>
                                     <m:r>
-                                      <a:rPr lang="en-US" altLang="zh-CN" b="0" i="1" smtClean="0">
-                                        <a:latin typeface="Cambria Math" panose="02040503050406030204" pitchFamily="18" charset="0"/>
-                                      </a:rPr>
+                                      <a:rPr lang="en-US" altLang="zh-CN" sz="2200"/>
                                       <m:t>       </m:t>
                                     </m:r>
                                     <m:sSub>
                                       <m:sSubPr>
                                         <m:ctrlPr>
-                                          <a:rPr lang="en-US" altLang="zh-CN" i="1">
-                                            <a:latin typeface="Cambria Math" panose="02040503050406030204" pitchFamily="18" charset="0"/>
-                                          </a:rPr>
+                                          <a:rPr lang="en-US" altLang="zh-CN" sz="2200"/>
                                         </m:ctrlPr>
                                       </m:sSubPr>
                                       <m:e>
@@ -6460,23 +5660,17 @@
                                           <m:rPr>
                                             <m:sty m:val="p"/>
                                           </m:rPr>
-                                          <a:rPr lang="en-US" altLang="zh-CN" i="1">
-                                            <a:latin typeface="Cambria Math" panose="02040503050406030204" pitchFamily="18" charset="0"/>
-                                          </a:rPr>
+                                          <a:rPr lang="en-US" altLang="zh-CN" sz="2200"/>
                                           <m:t>dn</m:t>
                                         </m:r>
                                       </m:e>
                                       <m:sub>
                                         <m:r>
-                                          <a:rPr lang="en-US" altLang="zh-CN" i="1">
-                                            <a:latin typeface="Cambria Math" panose="02040503050406030204" pitchFamily="18" charset="0"/>
-                                          </a:rPr>
+                                          <a:rPr lang="en-US" altLang="zh-CN" sz="2200"/>
                                           <m:t>1</m:t>
                                         </m:r>
                                         <m:r>
-                                          <a:rPr lang="en-US" altLang="zh-CN" b="0" i="1" smtClean="0">
-                                            <a:latin typeface="Cambria Math" panose="02040503050406030204" pitchFamily="18" charset="0"/>
-                                          </a:rPr>
+                                          <a:rPr lang="en-US" altLang="zh-CN" sz="2200"/>
                                           <m:t>4</m:t>
                                         </m:r>
                                       </m:sub>
@@ -6486,17 +5680,13 @@
                                 <m:mr>
                                   <m:e>
                                     <m:r>
-                                      <a:rPr lang="en-US" altLang="zh-CN" b="0" i="1" smtClean="0">
-                                        <a:latin typeface="Cambria Math" panose="02040503050406030204" pitchFamily="18" charset="0"/>
-                                      </a:rPr>
+                                      <a:rPr lang="en-US" altLang="zh-CN" sz="2200"/>
                                       <m:t>    </m:t>
                                     </m:r>
                                     <m:sSub>
                                       <m:sSubPr>
                                         <m:ctrlPr>
-                                          <a:rPr lang="en-US" altLang="zh-CN" i="1">
-                                            <a:latin typeface="Cambria Math" panose="02040503050406030204" pitchFamily="18" charset="0"/>
-                                          </a:rPr>
+                                          <a:rPr lang="en-US" altLang="zh-CN" sz="2200"/>
                                         </m:ctrlPr>
                                       </m:sSubPr>
                                       <m:e>
@@ -6504,17 +5694,13 @@
                                           <m:rPr>
                                             <m:sty m:val="p"/>
                                           </m:rPr>
-                                          <a:rPr lang="en-US" altLang="zh-CN" i="1">
-                                            <a:latin typeface="Cambria Math" panose="02040503050406030204" pitchFamily="18" charset="0"/>
-                                          </a:rPr>
+                                          <a:rPr lang="en-US" altLang="zh-CN" sz="2200"/>
                                           <m:t>dn</m:t>
                                         </m:r>
                                       </m:e>
                                       <m:sub>
                                         <m:r>
-                                          <a:rPr lang="en-US" altLang="zh-CN" b="0" i="1" smtClean="0">
-                                            <a:latin typeface="Cambria Math" panose="02040503050406030204" pitchFamily="18" charset="0"/>
-                                          </a:rPr>
+                                          <a:rPr lang="en-US" altLang="zh-CN" sz="2200"/>
                                           <m:t>23</m:t>
                                         </m:r>
                                       </m:sub>
@@ -6524,33 +5710,25 @@
                                     <m:sSub>
                                       <m:sSubPr>
                                         <m:ctrlPr>
-                                          <a:rPr lang="en-US" altLang="zh-CN" i="1">
-                                            <a:latin typeface="Cambria Math" panose="02040503050406030204" pitchFamily="18" charset="0"/>
-                                          </a:rPr>
+                                          <a:rPr lang="en-US" altLang="zh-CN" sz="2200"/>
                                         </m:ctrlPr>
                                       </m:sSubPr>
                                       <m:e>
                                         <m:r>
-                                          <a:rPr lang="en-US" altLang="zh-CN" b="0" i="1" smtClean="0">
-                                            <a:latin typeface="Cambria Math" panose="02040503050406030204" pitchFamily="18" charset="0"/>
-                                          </a:rPr>
+                                          <a:rPr lang="en-US" altLang="zh-CN" sz="2200"/>
                                           <m:t>       </m:t>
                                         </m:r>
                                         <m:r>
                                           <m:rPr>
                                             <m:sty m:val="p"/>
                                           </m:rPr>
-                                          <a:rPr lang="en-US" altLang="zh-CN" i="1">
-                                            <a:latin typeface="Cambria Math" panose="02040503050406030204" pitchFamily="18" charset="0"/>
-                                          </a:rPr>
+                                          <a:rPr lang="en-US" altLang="zh-CN" sz="2200"/>
                                           <m:t>dn</m:t>
                                         </m:r>
                                       </m:e>
                                       <m:sub>
                                         <m:r>
-                                          <a:rPr lang="en-US" altLang="zh-CN" b="0" i="1" smtClean="0">
-                                            <a:latin typeface="Cambria Math" panose="02040503050406030204" pitchFamily="18" charset="0"/>
-                                          </a:rPr>
+                                          <a:rPr lang="en-US" altLang="zh-CN" sz="2200"/>
                                           <m:t>24</m:t>
                                         </m:r>
                                       </m:sub>
@@ -6573,9 +5751,7 @@
                                     </m:mc>
                                   </m:mcs>
                                   <m:ctrlPr>
-                                    <a:rPr lang="en-US" altLang="zh-CN" i="1" smtClean="0">
-                                      <a:latin typeface="Cambria Math" panose="02040503050406030204" pitchFamily="18" charset="0"/>
-                                    </a:rPr>
+                                    <a:rPr lang="en-US" altLang="zh-CN" sz="2200"/>
                                   </m:ctrlPr>
                                 </m:mPr>
                                 <m:mr>
@@ -6583,9 +5759,7 @@
                                     <m:sSub>
                                       <m:sSubPr>
                                         <m:ctrlPr>
-                                          <a:rPr lang="en-US" altLang="zh-CN" i="1">
-                                            <a:latin typeface="Cambria Math" panose="02040503050406030204" pitchFamily="18" charset="0"/>
-                                          </a:rPr>
+                                          <a:rPr lang="en-US" altLang="zh-CN" sz="2200"/>
                                         </m:ctrlPr>
                                       </m:sSubPr>
                                       <m:e>
@@ -6593,17 +5767,13 @@
                                           <m:rPr>
                                             <m:sty m:val="p"/>
                                           </m:rPr>
-                                          <a:rPr lang="en-US" altLang="zh-CN" i="1">
-                                            <a:latin typeface="Cambria Math" panose="02040503050406030204" pitchFamily="18" charset="0"/>
-                                          </a:rPr>
+                                          <a:rPr lang="en-US" altLang="zh-CN" sz="2200"/>
                                           <m:t>dn</m:t>
                                         </m:r>
                                       </m:e>
                                       <m:sub>
                                         <m:r>
-                                          <a:rPr lang="en-US" altLang="zh-CN" i="1">
-                                            <a:latin typeface="Cambria Math" panose="02040503050406030204" pitchFamily="18" charset="0"/>
-                                          </a:rPr>
+                                          <a:rPr lang="en-US" altLang="zh-CN" sz="2200"/>
                                           <m:t>31</m:t>
                                         </m:r>
                                       </m:sub>
@@ -6613,9 +5783,7 @@
                                     <m:sSub>
                                       <m:sSubPr>
                                         <m:ctrlPr>
-                                          <a:rPr lang="en-US" altLang="zh-CN" i="1">
-                                            <a:latin typeface="Cambria Math" panose="02040503050406030204" pitchFamily="18" charset="0"/>
-                                          </a:rPr>
+                                          <a:rPr lang="en-US" altLang="zh-CN" sz="2200"/>
                                         </m:ctrlPr>
                                       </m:sSubPr>
                                       <m:e>
@@ -6623,23 +5791,17 @@
                                           <m:rPr>
                                             <m:sty m:val="p"/>
                                           </m:rPr>
-                                          <a:rPr lang="en-US" altLang="zh-CN" i="1">
-                                            <a:latin typeface="Cambria Math" panose="02040503050406030204" pitchFamily="18" charset="0"/>
-                                          </a:rPr>
+                                          <a:rPr lang="en-US" altLang="zh-CN" sz="2200"/>
                                           <m:t>dn</m:t>
                                         </m:r>
                                       </m:e>
                                       <m:sub>
                                         <m:r>
-                                          <a:rPr lang="en-US" altLang="zh-CN" i="1">
-                                            <a:latin typeface="Cambria Math" panose="02040503050406030204" pitchFamily="18" charset="0"/>
-                                          </a:rPr>
+                                          <a:rPr lang="en-US" altLang="zh-CN" sz="2200"/>
                                           <m:t>3</m:t>
                                         </m:r>
                                         <m:r>
-                                          <a:rPr lang="en-US" altLang="zh-CN" b="0" i="1" smtClean="0">
-                                            <a:latin typeface="Cambria Math" panose="02040503050406030204" pitchFamily="18" charset="0"/>
-                                          </a:rPr>
+                                          <a:rPr lang="en-US" altLang="zh-CN" sz="2200"/>
                                           <m:t>2</m:t>
                                         </m:r>
                                       </m:sub>
@@ -6659,9 +5821,7 @@
                                           </m:mc>
                                         </m:mcs>
                                         <m:ctrlPr>
-                                          <a:rPr lang="en-US" altLang="zh-CN" i="1" smtClean="0">
-                                            <a:latin typeface="Cambria Math" panose="02040503050406030204" pitchFamily="18" charset="0"/>
-                                          </a:rPr>
+                                          <a:rPr lang="en-US" altLang="zh-CN" sz="2200"/>
                                         </m:ctrlPr>
                                       </m:mPr>
                                       <m:mr>
@@ -6670,9 +5830,7 @@
                                             <m:rPr>
                                               <m:brk m:alnAt="7"/>
                                             </m:rPr>
-                                            <a:rPr lang="en-US" altLang="zh-CN" b="0" i="1" smtClean="0">
-                                              <a:latin typeface="Cambria Math" panose="02040503050406030204" pitchFamily="18" charset="0"/>
-                                            </a:rPr>
+                                            <a:rPr lang="en-US" altLang="zh-CN" sz="2200"/>
                                             <m:t>0</m:t>
                                           </m:r>
                                         </m:e>
@@ -6680,9 +5838,7 @@
                                       <m:mr>
                                         <m:e>
                                           <m:r>
-                                            <a:rPr lang="en-US" altLang="zh-CN" b="0" i="1" smtClean="0">
-                                              <a:latin typeface="Cambria Math" panose="02040503050406030204" pitchFamily="18" charset="0"/>
-                                            </a:rPr>
+                                            <a:rPr lang="en-US" altLang="zh-CN" sz="2200"/>
                                             <m:t>0</m:t>
                                           </m:r>
                                         </m:e>
@@ -6701,9 +5857,7 @@
                                           </m:mc>
                                         </m:mcs>
                                         <m:ctrlPr>
-                                          <a:rPr lang="en-US" altLang="zh-CN" i="1" smtClean="0">
-                                            <a:latin typeface="Cambria Math" panose="02040503050406030204" pitchFamily="18" charset="0"/>
-                                          </a:rPr>
+                                          <a:rPr lang="en-US" altLang="zh-CN" sz="2200"/>
                                         </m:ctrlPr>
                                       </m:mPr>
                                       <m:mr>
@@ -6711,9 +5865,7 @@
                                           <m:sSub>
                                             <m:sSubPr>
                                               <m:ctrlPr>
-                                                <a:rPr lang="en-US" altLang="zh-CN" i="1">
-                                                  <a:latin typeface="Cambria Math" panose="02040503050406030204" pitchFamily="18" charset="0"/>
-                                                </a:rPr>
+                                                <a:rPr lang="en-US" altLang="zh-CN" sz="2200"/>
                                               </m:ctrlPr>
                                             </m:sSubPr>
                                             <m:e>
@@ -6721,17 +5873,13 @@
                                                 <m:rPr>
                                                   <m:sty m:val="p"/>
                                                 </m:rPr>
-                                                <a:rPr lang="en-US" altLang="zh-CN" i="1">
-                                                  <a:latin typeface="Cambria Math" panose="02040503050406030204" pitchFamily="18" charset="0"/>
-                                                </a:rPr>
+                                                <a:rPr lang="en-US" altLang="zh-CN" sz="2200"/>
                                                 <m:t>dn</m:t>
                                               </m:r>
                                             </m:e>
                                             <m:sub>
                                               <m:r>
-                                                <a:rPr lang="en-US" altLang="zh-CN" b="0" i="1" smtClean="0">
-                                                  <a:latin typeface="Cambria Math" panose="02040503050406030204" pitchFamily="18" charset="0"/>
-                                                </a:rPr>
+                                                <a:rPr lang="en-US" altLang="zh-CN" sz="2200"/>
                                                 <m:t>42</m:t>
                                               </m:r>
                                             </m:sub>
@@ -6741,9 +5889,7 @@
                                       <m:mr>
                                         <m:e>
                                           <m:r>
-                                            <a:rPr lang="en-US" altLang="zh-CN" b="0" i="1" smtClean="0">
-                                              <a:latin typeface="Cambria Math" panose="02040503050406030204" pitchFamily="18" charset="0"/>
-                                            </a:rPr>
+                                            <a:rPr lang="en-US" altLang="zh-CN" sz="2200"/>
                                             <m:t>0</m:t>
                                           </m:r>
                                         </m:e>
@@ -6765,9 +5911,7 @@
                                     </m:mc>
                                   </m:mcs>
                                   <m:ctrlPr>
-                                    <a:rPr lang="en-US" altLang="zh-CN" i="1" smtClean="0">
-                                      <a:latin typeface="Cambria Math" panose="02040503050406030204" pitchFamily="18" charset="0"/>
-                                    </a:rPr>
+                                    <a:rPr lang="en-US" altLang="zh-CN" sz="2200"/>
                                   </m:ctrlPr>
                                 </m:mPr>
                                 <m:mr>
@@ -6783,9 +5927,7 @@
                                           </m:mc>
                                         </m:mcs>
                                         <m:ctrlPr>
-                                          <a:rPr lang="en-US" altLang="zh-CN" i="1" smtClean="0">
-                                            <a:latin typeface="Cambria Math" panose="02040503050406030204" pitchFamily="18" charset="0"/>
-                                          </a:rPr>
+                                          <a:rPr lang="en-US" altLang="zh-CN" sz="2200"/>
                                         </m:ctrlPr>
                                       </m:mPr>
                                       <m:mr>
@@ -6794,15 +5936,11 @@
                                             <m:rPr>
                                               <m:brk m:alnAt="7"/>
                                             </m:rPr>
-                                            <a:rPr lang="en-US" altLang="zh-CN" b="0" i="1" smtClean="0">
-                                              <a:latin typeface="Cambria Math" panose="02040503050406030204" pitchFamily="18" charset="0"/>
-                                            </a:rPr>
+                                            <a:rPr lang="en-US" altLang="zh-CN" sz="2200"/>
                                             <m:t> </m:t>
                                           </m:r>
                                           <m:r>
-                                            <a:rPr lang="en-US" altLang="zh-CN" b="0" i="1" smtClean="0">
-                                              <a:latin typeface="Cambria Math" panose="02040503050406030204" pitchFamily="18" charset="0"/>
-                                            </a:rPr>
+                                            <a:rPr lang="en-US" altLang="zh-CN" sz="2200"/>
                                             <m:t>      0</m:t>
                                           </m:r>
                                         </m:e>
@@ -6810,9 +5948,7 @@
                                       <m:mr>
                                         <m:e>
                                           <m:r>
-                                            <a:rPr lang="en-US" altLang="zh-CN" b="0" i="1" smtClean="0">
-                                              <a:latin typeface="Cambria Math" panose="02040503050406030204" pitchFamily="18" charset="0"/>
-                                            </a:rPr>
+                                            <a:rPr lang="en-US" altLang="zh-CN" sz="2200"/>
                                             <m:t>       0</m:t>
                                           </m:r>
                                         </m:e>
@@ -6820,9 +5956,7 @@
                                       <m:mr>
                                         <m:e>
                                           <m:r>
-                                            <a:rPr lang="en-US" altLang="zh-CN" b="0" i="1" smtClean="0">
-                                              <a:latin typeface="Cambria Math" panose="02040503050406030204" pitchFamily="18" charset="0"/>
-                                            </a:rPr>
+                                            <a:rPr lang="en-US" altLang="zh-CN" sz="2200"/>
                                             <m:t>       0</m:t>
                                           </m:r>
                                         </m:e>
@@ -6841,9 +5975,7 @@
                                           </m:mc>
                                         </m:mcs>
                                         <m:ctrlPr>
-                                          <a:rPr lang="en-US" altLang="zh-CN" i="1" smtClean="0">
-                                            <a:latin typeface="Cambria Math" panose="02040503050406030204" pitchFamily="18" charset="0"/>
-                                          </a:rPr>
+                                          <a:rPr lang="en-US" altLang="zh-CN" sz="2200"/>
                                         </m:ctrlPr>
                                       </m:mPr>
                                       <m:mr>
@@ -6852,53 +5984,39 @@
                                             <m:rPr>
                                               <m:brk m:alnAt="7"/>
                                             </m:rPr>
-                                            <a:rPr lang="en-US" altLang="zh-CN" b="0" i="1" smtClean="0">
-                                              <a:latin typeface="Cambria Math" panose="02040503050406030204" pitchFamily="18" charset="0"/>
-                                            </a:rPr>
+                                            <a:rPr lang="en-US" altLang="zh-CN" sz="2200"/>
                                             <m:t> </m:t>
                                           </m:r>
                                           <m:r>
-                                            <a:rPr lang="en-US" altLang="zh-CN" b="0" i="1" smtClean="0">
-                                              <a:latin typeface="Cambria Math" panose="02040503050406030204" pitchFamily="18" charset="0"/>
-                                            </a:rPr>
+                                            <a:rPr lang="en-US" altLang="zh-CN" sz="2200"/>
                                             <m:t>      </m:t>
                                           </m:r>
                                           <m:sSub>
                                             <m:sSubPr>
                                               <m:ctrlPr>
-                                                <a:rPr lang="en-US" altLang="zh-CN" i="1">
-                                                  <a:latin typeface="Cambria Math" panose="02040503050406030204" pitchFamily="18" charset="0"/>
-                                                </a:rPr>
+                                                <a:rPr lang="en-US" altLang="zh-CN" sz="2200"/>
                                               </m:ctrlPr>
                                             </m:sSubPr>
                                             <m:e>
                                               <m:r>
-                                                <a:rPr lang="en-US" altLang="zh-CN" b="0" i="1" smtClean="0">
-                                                  <a:latin typeface="Cambria Math" panose="02040503050406030204" pitchFamily="18" charset="0"/>
-                                                </a:rPr>
+                                                <a:rPr lang="en-US" altLang="zh-CN" sz="2200"/>
                                                 <m:t>    </m:t>
                                               </m:r>
                                               <m:r>
                                                 <m:rPr>
                                                   <m:sty m:val="p"/>
                                                 </m:rPr>
-                                                <a:rPr lang="en-US" altLang="zh-CN" i="1">
-                                                  <a:latin typeface="Cambria Math" panose="02040503050406030204" pitchFamily="18" charset="0"/>
-                                                </a:rPr>
+                                                <a:rPr lang="en-US" altLang="zh-CN" sz="2200"/>
                                                 <m:t>dn</m:t>
                                               </m:r>
                                             </m:e>
                                             <m:sub>
                                               <m:r>
-                                                <a:rPr lang="en-US" altLang="zh-CN" i="1">
-                                                  <a:latin typeface="Cambria Math" panose="02040503050406030204" pitchFamily="18" charset="0"/>
-                                                </a:rPr>
+                                                <a:rPr lang="en-US" altLang="zh-CN" sz="2200"/>
                                                 <m:t>3</m:t>
                                               </m:r>
                                               <m:r>
-                                                <a:rPr lang="en-US" altLang="zh-CN" b="0" i="1" smtClean="0">
-                                                  <a:latin typeface="Cambria Math" panose="02040503050406030204" pitchFamily="18" charset="0"/>
-                                                </a:rPr>
+                                                <a:rPr lang="en-US" altLang="zh-CN" sz="2200"/>
                                                 <m:t>4</m:t>
                                               </m:r>
                                             </m:sub>
@@ -6910,33 +6028,25 @@
                                           <m:sSub>
                                             <m:sSubPr>
                                               <m:ctrlPr>
-                                                <a:rPr lang="en-US" altLang="zh-CN" i="1">
-                                                  <a:latin typeface="Cambria Math" panose="02040503050406030204" pitchFamily="18" charset="0"/>
-                                                </a:rPr>
+                                                <a:rPr lang="en-US" altLang="zh-CN" sz="2200"/>
                                               </m:ctrlPr>
                                             </m:sSubPr>
                                             <m:e>
                                               <m:r>
-                                                <a:rPr lang="en-US" altLang="zh-CN" b="0" i="1" smtClean="0">
-                                                  <a:latin typeface="Cambria Math" panose="02040503050406030204" pitchFamily="18" charset="0"/>
-                                                </a:rPr>
+                                                <a:rPr lang="en-US" altLang="zh-CN" sz="2200"/>
                                                 <m:t>           </m:t>
                                               </m:r>
                                               <m:r>
                                                 <m:rPr>
                                                   <m:sty m:val="p"/>
                                                 </m:rPr>
-                                                <a:rPr lang="en-US" altLang="zh-CN" i="1">
-                                                  <a:latin typeface="Cambria Math" panose="02040503050406030204" pitchFamily="18" charset="0"/>
-                                                </a:rPr>
+                                                <a:rPr lang="en-US" altLang="zh-CN" sz="2200"/>
                                                 <m:t>dn</m:t>
                                               </m:r>
                                             </m:e>
                                             <m:sub>
                                               <m:r>
-                                                <a:rPr lang="en-US" altLang="zh-CN" b="0" i="1" smtClean="0">
-                                                  <a:latin typeface="Cambria Math" panose="02040503050406030204" pitchFamily="18" charset="0"/>
-                                                </a:rPr>
+                                                <a:rPr lang="en-US" altLang="zh-CN" sz="2200"/>
                                                 <m:t>44</m:t>
                                               </m:r>
                                             </m:sub>
@@ -6948,33 +6058,25 @@
                                           <m:sSub>
                                             <m:sSubPr>
                                               <m:ctrlPr>
-                                                <a:rPr lang="en-US" altLang="zh-CN" i="1">
-                                                  <a:latin typeface="Cambria Math" panose="02040503050406030204" pitchFamily="18" charset="0"/>
-                                                </a:rPr>
+                                                <a:rPr lang="en-US" altLang="zh-CN" sz="2200"/>
                                               </m:ctrlPr>
                                             </m:sSubPr>
                                             <m:e>
                                               <m:r>
-                                                <a:rPr lang="en-US" altLang="zh-CN" b="0" i="1" smtClean="0">
-                                                  <a:latin typeface="Cambria Math" panose="02040503050406030204" pitchFamily="18" charset="0"/>
-                                                </a:rPr>
+                                                <a:rPr lang="en-US" altLang="zh-CN" sz="2200"/>
                                                 <m:t>           </m:t>
                                               </m:r>
                                               <m:r>
                                                 <m:rPr>
                                                   <m:sty m:val="p"/>
                                                 </m:rPr>
-                                                <a:rPr lang="en-US" altLang="zh-CN" i="1">
-                                                  <a:latin typeface="Cambria Math" panose="02040503050406030204" pitchFamily="18" charset="0"/>
-                                                </a:rPr>
+                                                <a:rPr lang="en-US" altLang="zh-CN" sz="2200"/>
                                                 <m:t>dn</m:t>
                                               </m:r>
                                             </m:e>
                                             <m:sub>
                                               <m:r>
-                                                <a:rPr lang="en-US" altLang="zh-CN" b="0" i="1" smtClean="0">
-                                                  <a:latin typeface="Cambria Math" panose="02040503050406030204" pitchFamily="18" charset="0"/>
-                                                </a:rPr>
+                                                <a:rPr lang="en-US" altLang="zh-CN" sz="2200"/>
                                                 <m:t>54</m:t>
                                               </m:r>
                                             </m:sub>
@@ -6993,7 +6095,7 @@
                   </m:oMath>
                 </a14:m>
                 <a:r>
-                  <a:rPr lang="en-US" altLang="zh-CN" dirty="0"/>
+                  <a:rPr lang="en-US" altLang="zh-CN" sz="2200" dirty="0"/>
                   <a:t> , </a:t>
                 </a:r>
                 <a14:m>
@@ -7001,39 +6103,24 @@
                     <m:sSub>
                       <m:sSubPr>
                         <m:ctrlPr>
-                          <a:rPr lang="en-US" altLang="zh-CN" i="1" smtClean="0">
-                            <a:latin typeface="Cambria Math" panose="02040503050406030204" pitchFamily="18" charset="0"/>
-                          </a:rPr>
+                          <a:rPr lang="en-US" altLang="zh-CN" sz="2200"/>
                         </m:ctrlPr>
                       </m:sSubPr>
                       <m:e>
                         <m:r>
-                          <a:rPr lang="en-US" altLang="zh-CN" b="0" i="1" smtClean="0">
-                            <a:latin typeface="Cambria Math" panose="02040503050406030204" pitchFamily="18" charset="0"/>
-                          </a:rPr>
+                          <a:rPr lang="en-US" altLang="zh-CN" sz="2200"/>
                           <m:t>𝐷𝑆</m:t>
                         </m:r>
                       </m:e>
                       <m:sub>
                         <m:r>
-                          <a:rPr lang="en-US" altLang="zh-CN" b="0" i="1" smtClean="0">
-                            <a:latin typeface="Cambria Math" panose="02040503050406030204" pitchFamily="18" charset="0"/>
-                          </a:rPr>
-                          <m:t>5</m:t>
-                        </m:r>
-                        <m:r>
-                          <a:rPr lang="en-US" altLang="zh-CN" b="0" i="1" smtClean="0">
-                            <a:latin typeface="Cambria Math" panose="02040503050406030204" pitchFamily="18" charset="0"/>
-                            <a:ea typeface="Cambria Math" panose="02040503050406030204" pitchFamily="18" charset="0"/>
-                          </a:rPr>
-                          <m:t>×4</m:t>
+                          <a:rPr lang="en-US" altLang="zh-CN" sz="2200"/>
+                          <m:t>5×4</m:t>
                         </m:r>
                       </m:sub>
                     </m:sSub>
                     <m:r>
-                      <a:rPr lang="en-US" altLang="zh-CN" b="0" i="1" smtClean="0">
-                        <a:latin typeface="Cambria Math" panose="02040503050406030204" pitchFamily="18" charset="0"/>
-                      </a:rPr>
+                      <a:rPr lang="en-US" altLang="zh-CN" sz="2200"/>
                       <m:t>= </m:t>
                     </m:r>
                     <m:d>
@@ -7041,9 +6128,7 @@
                         <m:begChr m:val="["/>
                         <m:endChr m:val="]"/>
                         <m:ctrlPr>
-                          <a:rPr lang="en-US" altLang="zh-CN" i="1" smtClean="0">
-                            <a:latin typeface="Cambria Math" panose="02040503050406030204" pitchFamily="18" charset="0"/>
-                          </a:rPr>
+                          <a:rPr lang="en-US" altLang="zh-CN" sz="2200"/>
                         </m:ctrlPr>
                       </m:dPr>
                       <m:e>
@@ -7058,9 +6143,7 @@
                               </m:mc>
                             </m:mcs>
                             <m:ctrlPr>
-                              <a:rPr lang="en-US" altLang="zh-CN" i="1" smtClean="0">
-                                <a:latin typeface="Cambria Math" panose="02040503050406030204" pitchFamily="18" charset="0"/>
-                              </a:rPr>
+                              <a:rPr lang="en-US" altLang="zh-CN" sz="2200"/>
                             </m:ctrlPr>
                           </m:mPr>
                           <m:mr>
@@ -7076,9 +6159,7 @@
                                     </m:mc>
                                   </m:mcs>
                                   <m:ctrlPr>
-                                    <a:rPr lang="en-US" altLang="zh-CN" i="1" smtClean="0">
-                                      <a:latin typeface="Cambria Math" panose="02040503050406030204" pitchFamily="18" charset="0"/>
-                                    </a:rPr>
+                                    <a:rPr lang="en-US" altLang="zh-CN" sz="2200"/>
                                   </m:ctrlPr>
                                 </m:mPr>
                                 <m:mr>
@@ -7087,17 +6168,13 @@
                                       <m:rPr>
                                         <m:brk m:alnAt="7"/>
                                       </m:rPr>
-                                      <a:rPr lang="en-US" altLang="zh-CN" b="0" i="1" smtClean="0">
-                                        <a:latin typeface="Cambria Math" panose="02040503050406030204" pitchFamily="18" charset="0"/>
-                                      </a:rPr>
+                                      <a:rPr lang="en-US" altLang="zh-CN" sz="2200"/>
                                       <m:t>1</m:t>
                                     </m:r>
                                   </m:e>
                                   <m:e>
                                     <m:r>
-                                      <a:rPr lang="en-US" altLang="zh-CN" b="0" i="1" smtClean="0">
-                                        <a:latin typeface="Cambria Math" panose="02040503050406030204" pitchFamily="18" charset="0"/>
-                                      </a:rPr>
+                                      <a:rPr lang="en-US" altLang="zh-CN" sz="2200"/>
                                       <m:t>1</m:t>
                                     </m:r>
                                   </m:e>
@@ -7105,17 +6182,13 @@
                                 <m:mr>
                                   <m:e>
                                     <m:r>
-                                      <a:rPr lang="en-US" altLang="zh-CN" b="0" i="1" smtClean="0">
-                                        <a:latin typeface="Cambria Math" panose="02040503050406030204" pitchFamily="18" charset="0"/>
-                                      </a:rPr>
+                                      <a:rPr lang="en-US" altLang="zh-CN" sz="2200"/>
                                       <m:t>1</m:t>
                                     </m:r>
                                   </m:e>
                                   <m:e>
                                     <m:r>
-                                      <a:rPr lang="en-US" altLang="zh-CN" b="0" i="1" smtClean="0">
-                                        <a:latin typeface="Cambria Math" panose="02040503050406030204" pitchFamily="18" charset="0"/>
-                                      </a:rPr>
+                                      <a:rPr lang="en-US" altLang="zh-CN" sz="2200"/>
                                       <m:t>1</m:t>
                                     </m:r>
                                   </m:e>
@@ -7123,17 +6196,13 @@
                                 <m:mr>
                                   <m:e>
                                     <m:r>
-                                      <a:rPr lang="en-US" altLang="zh-CN" b="0" i="1" smtClean="0">
-                                        <a:latin typeface="Cambria Math" panose="02040503050406030204" pitchFamily="18" charset="0"/>
-                                      </a:rPr>
+                                      <a:rPr lang="en-US" altLang="zh-CN" sz="2200"/>
                                       <m:t>2</m:t>
                                     </m:r>
                                   </m:e>
                                   <m:e>
                                     <m:r>
-                                      <a:rPr lang="en-US" altLang="zh-CN" b="0" i="1" smtClean="0">
-                                        <a:latin typeface="Cambria Math" panose="02040503050406030204" pitchFamily="18" charset="0"/>
-                                      </a:rPr>
+                                      <a:rPr lang="en-US" altLang="zh-CN" sz="2200"/>
                                       <m:t>3</m:t>
                                     </m:r>
                                   </m:e>
@@ -7152,9 +6221,7 @@
                                     </m:mc>
                                   </m:mcs>
                                   <m:ctrlPr>
-                                    <a:rPr lang="en-US" altLang="zh-CN" i="1" smtClean="0">
-                                      <a:latin typeface="Cambria Math" panose="02040503050406030204" pitchFamily="18" charset="0"/>
-                                    </a:rPr>
+                                    <a:rPr lang="en-US" altLang="zh-CN" sz="2200"/>
                                   </m:ctrlPr>
                                 </m:mPr>
                                 <m:mr>
@@ -7163,17 +6230,13 @@
                                       <m:rPr>
                                         <m:brk m:alnAt="7"/>
                                       </m:rPr>
-                                      <a:rPr lang="en-US" altLang="zh-CN" b="0" i="1" smtClean="0">
-                                        <a:latin typeface="Cambria Math" panose="02040503050406030204" pitchFamily="18" charset="0"/>
-                                      </a:rPr>
+                                      <a:rPr lang="en-US" altLang="zh-CN" sz="2200"/>
                                       <m:t>1</m:t>
                                     </m:r>
                                   </m:e>
                                   <m:e>
                                     <m:r>
-                                      <a:rPr lang="en-US" altLang="zh-CN" b="0" i="1" smtClean="0">
-                                        <a:latin typeface="Cambria Math" panose="02040503050406030204" pitchFamily="18" charset="0"/>
-                                      </a:rPr>
+                                      <a:rPr lang="en-US" altLang="zh-CN" sz="2200"/>
                                       <m:t>3</m:t>
                                     </m:r>
                                   </m:e>
@@ -7181,17 +6244,13 @@
                                 <m:mr>
                                   <m:e>
                                     <m:r>
-                                      <a:rPr lang="en-US" altLang="zh-CN" b="0" i="1" smtClean="0">
-                                        <a:latin typeface="Cambria Math" panose="02040503050406030204" pitchFamily="18" charset="0"/>
-                                      </a:rPr>
+                                      <a:rPr lang="en-US" altLang="zh-CN" sz="2200"/>
                                       <m:t>1</m:t>
                                     </m:r>
                                   </m:e>
                                   <m:e>
                                     <m:r>
-                                      <a:rPr lang="en-US" altLang="zh-CN" b="0" i="1" smtClean="0">
-                                        <a:latin typeface="Cambria Math" panose="02040503050406030204" pitchFamily="18" charset="0"/>
-                                      </a:rPr>
+                                      <a:rPr lang="en-US" altLang="zh-CN" sz="2200"/>
                                       <m:t>1</m:t>
                                     </m:r>
                                   </m:e>
@@ -7199,17 +6258,13 @@
                                 <m:mr>
                                   <m:e>
                                     <m:r>
-                                      <a:rPr lang="en-US" altLang="zh-CN" b="0" i="1" smtClean="0">
-                                        <a:latin typeface="Cambria Math" panose="02040503050406030204" pitchFamily="18" charset="0"/>
-                                      </a:rPr>
+                                      <a:rPr lang="en-US" altLang="zh-CN" sz="2200"/>
                                       <m:t>0</m:t>
                                     </m:r>
                                   </m:e>
                                   <m:e>
                                     <m:r>
-                                      <a:rPr lang="en-US" altLang="zh-CN" b="0" i="1" smtClean="0">
-                                        <a:latin typeface="Cambria Math" panose="02040503050406030204" pitchFamily="18" charset="0"/>
-                                      </a:rPr>
+                                      <a:rPr lang="en-US" altLang="zh-CN" sz="2200"/>
                                       <m:t>1</m:t>
                                     </m:r>
                                   </m:e>
@@ -7230,9 +6285,7 @@
                                     </m:mc>
                                   </m:mcs>
                                   <m:ctrlPr>
-                                    <a:rPr lang="en-US" altLang="zh-CN" i="1" smtClean="0">
-                                      <a:latin typeface="Cambria Math" panose="02040503050406030204" pitchFamily="18" charset="0"/>
-                                    </a:rPr>
+                                    <a:rPr lang="en-US" altLang="zh-CN" sz="2200"/>
                                   </m:ctrlPr>
                                 </m:mPr>
                                 <m:mr>
@@ -7241,17 +6294,13 @@
                                       <m:rPr>
                                         <m:brk m:alnAt="7"/>
                                       </m:rPr>
-                                      <a:rPr lang="en-US" altLang="zh-CN" b="0" i="1" smtClean="0">
-                                        <a:latin typeface="Cambria Math" panose="02040503050406030204" pitchFamily="18" charset="0"/>
-                                      </a:rPr>
+                                      <a:rPr lang="en-US" altLang="zh-CN" sz="2200"/>
                                       <m:t>0</m:t>
                                     </m:r>
                                   </m:e>
                                   <m:e>
                                     <m:r>
-                                      <a:rPr lang="en-US" altLang="zh-CN" b="0" i="1" smtClean="0">
-                                        <a:latin typeface="Cambria Math" panose="02040503050406030204" pitchFamily="18" charset="0"/>
-                                      </a:rPr>
+                                      <a:rPr lang="en-US" altLang="zh-CN" sz="2200"/>
                                       <m:t>1</m:t>
                                     </m:r>
                                   </m:e>
@@ -7259,17 +6308,13 @@
                                 <m:mr>
                                   <m:e>
                                     <m:r>
-                                      <a:rPr lang="en-US" altLang="zh-CN" b="0" i="1" smtClean="0">
-                                        <a:latin typeface="Cambria Math" panose="02040503050406030204" pitchFamily="18" charset="0"/>
-                                      </a:rPr>
+                                      <a:rPr lang="en-US" altLang="zh-CN" sz="2200"/>
                                       <m:t>0</m:t>
                                     </m:r>
                                   </m:e>
                                   <m:e>
                                     <m:r>
-                                      <a:rPr lang="en-US" altLang="zh-CN" b="0" i="1" smtClean="0">
-                                        <a:latin typeface="Cambria Math" panose="02040503050406030204" pitchFamily="18" charset="0"/>
-                                      </a:rPr>
+                                      <a:rPr lang="en-US" altLang="zh-CN" sz="2200"/>
                                       <m:t>0</m:t>
                                     </m:r>
                                   </m:e>
@@ -7288,9 +6333,7 @@
                                     </m:mc>
                                   </m:mcs>
                                   <m:ctrlPr>
-                                    <a:rPr lang="en-US" altLang="zh-CN" i="1" smtClean="0">
-                                      <a:latin typeface="Cambria Math" panose="02040503050406030204" pitchFamily="18" charset="0"/>
-                                    </a:rPr>
+                                    <a:rPr lang="en-US" altLang="zh-CN" sz="2200"/>
                                   </m:ctrlPr>
                                 </m:mPr>
                                 <m:mr>
@@ -7299,17 +6342,13 @@
                                       <m:rPr>
                                         <m:brk m:alnAt="7"/>
                                       </m:rPr>
-                                      <a:rPr lang="en-US" altLang="zh-CN" b="0" i="1" smtClean="0">
-                                        <a:latin typeface="Cambria Math" panose="02040503050406030204" pitchFamily="18" charset="0"/>
-                                      </a:rPr>
+                                      <a:rPr lang="en-US" altLang="zh-CN" sz="2200"/>
                                       <m:t>0</m:t>
                                     </m:r>
                                   </m:e>
                                   <m:e>
                                     <m:r>
-                                      <a:rPr lang="en-US" altLang="zh-CN" b="0" i="1" smtClean="0">
-                                        <a:latin typeface="Cambria Math" panose="02040503050406030204" pitchFamily="18" charset="0"/>
-                                      </a:rPr>
+                                      <a:rPr lang="en-US" altLang="zh-CN" sz="2200"/>
                                       <m:t>2</m:t>
                                     </m:r>
                                   </m:e>
@@ -7317,17 +6356,13 @@
                                 <m:mr>
                                   <m:e>
                                     <m:r>
-                                      <a:rPr lang="en-US" altLang="zh-CN" b="0" i="1" smtClean="0">
-                                        <a:latin typeface="Cambria Math" panose="02040503050406030204" pitchFamily="18" charset="0"/>
-                                      </a:rPr>
+                                      <a:rPr lang="en-US" altLang="zh-CN" sz="2200"/>
                                       <m:t>0</m:t>
                                     </m:r>
                                   </m:e>
                                   <m:e>
                                     <m:r>
-                                      <a:rPr lang="en-US" altLang="zh-CN" b="0" i="1" smtClean="0">
-                                        <a:latin typeface="Cambria Math" panose="02040503050406030204" pitchFamily="18" charset="0"/>
-                                      </a:rPr>
+                                      <a:rPr lang="en-US" altLang="zh-CN" sz="2200"/>
                                       <m:t>1</m:t>
                                     </m:r>
                                   </m:e>
@@ -7340,11 +6375,15 @@
                     </m:d>
                   </m:oMath>
                 </a14:m>
-                <a:endParaRPr lang="en-US" altLang="zh-CN" dirty="0"/>
+                <a:endParaRPr lang="en-US" altLang="zh-CN" sz="2200" dirty="0"/>
               </a:p>
               <a:p>
-                <a:pPr algn="l"/>
-                <a:endParaRPr lang="en-US" altLang="zh-CN" dirty="0"/>
+                <a:pPr algn="l">
+                  <a:lnSpc>
+                    <a:spcPct val="100000"/>
+                  </a:lnSpc>
+                </a:pPr>
+                <a:endParaRPr lang="en-US" altLang="zh-CN" sz="2200" dirty="0"/>
               </a:p>
               <a:p>
                 <a:pPr algn="l"/>
@@ -7353,15 +6392,11 @@
             </p:txBody>
           </p:sp>
         </mc:Choice>
-        <mc:Fallback xmlns="">
+        <mc:Fallback>
           <p:sp>
             <p:nvSpPr>
               <p:cNvPr id="3" name="副标题 2">
-                <a:extLst>
-                  <a:ext uri="{FF2B5EF4-FFF2-40B4-BE49-F238E27FC236}">
-                    <a16:creationId xmlns:a16="http://schemas.microsoft.com/office/drawing/2014/main" id="{78EE3802-A69D-4FAA-9F33-31419ADDD238}"/>
-                  </a:ext>
-                </a:extLst>
+                <a:extLst/>
               </p:cNvPr>
               <p:cNvSpPr>
                 <a:spLocks noGrp="1" noRot="1" noChangeAspect="1" noMove="1" noResize="1" noEditPoints="1" noAdjustHandles="1" noChangeArrowheads="1" noChangeShapeType="1" noTextEdit="1"/>
@@ -7372,13 +6407,13 @@
             </p:nvSpPr>
             <p:spPr>
               <a:xfrm>
-                <a:off x="1408590" y="1510312"/>
+                <a:off x="1378998" y="1269507"/>
                 <a:ext cx="10783409" cy="5041407"/>
               </a:xfrm>
               <a:blipFill>
                 <a:blip r:embed="rId2"/>
                 <a:stretch>
-                  <a:fillRect l="-735" t="-1451" r="-565"/>
+                  <a:fillRect l="-735" t="-605" r="-565"/>
                 </a:stretch>
               </a:blipFill>
             </p:spPr>
@@ -7398,11 +6433,6 @@
         </mc:Fallback>
       </mc:AlternateContent>
     </p:spTree>
-    <p:extLst>
-      <p:ext uri="{BB962C8B-B14F-4D97-AF65-F5344CB8AC3E}">
-        <p14:creationId xmlns:p14="http://schemas.microsoft.com/office/powerpoint/2010/main" val="3118600538"/>
-      </p:ext>
-    </p:extLst>
   </p:cSld>
   <p:clrMapOvr>
     <a:masterClrMapping/>
@@ -7429,13 +6459,7 @@
       </p:grpSpPr>
       <p:sp>
         <p:nvSpPr>
-          <p:cNvPr id="2" name="标题 1">
-            <a:extLst>
-              <a:ext uri="{FF2B5EF4-FFF2-40B4-BE49-F238E27FC236}">
-                <a16:creationId xmlns:a16="http://schemas.microsoft.com/office/drawing/2014/main" id="{10DA180B-347E-4BE9-964A-B1AB5689EDAE}"/>
-              </a:ext>
-            </a:extLst>
-          </p:cNvPr>
+          <p:cNvPr id="2" name="标题 1"/>
           <p:cNvSpPr>
             <a:spLocks noGrp="1"/>
           </p:cNvSpPr>
@@ -7463,16 +6487,12 @@
           </a:p>
         </p:txBody>
       </p:sp>
-      <mc:AlternateContent xmlns:mc="http://schemas.openxmlformats.org/markup-compatibility/2006" xmlns:a14="http://schemas.microsoft.com/office/drawing/2010/main">
-        <mc:Choice Requires="a14">
+      <mc:AlternateContent xmlns:mc="http://schemas.openxmlformats.org/markup-compatibility/2006">
+        <mc:Choice xmlns:a14="http://schemas.microsoft.com/office/drawing/2010/main" Requires="a14">
           <p:sp>
             <p:nvSpPr>
               <p:cNvPr id="3" name="副标题 2">
-                <a:extLst>
-                  <a:ext uri="{FF2B5EF4-FFF2-40B4-BE49-F238E27FC236}">
-                    <a16:creationId xmlns:a16="http://schemas.microsoft.com/office/drawing/2014/main" id="{37B9F11C-8CFF-4774-A31B-871485219283}"/>
-                  </a:ext>
-                </a:extLst>
+                <a:extLst/>
               </p:cNvPr>
               <p:cNvSpPr>
                 <a:spLocks noGrp="1"/>
@@ -7488,12 +6508,18 @@
               </a:xfrm>
             </p:spPr>
             <p:txBody>
-              <a:bodyPr/>
+              <a:bodyPr>
+                <a:normAutofit/>
+              </a:bodyPr>
               <a:lstStyle/>
               <a:p>
-                <a:pPr algn="l"/>
-                <a:r>
-                  <a:rPr lang="zh-CN" altLang="en-US" dirty="0"/>
+                <a:pPr algn="l">
+                  <a:lnSpc>
+                    <a:spcPct val="100000"/>
+                  </a:lnSpc>
+                </a:pPr>
+                <a:r>
+                  <a:rPr lang="zh-CN" altLang="en-US" sz="2000" dirty="0"/>
                   <a:t>设</a:t>
                 </a:r>
                 <a14:m>
@@ -7501,9 +6527,7 @@
                     <m:sSub>
                       <m:sSubPr>
                         <m:ctrlPr>
-                          <a:rPr lang="en-US" altLang="zh-CN" i="1" smtClean="0">
-                            <a:latin typeface="Cambria Math" panose="02040503050406030204" pitchFamily="18" charset="0"/>
-                          </a:rPr>
+                          <a:rPr lang="en-US" altLang="zh-CN" sz="2000"/>
                         </m:ctrlPr>
                       </m:sSubPr>
                       <m:e>
@@ -7511,51 +6535,45 @@
                           <m:rPr>
                             <m:sty m:val="p"/>
                           </m:rPr>
-                          <a:rPr lang="en-US" altLang="zh-CN" i="1">
-                            <a:latin typeface="Cambria Math" panose="02040503050406030204" pitchFamily="18" charset="0"/>
-                          </a:rPr>
+                          <a:rPr lang="en-US" altLang="zh-CN" sz="2000"/>
                           <m:t>F</m:t>
                         </m:r>
                       </m:e>
                       <m:sub>
                         <m:r>
-                          <a:rPr lang="en-US" altLang="zh-CN" b="0" i="1" smtClean="0">
-                            <a:latin typeface="Cambria Math" panose="02040503050406030204" pitchFamily="18" charset="0"/>
-                          </a:rPr>
+                          <a:rPr lang="en-US" altLang="zh-CN" sz="2000"/>
                           <m:t>1</m:t>
                         </m:r>
                       </m:sub>
                     </m:sSub>
                     <m:r>
-                      <a:rPr lang="zh-CN" altLang="en-US" i="1">
-                        <a:latin typeface="Cambria Math" panose="02040503050406030204" pitchFamily="18" charset="0"/>
-                      </a:rPr>
+                      <a:rPr lang="zh-CN" altLang="en-US" sz="2000"/>
                       <m:t>是</m:t>
                     </m:r>
                   </m:oMath>
                 </a14:m>
                 <a:r>
-                  <a:rPr lang="zh-CN" altLang="en-US" dirty="0"/>
+                  <a:rPr lang="zh-CN" altLang="en-US" sz="2000" dirty="0"/>
                   <a:t>分块为</a:t>
                 </a:r>
                 <a:r>
-                  <a:rPr lang="en-US" altLang="zh-CN" dirty="0"/>
+                  <a:rPr lang="en-US" altLang="zh-CN" sz="2000" dirty="0"/>
                   <a:t>n = 2</a:t>
                 </a:r>
                 <a:r>
-                  <a:rPr lang="zh-CN" altLang="en-US" dirty="0"/>
+                  <a:rPr lang="zh-CN" altLang="en-US" sz="2000" dirty="0"/>
                   <a:t>、副本系数</a:t>
                 </a:r>
                 <a:r>
-                  <a:rPr lang="en-US" altLang="zh-CN" dirty="0"/>
+                  <a:rPr lang="en-US" altLang="zh-CN" sz="2000" dirty="0"/>
                   <a:t>m = 3</a:t>
                 </a:r>
                 <a:r>
-                  <a:rPr lang="zh-CN" altLang="en-US" dirty="0"/>
+                  <a:rPr lang="zh-CN" altLang="en-US" sz="2000" dirty="0"/>
                   <a:t>，</a:t>
                 </a:r>
                 <a:r>
-                  <a:rPr lang="en-US" altLang="zh-CN" dirty="0"/>
+                  <a:rPr lang="en-US" altLang="zh-CN" sz="2000" dirty="0"/>
                   <a:t> </a:t>
                 </a:r>
                 <a14:m>
@@ -7563,9 +6581,7 @@
                     <m:sSub>
                       <m:sSubPr>
                         <m:ctrlPr>
-                          <a:rPr lang="en-US" altLang="zh-CN" i="1">
-                            <a:latin typeface="Cambria Math" panose="02040503050406030204" pitchFamily="18" charset="0"/>
-                          </a:rPr>
+                          <a:rPr lang="en-US" altLang="zh-CN" sz="2000"/>
                         </m:ctrlPr>
                       </m:sSubPr>
                       <m:e>
@@ -7573,17 +6589,13 @@
                           <m:rPr>
                             <m:sty m:val="p"/>
                           </m:rPr>
-                          <a:rPr lang="en-US" altLang="zh-CN" i="1">
-                            <a:latin typeface="Cambria Math" panose="02040503050406030204" pitchFamily="18" charset="0"/>
-                          </a:rPr>
+                          <a:rPr lang="en-US" altLang="zh-CN" sz="2000"/>
                           <m:t>F</m:t>
                         </m:r>
                       </m:e>
                       <m:sub>
                         <m:r>
-                          <a:rPr lang="en-US" altLang="zh-CN" i="1">
-                            <a:latin typeface="Cambria Math" panose="02040503050406030204" pitchFamily="18" charset="0"/>
-                          </a:rPr>
+                          <a:rPr lang="en-US" altLang="zh-CN" sz="2000"/>
                           <m:t>2</m:t>
                         </m:r>
                       </m:sub>
@@ -7591,23 +6603,23 @@
                   </m:oMath>
                 </a14:m>
                 <a:r>
-                  <a:rPr lang="zh-CN" altLang="en-US" dirty="0"/>
+                  <a:rPr lang="zh-CN" altLang="en-US" sz="2000" dirty="0"/>
                   <a:t>是分块为</a:t>
                 </a:r>
                 <a:r>
-                  <a:rPr lang="en-US" altLang="zh-CN" dirty="0"/>
+                  <a:rPr lang="en-US" altLang="zh-CN" sz="2000" dirty="0"/>
                   <a:t>n = 3</a:t>
                 </a:r>
                 <a:r>
-                  <a:rPr lang="zh-CN" altLang="en-US" dirty="0"/>
+                  <a:rPr lang="zh-CN" altLang="en-US" sz="2000" dirty="0"/>
                   <a:t>、副本系数</a:t>
                 </a:r>
                 <a:r>
-                  <a:rPr lang="en-US" altLang="zh-CN" dirty="0"/>
+                  <a:rPr lang="en-US" altLang="zh-CN" sz="2000" dirty="0"/>
                   <a:t>m = 2</a:t>
                 </a:r>
                 <a:r>
-                  <a:rPr lang="zh-CN" altLang="en-US" dirty="0"/>
+                  <a:rPr lang="zh-CN" altLang="en-US" sz="2000" dirty="0"/>
                   <a:t>的文件存储于</a:t>
                 </a:r>
                 <a14:m>
@@ -7615,39 +6627,26 @@
                     <m:sSub>
                       <m:sSubPr>
                         <m:ctrlPr>
-                          <a:rPr lang="en-US" altLang="zh-CN" i="1">
-                            <a:latin typeface="Cambria Math" panose="02040503050406030204" pitchFamily="18" charset="0"/>
-                          </a:rPr>
+                          <a:rPr lang="en-US" altLang="zh-CN" sz="2000"/>
                         </m:ctrlPr>
                       </m:sSubPr>
                       <m:e>
                         <m:r>
-                          <a:rPr lang="en-US" altLang="zh-CN" i="1">
-                            <a:latin typeface="Cambria Math" panose="02040503050406030204" pitchFamily="18" charset="0"/>
-                          </a:rPr>
+                          <a:rPr lang="en-US" altLang="zh-CN" sz="2000"/>
                           <m:t>𝐶</m:t>
                         </m:r>
                       </m:e>
                       <m:sub>
                         <m:r>
-                          <a:rPr lang="en-US" altLang="zh-CN" i="1">
-                            <a:latin typeface="Cambria Math" panose="02040503050406030204" pitchFamily="18" charset="0"/>
-                          </a:rPr>
-                          <m:t>5</m:t>
-                        </m:r>
-                        <m:r>
-                          <a:rPr lang="en-US" altLang="zh-CN" i="1">
-                            <a:latin typeface="Cambria Math" panose="02040503050406030204" pitchFamily="18" charset="0"/>
-                            <a:ea typeface="Cambria Math" panose="02040503050406030204" pitchFamily="18" charset="0"/>
-                          </a:rPr>
-                          <m:t>×4</m:t>
+                          <a:rPr lang="en-US" altLang="zh-CN" sz="2000"/>
+                          <m:t>5×4</m:t>
                         </m:r>
                       </m:sub>
                     </m:sSub>
                   </m:oMath>
                 </a14:m>
                 <a:r>
-                  <a:rPr lang="zh-CN" altLang="en-US" dirty="0"/>
+                  <a:rPr lang="zh-CN" altLang="en-US" sz="2000" dirty="0"/>
                   <a:t>集群中，则</a:t>
                 </a:r>
                 <a14:m>
@@ -7655,9 +6654,7 @@
                     <m:sSub>
                       <m:sSubPr>
                         <m:ctrlPr>
-                          <a:rPr lang="en-US" altLang="zh-CN" i="1">
-                            <a:latin typeface="Cambria Math" panose="02040503050406030204" pitchFamily="18" charset="0"/>
-                          </a:rPr>
+                          <a:rPr lang="en-US" altLang="zh-CN" sz="2000"/>
                         </m:ctrlPr>
                       </m:sSubPr>
                       <m:e>
@@ -7665,17 +6662,13 @@
                           <m:rPr>
                             <m:sty m:val="p"/>
                           </m:rPr>
-                          <a:rPr lang="en-US" altLang="zh-CN" i="1">
-                            <a:latin typeface="Cambria Math" panose="02040503050406030204" pitchFamily="18" charset="0"/>
-                          </a:rPr>
+                          <a:rPr lang="en-US" altLang="zh-CN" sz="2000"/>
                           <m:t>F</m:t>
                         </m:r>
                       </m:e>
                       <m:sub>
                         <m:r>
-                          <a:rPr lang="en-US" altLang="zh-CN" i="1">
-                            <a:latin typeface="Cambria Math" panose="02040503050406030204" pitchFamily="18" charset="0"/>
-                          </a:rPr>
+                          <a:rPr lang="en-US" altLang="zh-CN" sz="2000"/>
                           <m:t>1</m:t>
                         </m:r>
                       </m:sub>
@@ -7683,11 +6676,11 @@
                   </m:oMath>
                 </a14:m>
                 <a:r>
-                  <a:rPr lang="zh-CN" altLang="en-US" dirty="0"/>
+                  <a:rPr lang="zh-CN" altLang="en-US" sz="2000" dirty="0"/>
                   <a:t>、</a:t>
                 </a:r>
                 <a:r>
-                  <a:rPr lang="en-US" altLang="zh-CN" dirty="0"/>
+                  <a:rPr lang="en-US" altLang="zh-CN" sz="2000" dirty="0"/>
                   <a:t> </a:t>
                 </a:r>
                 <a14:m>
@@ -7695,9 +6688,7 @@
                     <m:sSub>
                       <m:sSubPr>
                         <m:ctrlPr>
-                          <a:rPr lang="en-US" altLang="zh-CN" i="1">
-                            <a:latin typeface="Cambria Math" panose="02040503050406030204" pitchFamily="18" charset="0"/>
-                          </a:rPr>
+                          <a:rPr lang="en-US" altLang="zh-CN" sz="2000"/>
                         </m:ctrlPr>
                       </m:sSubPr>
                       <m:e>
@@ -7705,55 +6696,49 @@
                           <m:rPr>
                             <m:sty m:val="p"/>
                           </m:rPr>
-                          <a:rPr lang="en-US" altLang="zh-CN" i="1">
-                            <a:latin typeface="Cambria Math" panose="02040503050406030204" pitchFamily="18" charset="0"/>
-                          </a:rPr>
+                          <a:rPr lang="en-US" altLang="zh-CN" sz="2000"/>
                           <m:t>F</m:t>
                         </m:r>
                       </m:e>
                       <m:sub>
                         <m:r>
-                          <a:rPr lang="en-US" altLang="zh-CN" i="1">
-                            <a:latin typeface="Cambria Math" panose="02040503050406030204" pitchFamily="18" charset="0"/>
-                          </a:rPr>
+                          <a:rPr lang="en-US" altLang="zh-CN" sz="2000"/>
                           <m:t>2</m:t>
                         </m:r>
                       </m:sub>
                     </m:sSub>
                     <m:r>
-                      <a:rPr lang="zh-CN" altLang="en-US" i="1">
-                        <a:latin typeface="Cambria Math" panose="02040503050406030204" pitchFamily="18" charset="0"/>
-                      </a:rPr>
+                      <a:rPr lang="zh-CN" altLang="en-US" sz="2000"/>
                       <m:t>文件</m:t>
                     </m:r>
                   </m:oMath>
                 </a14:m>
                 <a:r>
-                  <a:rPr lang="zh-CN" altLang="en-US" dirty="0"/>
+                  <a:rPr lang="zh-CN" altLang="en-US" sz="2000" dirty="0"/>
                   <a:t>分块矩阵、数据块存储矩阵、数据块状态矩阵为：</a:t>
                 </a:r>
-                <a:endParaRPr lang="en-US" altLang="zh-CN" dirty="0"/>
+                <a:endParaRPr lang="en-US" altLang="zh-CN" sz="2000" dirty="0"/>
               </a:p>
               <a:p>
-                <a:pPr algn="l"/>
-                <a:r>
-                  <a:rPr lang="zh-CN" altLang="en-US" dirty="0"/>
+                <a:pPr algn="l">
+                  <a:lnSpc>
+                    <a:spcPct val="100000"/>
+                  </a:lnSpc>
+                </a:pPr>
+                <a:r>
+                  <a:rPr lang="zh-CN" altLang="en-US" sz="2000" dirty="0"/>
                   <a:t>图见论文</a:t>
                 </a:r>
-                <a:endParaRPr lang="en-US" altLang="zh-CN" dirty="0"/>
+                <a:endParaRPr lang="en-US" altLang="zh-CN" sz="2000" dirty="0"/>
               </a:p>
             </p:txBody>
           </p:sp>
         </mc:Choice>
-        <mc:Fallback xmlns="">
+        <mc:Fallback>
           <p:sp>
             <p:nvSpPr>
               <p:cNvPr id="3" name="副标题 2">
-                <a:extLst>
-                  <a:ext uri="{FF2B5EF4-FFF2-40B4-BE49-F238E27FC236}">
-                    <a16:creationId xmlns:a16="http://schemas.microsoft.com/office/drawing/2014/main" id="{37B9F11C-8CFF-4774-A31B-871485219283}"/>
-                  </a:ext>
-                </a:extLst>
+                <a:extLst/>
               </p:cNvPr>
               <p:cNvSpPr>
                 <a:spLocks noGrp="1" noRot="1" noChangeAspect="1" noMove="1" noResize="1" noEditPoints="1" noAdjustHandles="1" noChangeArrowheads="1" noChangeShapeType="1" noTextEdit="1"/>
@@ -7770,7 +6755,7 @@
               <a:blipFill>
                 <a:blip r:embed="rId2"/>
                 <a:stretch>
-                  <a:fillRect l="-865" t="-1613" r="-750"/>
+                  <a:fillRect l="-577" t="-620"/>
                 </a:stretch>
               </a:blipFill>
             </p:spPr>
@@ -7790,11 +6775,6 @@
         </mc:Fallback>
       </mc:AlternateContent>
     </p:spTree>
-    <p:extLst>
-      <p:ext uri="{BB962C8B-B14F-4D97-AF65-F5344CB8AC3E}">
-        <p14:creationId xmlns:p14="http://schemas.microsoft.com/office/powerpoint/2010/main" val="1436159421"/>
-      </p:ext>
-    </p:extLst>
   </p:cSld>
   <p:clrMapOvr>
     <a:masterClrMapping/>
@@ -7821,13 +6801,7 @@
       </p:grpSpPr>
       <p:sp>
         <p:nvSpPr>
-          <p:cNvPr id="2" name="标题 1">
-            <a:extLst>
-              <a:ext uri="{FF2B5EF4-FFF2-40B4-BE49-F238E27FC236}">
-                <a16:creationId xmlns:a16="http://schemas.microsoft.com/office/drawing/2014/main" id="{88570B32-C888-4AE8-841F-2EEDEB81B5D1}"/>
-              </a:ext>
-            </a:extLst>
-          </p:cNvPr>
+          <p:cNvPr id="2" name="标题 1"/>
           <p:cNvSpPr>
             <a:spLocks noGrp="1"/>
           </p:cNvSpPr>
@@ -7855,16 +6829,12 @@
           </a:p>
         </p:txBody>
       </p:sp>
-      <mc:AlternateContent xmlns:mc="http://schemas.openxmlformats.org/markup-compatibility/2006" xmlns:a14="http://schemas.microsoft.com/office/drawing/2010/main">
-        <mc:Choice Requires="a14">
+      <mc:AlternateContent xmlns:mc="http://schemas.openxmlformats.org/markup-compatibility/2006">
+        <mc:Choice xmlns:a14="http://schemas.microsoft.com/office/drawing/2010/main" Requires="a14">
           <p:sp>
             <p:nvSpPr>
               <p:cNvPr id="3" name="副标题 2">
-                <a:extLst>
-                  <a:ext uri="{FF2B5EF4-FFF2-40B4-BE49-F238E27FC236}">
-                    <a16:creationId xmlns:a16="http://schemas.microsoft.com/office/drawing/2014/main" id="{4109FE14-BC56-468B-B76D-D2999C2B3E4D}"/>
-                  </a:ext>
-                </a:extLst>
+                <a:extLst/>
               </p:cNvPr>
               <p:cNvSpPr>
                 <a:spLocks noGrp="1"/>
@@ -7881,7 +6851,7 @@
             </p:spPr>
             <p:txBody>
               <a:bodyPr>
-                <a:normAutofit fontScale="92500"/>
+                <a:normAutofit/>
               </a:bodyPr>
               <a:lstStyle/>
               <a:p>
@@ -7893,155 +6863,89 @@
                 </a:endParaRPr>
               </a:p>
               <a:p>
-                <a:pPr algn="l"/>
-                <a:r>
-                  <a:rPr lang="zh-CN" altLang="en-US" dirty="0">
-                    <a:solidFill>
-                      <a:schemeClr val="tx1"/>
-                    </a:solidFill>
-                  </a:rPr>
+                <a:pPr algn="l">
+                  <a:lnSpc>
+                    <a:spcPct val="100000"/>
+                  </a:lnSpc>
+                </a:pPr>
+                <a:r>
+                  <a:rPr lang="zh-CN" altLang="en-US" sz="2200" dirty="0"/>
                   <a:t>结论：</a:t>
                 </a:r>
-                <a:endParaRPr lang="en-US" altLang="zh-CN" dirty="0">
-                  <a:solidFill>
-                    <a:schemeClr val="tx1"/>
-                  </a:solidFill>
-                </a:endParaRPr>
+                <a:endParaRPr lang="en-US" altLang="zh-CN" sz="2200" dirty="0"/>
               </a:p>
               <a:p>
-                <a:pPr algn="l"/>
-                <a:r>
-                  <a:rPr lang="zh-CN" altLang="en-US" dirty="0">
-                    <a:solidFill>
-                      <a:schemeClr val="tx1"/>
-                    </a:solidFill>
-                  </a:rPr>
+                <a:pPr algn="l">
+                  <a:lnSpc>
+                    <a:spcPct val="100000"/>
+                  </a:lnSpc>
+                </a:pPr>
+                <a:r>
+                  <a:rPr lang="zh-CN" altLang="en-US" sz="2200" dirty="0"/>
                   <a:t>    </a:t>
                 </a:r>
-                <a:endParaRPr lang="en-US" altLang="zh-CN" dirty="0">
-                  <a:solidFill>
-                    <a:schemeClr val="tx1"/>
-                  </a:solidFill>
-                </a:endParaRPr>
+                <a:endParaRPr lang="en-US" altLang="zh-CN" sz="2200" dirty="0"/>
               </a:p>
               <a:p>
-                <a:pPr algn="l"/>
-                <a:r>
-                  <a:rPr lang="zh-CN" altLang="en-US">
-                    <a:solidFill>
-                      <a:schemeClr val="tx1"/>
-                    </a:solidFill>
-                  </a:rPr>
-                  <a:t>    当</a:t>
-                </a:r>
-                <a:r>
-                  <a:rPr lang="zh-CN" altLang="en-US" dirty="0">
-                    <a:solidFill>
-                      <a:schemeClr val="tx1"/>
-                    </a:solidFill>
-                  </a:rPr>
-                  <a:t>集群中处于不可用状态的节点数量大于等于文件副本系数。即</a:t>
-                </a:r>
-                <a:r>
-                  <a:rPr lang="en-US" altLang="zh-CN" dirty="0">
-                    <a:solidFill>
-                      <a:schemeClr val="tx1"/>
-                    </a:solidFill>
-                  </a:rPr>
+                <a:pPr algn="l">
+                  <a:lnSpc>
+                    <a:spcPct val="100000"/>
+                  </a:lnSpc>
+                </a:pPr>
+                <a:r>
+                  <a:rPr lang="zh-CN" altLang="en-US" sz="2200" dirty="0"/>
+                  <a:t>    当集群中处于不可用状态的节点数量大于等于文件副本系数。即</a:t>
+                </a:r>
+                <a:r>
+                  <a:rPr lang="en-US" altLang="zh-CN" sz="2200" dirty="0"/>
                   <a:t>u</a:t>
                 </a:r>
                 <a14:m>
                   <m:oMath xmlns:m="http://schemas.openxmlformats.org/officeDocument/2006/math">
                     <m:r>
-                      <a:rPr lang="en-US" altLang="zh-CN" i="1" smtClean="0">
-                        <a:solidFill>
-                          <a:schemeClr val="tx1"/>
-                        </a:solidFill>
-                        <a:latin typeface="Cambria Math" panose="02040503050406030204" pitchFamily="18" charset="0"/>
-                        <a:ea typeface="Cambria Math" panose="02040503050406030204" pitchFamily="18" charset="0"/>
-                      </a:rPr>
+                      <a:rPr lang="en-US" altLang="zh-CN" sz="2200"/>
                       <m:t>≥</m:t>
                     </m:r>
                     <m:r>
-                      <a:rPr lang="en-US" altLang="zh-CN" b="0" i="1" smtClean="0">
-                        <a:solidFill>
-                          <a:schemeClr val="tx1"/>
-                        </a:solidFill>
-                        <a:latin typeface="Cambria Math" panose="02040503050406030204" pitchFamily="18" charset="0"/>
-                        <a:ea typeface="Cambria Math" panose="02040503050406030204" pitchFamily="18" charset="0"/>
-                      </a:rPr>
+                      <a:rPr lang="en-US" altLang="zh-CN" sz="2200"/>
                       <m:t>𝑚</m:t>
                     </m:r>
                     <m:r>
-                      <a:rPr lang="zh-CN" altLang="en-US" i="1">
-                        <a:solidFill>
-                          <a:schemeClr val="tx1"/>
-                        </a:solidFill>
-                        <a:latin typeface="Cambria Math" panose="02040503050406030204" pitchFamily="18" charset="0"/>
-                        <a:ea typeface="Cambria Math" panose="02040503050406030204" pitchFamily="18" charset="0"/>
-                      </a:rPr>
+                      <a:rPr lang="zh-CN" altLang="en-US" sz="2200"/>
                       <m:t>时</m:t>
                     </m:r>
                   </m:oMath>
                 </a14:m>
                 <a:r>
-                  <a:rPr lang="zh-CN" altLang="en-US" dirty="0">
-                    <a:solidFill>
-                      <a:schemeClr val="tx1"/>
-                    </a:solidFill>
-                  </a:rPr>
+                  <a:rPr lang="zh-CN" altLang="en-US" sz="2200" dirty="0"/>
                   <a:t>，该文件都有可能处于不可用状态。在不改变数据块原始存储结构的情况下，最多能休眠</a:t>
                 </a:r>
                 <a:r>
-                  <a:rPr lang="en-US" altLang="zh-CN" dirty="0">
-                    <a:solidFill>
-                      <a:schemeClr val="tx1"/>
-                    </a:solidFill>
-                  </a:rPr>
+                  <a:rPr lang="en-US" altLang="zh-CN" sz="2200" dirty="0"/>
                   <a:t>u = m – 1</a:t>
                 </a:r>
                 <a:r>
-                  <a:rPr lang="zh-CN" altLang="en-US" dirty="0">
-                    <a:solidFill>
-                      <a:schemeClr val="tx1"/>
-                    </a:solidFill>
-                  </a:rPr>
+                  <a:rPr lang="zh-CN" altLang="en-US" sz="2200" dirty="0"/>
                   <a:t>个</a:t>
                 </a:r>
                 <a:r>
-                  <a:rPr lang="en-US" altLang="zh-CN" dirty="0">
-                    <a:solidFill>
-                      <a:schemeClr val="tx1"/>
-                    </a:solidFill>
-                  </a:rPr>
+                  <a:rPr lang="en-US" altLang="zh-CN" sz="2200" dirty="0"/>
                   <a:t>DN</a:t>
                 </a:r>
                 <a:r>
-                  <a:rPr lang="zh-CN" altLang="en-US" dirty="0">
-                    <a:solidFill>
-                      <a:schemeClr val="tx1"/>
-                    </a:solidFill>
-                  </a:rPr>
+                  <a:rPr lang="zh-CN" altLang="en-US" sz="2200" dirty="0"/>
                   <a:t>节点。</a:t>
                 </a:r>
-                <a:endParaRPr lang="en-US" altLang="zh-CN" dirty="0">
-                  <a:solidFill>
-                    <a:schemeClr val="tx1"/>
-                  </a:solidFill>
-                </a:endParaRPr>
+                <a:endParaRPr lang="en-US" altLang="zh-CN" sz="2200" dirty="0"/>
               </a:p>
             </p:txBody>
           </p:sp>
         </mc:Choice>
-        <mc:Fallback xmlns="">
+        <mc:Fallback>
           <p:sp>
             <p:nvSpPr>
               <p:cNvPr id="3" name="副标题 2">
-                <a:extLst>
-                  <a:ext uri="{FF2B5EF4-FFF2-40B4-BE49-F238E27FC236}">
-                    <a16:creationId xmlns:a16="http://schemas.microsoft.com/office/drawing/2014/main" id="{4109FE14-BC56-468B-B76D-D2999C2B3E4D}"/>
-                  </a:ext>
-                </a:extLst>
+                <a:extLst/>
               </p:cNvPr>
               <p:cNvSpPr>
                 <a:spLocks noGrp="1" noRot="1" noChangeAspect="1" noMove="1" noResize="1" noEditPoints="1" noAdjustHandles="1" noChangeArrowheads="1" noChangeShapeType="1" noTextEdit="1"/>
@@ -8078,11 +6982,6 @@
         </mc:Fallback>
       </mc:AlternateContent>
     </p:spTree>
-    <p:extLst>
-      <p:ext uri="{BB962C8B-B14F-4D97-AF65-F5344CB8AC3E}">
-        <p14:creationId xmlns:p14="http://schemas.microsoft.com/office/powerpoint/2010/main" val="555635509"/>
-      </p:ext>
-    </p:extLst>
   </p:cSld>
   <p:clrMapOvr>
     <a:masterClrMapping/>
@@ -8109,13 +7008,7 @@
       </p:grpSpPr>
       <p:sp>
         <p:nvSpPr>
-          <p:cNvPr id="2" name="标题 1">
-            <a:extLst>
-              <a:ext uri="{FF2B5EF4-FFF2-40B4-BE49-F238E27FC236}">
-                <a16:creationId xmlns:a16="http://schemas.microsoft.com/office/drawing/2014/main" id="{549CBBD3-238F-410B-AD1D-2995A6A4423A}"/>
-              </a:ext>
-            </a:extLst>
-          </p:cNvPr>
+          <p:cNvPr id="2" name="标题 1"/>
           <p:cNvSpPr>
             <a:spLocks noGrp="1"/>
           </p:cNvSpPr>
@@ -8149,13 +7042,7 @@
       </p:sp>
       <p:sp>
         <p:nvSpPr>
-          <p:cNvPr id="3" name="副标题 2">
-            <a:extLst>
-              <a:ext uri="{FF2B5EF4-FFF2-40B4-BE49-F238E27FC236}">
-                <a16:creationId xmlns:a16="http://schemas.microsoft.com/office/drawing/2014/main" id="{4A2E6F1E-9DEF-40C8-9243-0EC55299DDD4}"/>
-              </a:ext>
-            </a:extLst>
-          </p:cNvPr>
+          <p:cNvPr id="3" name="副标题 2"/>
           <p:cNvSpPr>
             <a:spLocks noGrp="1"/>
           </p:cNvSpPr>
@@ -8173,132 +7060,155 @@
           <a:bodyPr/>
           <a:lstStyle/>
           <a:p>
-            <a:pPr algn="l"/>
-            <a:r>
-              <a:rPr lang="zh-CN" altLang="en-US" dirty="0"/>
+            <a:pPr algn="l">
+              <a:lnSpc>
+                <a:spcPct val="100000"/>
+              </a:lnSpc>
+            </a:pPr>
+            <a:r>
+              <a:rPr lang="zh-CN" altLang="en-US" sz="2000" dirty="0"/>
               <a:t>该算法用来判断</a:t>
             </a:r>
             <a:r>
-              <a:rPr lang="en-US" altLang="zh-CN" dirty="0"/>
+              <a:rPr lang="en-US" altLang="zh-CN" sz="2000" dirty="0"/>
               <a:t>DN</a:t>
             </a:r>
             <a:r>
-              <a:rPr lang="zh-CN" altLang="en-US" dirty="0"/>
+              <a:rPr lang="zh-CN" altLang="en-US" sz="2000" dirty="0"/>
               <a:t>节点是否可以转为休眠状态。</a:t>
             </a:r>
-            <a:endParaRPr lang="en-US" altLang="zh-CN" dirty="0"/>
-          </a:p>
-          <a:p>
-            <a:pPr algn="l"/>
-            <a:r>
-              <a:rPr lang="zh-CN" altLang="en-US" dirty="0"/>
+            <a:endParaRPr lang="en-US" altLang="zh-CN" sz="2000" dirty="0"/>
+          </a:p>
+          <a:p>
+            <a:pPr algn="l">
+              <a:lnSpc>
+                <a:spcPct val="100000"/>
+              </a:lnSpc>
+            </a:pPr>
+            <a:r>
+              <a:rPr lang="zh-CN" altLang="en-US" sz="2000" dirty="0"/>
               <a:t>输入：待验证的</a:t>
             </a:r>
             <a:r>
-              <a:rPr lang="en-US" altLang="zh-CN" dirty="0"/>
+              <a:rPr lang="en-US" altLang="zh-CN" sz="2000" dirty="0"/>
               <a:t>DN</a:t>
             </a:r>
             <a:r>
-              <a:rPr lang="zh-CN" altLang="en-US" dirty="0"/>
+              <a:rPr lang="zh-CN" altLang="en-US" sz="2000" dirty="0"/>
               <a:t>节点</a:t>
             </a:r>
             <a:r>
-              <a:rPr lang="en-US" altLang="zh-CN" dirty="0"/>
+              <a:rPr lang="en-US" altLang="zh-CN" sz="2000" dirty="0"/>
               <a:t>ID</a:t>
             </a:r>
           </a:p>
           <a:p>
-            <a:pPr algn="l"/>
-            <a:r>
-              <a:rPr lang="en-US" altLang="zh-CN" dirty="0"/>
+            <a:pPr algn="l">
+              <a:lnSpc>
+                <a:spcPct val="100000"/>
+              </a:lnSpc>
+            </a:pPr>
+            <a:r>
+              <a:rPr lang="en-US" altLang="zh-CN" sz="2000" dirty="0"/>
               <a:t>1.</a:t>
             </a:r>
             <a:r>
-              <a:rPr lang="zh-CN" altLang="en-US" dirty="0"/>
+              <a:rPr lang="zh-CN" altLang="en-US" sz="2000" dirty="0"/>
               <a:t>获取节点的数据块信息。</a:t>
             </a:r>
-            <a:endParaRPr lang="en-US" altLang="zh-CN" dirty="0"/>
-          </a:p>
-          <a:p>
-            <a:pPr algn="l"/>
-            <a:r>
-              <a:rPr lang="en-US" altLang="zh-CN" dirty="0"/>
+            <a:endParaRPr lang="en-US" altLang="zh-CN" sz="2000" dirty="0"/>
+          </a:p>
+          <a:p>
+            <a:pPr algn="l">
+              <a:lnSpc>
+                <a:spcPct val="100000"/>
+              </a:lnSpc>
+            </a:pPr>
+            <a:r>
+              <a:rPr lang="en-US" altLang="zh-CN" sz="2000" dirty="0"/>
               <a:t>2.</a:t>
             </a:r>
             <a:r>
-              <a:rPr lang="zh-CN" altLang="en-US" dirty="0"/>
+              <a:rPr lang="zh-CN" altLang="en-US" sz="2000" dirty="0"/>
               <a:t>通过数据块信息得到对应的文件信息。</a:t>
             </a:r>
-            <a:endParaRPr lang="en-US" altLang="zh-CN" dirty="0"/>
-          </a:p>
-          <a:p>
-            <a:pPr algn="l"/>
-            <a:r>
-              <a:rPr lang="en-US" altLang="zh-CN" dirty="0"/>
+            <a:endParaRPr lang="en-US" altLang="zh-CN" sz="2000" dirty="0"/>
+          </a:p>
+          <a:p>
+            <a:pPr algn="l">
+              <a:lnSpc>
+                <a:spcPct val="100000"/>
+              </a:lnSpc>
+            </a:pPr>
+            <a:r>
+              <a:rPr lang="en-US" altLang="zh-CN" sz="2000" dirty="0"/>
               <a:t>3.</a:t>
             </a:r>
             <a:r>
-              <a:rPr lang="zh-CN" altLang="en-US" dirty="0"/>
+              <a:rPr lang="zh-CN" altLang="en-US" sz="2000" dirty="0"/>
               <a:t>由文件信息更新对应的数据块状态矩阵。</a:t>
             </a:r>
-            <a:endParaRPr lang="en-US" altLang="zh-CN" dirty="0"/>
-          </a:p>
-          <a:p>
-            <a:pPr algn="l"/>
-            <a:r>
-              <a:rPr lang="en-US" altLang="zh-CN" dirty="0"/>
+            <a:endParaRPr lang="en-US" altLang="zh-CN" sz="2000" dirty="0"/>
+          </a:p>
+          <a:p>
+            <a:pPr algn="l">
+              <a:lnSpc>
+                <a:spcPct val="100000"/>
+              </a:lnSpc>
+            </a:pPr>
+            <a:r>
+              <a:rPr lang="en-US" altLang="zh-CN" sz="2000" dirty="0"/>
               <a:t>4.</a:t>
             </a:r>
             <a:r>
-              <a:rPr lang="zh-CN" altLang="en-US" dirty="0"/>
+              <a:rPr lang="zh-CN" altLang="en-US" sz="2000" dirty="0"/>
               <a:t>根据定理</a:t>
             </a:r>
             <a:r>
-              <a:rPr lang="en-US" altLang="zh-CN" dirty="0"/>
+              <a:rPr lang="en-US" altLang="zh-CN" sz="2000" dirty="0"/>
               <a:t>1</a:t>
             </a:r>
             <a:r>
-              <a:rPr lang="zh-CN" altLang="en-US" dirty="0"/>
+              <a:rPr lang="zh-CN" altLang="en-US" sz="2000" dirty="0"/>
               <a:t>，判断数据块状态矩阵是否满足数据块可用性要求。</a:t>
             </a:r>
-            <a:endParaRPr lang="en-US" altLang="zh-CN" dirty="0"/>
-          </a:p>
-          <a:p>
-            <a:pPr algn="l"/>
-            <a:r>
-              <a:rPr lang="en-US" altLang="zh-CN" dirty="0"/>
+            <a:endParaRPr lang="en-US" altLang="zh-CN" sz="2000" dirty="0"/>
+          </a:p>
+          <a:p>
+            <a:pPr algn="l">
+              <a:lnSpc>
+                <a:spcPct val="100000"/>
+              </a:lnSpc>
+            </a:pPr>
+            <a:r>
+              <a:rPr lang="en-US" altLang="zh-CN" sz="2000" dirty="0"/>
               <a:t>5.</a:t>
             </a:r>
             <a:r>
-              <a:rPr lang="zh-CN" altLang="en-US" dirty="0"/>
+              <a:rPr lang="zh-CN" altLang="en-US" sz="2000" dirty="0"/>
               <a:t>若满足要求返回</a:t>
             </a:r>
             <a:r>
-              <a:rPr lang="en-US" altLang="zh-CN" dirty="0"/>
+              <a:rPr lang="en-US" altLang="zh-CN" sz="2000" dirty="0"/>
               <a:t>True</a:t>
             </a:r>
             <a:r>
-              <a:rPr lang="zh-CN" altLang="en-US" dirty="0"/>
+              <a:rPr lang="zh-CN" altLang="en-US" sz="2000" dirty="0"/>
               <a:t>，否则返回</a:t>
             </a:r>
             <a:r>
-              <a:rPr lang="en-US" altLang="zh-CN" dirty="0"/>
+              <a:rPr lang="en-US" altLang="zh-CN" sz="2000" dirty="0"/>
               <a:t>False</a:t>
             </a:r>
             <a:r>
-              <a:rPr lang="zh-CN" altLang="en-US" dirty="0"/>
+              <a:rPr lang="zh-CN" altLang="en-US" sz="2000" dirty="0"/>
               <a:t>。</a:t>
             </a:r>
-            <a:endParaRPr lang="en-US" altLang="zh-CN" dirty="0"/>
+            <a:endParaRPr lang="en-US" altLang="zh-CN" sz="2000" dirty="0"/>
           </a:p>
         </p:txBody>
       </p:sp>
     </p:spTree>
-    <p:extLst>
-      <p:ext uri="{BB962C8B-B14F-4D97-AF65-F5344CB8AC3E}">
-        <p14:creationId xmlns:p14="http://schemas.microsoft.com/office/powerpoint/2010/main" val="486560688"/>
-      </p:ext>
-    </p:extLst>
   </p:cSld>
   <p:clrMapOvr>
     <a:masterClrMapping/>
@@ -8325,13 +7235,7 @@
       </p:grpSpPr>
       <p:sp>
         <p:nvSpPr>
-          <p:cNvPr id="2" name="标题 1">
-            <a:extLst>
-              <a:ext uri="{FF2B5EF4-FFF2-40B4-BE49-F238E27FC236}">
-                <a16:creationId xmlns:a16="http://schemas.microsoft.com/office/drawing/2014/main" id="{9092DB63-B8ED-41FD-9AF1-FFB5904602A7}"/>
-              </a:ext>
-            </a:extLst>
-          </p:cNvPr>
+          <p:cNvPr id="2" name="标题 1"/>
           <p:cNvSpPr>
             <a:spLocks noGrp="1"/>
           </p:cNvSpPr>
@@ -8361,13 +7265,7 @@
       </p:sp>
       <p:sp>
         <p:nvSpPr>
-          <p:cNvPr id="3" name="副标题 2">
-            <a:extLst>
-              <a:ext uri="{FF2B5EF4-FFF2-40B4-BE49-F238E27FC236}">
-                <a16:creationId xmlns:a16="http://schemas.microsoft.com/office/drawing/2014/main" id="{7D869AE8-879E-466C-9816-7C20BDE2AC1C}"/>
-              </a:ext>
-            </a:extLst>
-          </p:cNvPr>
+          <p:cNvPr id="3" name="副标题 2"/>
           <p:cNvSpPr>
             <a:spLocks noGrp="1"/>
           </p:cNvSpPr>
@@ -8385,217 +7283,244 @@
           <a:bodyPr/>
           <a:lstStyle/>
           <a:p>
-            <a:pPr algn="l"/>
-            <a:r>
-              <a:rPr lang="zh-CN" altLang="en-US" dirty="0"/>
+            <a:pPr algn="l">
+              <a:lnSpc>
+                <a:spcPct val="100000"/>
+              </a:lnSpc>
+            </a:pPr>
+            <a:r>
+              <a:rPr lang="zh-CN" altLang="en-US" sz="2000" dirty="0"/>
               <a:t>该算法将</a:t>
             </a:r>
             <a:r>
-              <a:rPr lang="en-US" altLang="zh-CN" dirty="0"/>
+              <a:rPr lang="en-US" altLang="zh-CN" sz="2000" dirty="0"/>
               <a:t>RACK</a:t>
             </a:r>
             <a:r>
-              <a:rPr lang="zh-CN" altLang="en-US" dirty="0"/>
+              <a:rPr lang="zh-CN" altLang="en-US" sz="2000" dirty="0"/>
               <a:t>分成</a:t>
             </a:r>
             <a:r>
-              <a:rPr lang="en-US" altLang="zh-CN" dirty="0"/>
+              <a:rPr lang="en-US" altLang="zh-CN" sz="2000" dirty="0"/>
               <a:t>Active-Zone</a:t>
             </a:r>
             <a:r>
-              <a:rPr lang="zh-CN" altLang="en-US" dirty="0"/>
+              <a:rPr lang="zh-CN" altLang="en-US" sz="2000" dirty="0"/>
               <a:t>和</a:t>
             </a:r>
             <a:r>
-              <a:rPr lang="en-US" altLang="zh-CN" dirty="0"/>
+              <a:rPr lang="en-US" altLang="zh-CN" sz="2000" dirty="0"/>
               <a:t>Sleep-Zone</a:t>
             </a:r>
             <a:r>
-              <a:rPr lang="zh-CN" altLang="en-US" dirty="0"/>
+              <a:rPr lang="zh-CN" altLang="en-US" sz="2000" dirty="0"/>
               <a:t>两个区域，</a:t>
             </a:r>
             <a:r>
-              <a:rPr lang="en-US" altLang="zh-CN" dirty="0"/>
+              <a:rPr lang="en-US" altLang="zh-CN" sz="2000" dirty="0"/>
               <a:t>Active-Zone</a:t>
             </a:r>
             <a:r>
-              <a:rPr lang="zh-CN" altLang="en-US" dirty="0"/>
+              <a:rPr lang="zh-CN" altLang="en-US" sz="2000" dirty="0"/>
               <a:t>中</a:t>
             </a:r>
             <a:r>
-              <a:rPr lang="en-US" altLang="zh-CN" dirty="0"/>
+              <a:rPr lang="en-US" altLang="zh-CN" sz="2000" dirty="0"/>
               <a:t>DN</a:t>
             </a:r>
             <a:r>
-              <a:rPr lang="zh-CN" altLang="en-US" dirty="0"/>
+              <a:rPr lang="zh-CN" altLang="en-US" sz="2000" dirty="0"/>
               <a:t>节点存放状态为</a:t>
             </a:r>
             <a:r>
-              <a:rPr lang="en-US" altLang="zh-CN" dirty="0"/>
+              <a:rPr lang="en-US" altLang="zh-CN" sz="2000" dirty="0"/>
               <a:t>1</a:t>
             </a:r>
             <a:r>
-              <a:rPr lang="zh-CN" altLang="en-US" dirty="0"/>
+              <a:rPr lang="zh-CN" altLang="en-US" sz="2000" dirty="0"/>
               <a:t>的数据块，</a:t>
             </a:r>
             <a:r>
-              <a:rPr lang="en-US" altLang="zh-CN" dirty="0"/>
+              <a:rPr lang="en-US" altLang="zh-CN" sz="2000" dirty="0"/>
               <a:t>Sleep-Zone</a:t>
             </a:r>
             <a:r>
-              <a:rPr lang="zh-CN" altLang="en-US" dirty="0"/>
+              <a:rPr lang="zh-CN" altLang="en-US" sz="2000" dirty="0"/>
               <a:t>中</a:t>
             </a:r>
             <a:r>
-              <a:rPr lang="en-US" altLang="zh-CN" dirty="0"/>
+              <a:rPr lang="en-US" altLang="zh-CN" sz="2000" dirty="0"/>
               <a:t>DN</a:t>
             </a:r>
             <a:r>
-              <a:rPr lang="zh-CN" altLang="en-US" dirty="0"/>
+              <a:rPr lang="zh-CN" altLang="en-US" sz="2000" dirty="0"/>
               <a:t>节点存放状态为</a:t>
             </a:r>
             <a:r>
-              <a:rPr lang="en-US" altLang="zh-CN" dirty="0"/>
+              <a:rPr lang="en-US" altLang="zh-CN" sz="2000" dirty="0"/>
               <a:t>2</a:t>
             </a:r>
             <a:r>
-              <a:rPr lang="zh-CN" altLang="en-US" dirty="0"/>
+              <a:rPr lang="zh-CN" altLang="en-US" sz="2000" dirty="0"/>
               <a:t>的数据块。令</a:t>
             </a:r>
             <a:r>
-              <a:rPr lang="en-US" altLang="zh-CN" dirty="0"/>
+              <a:rPr lang="en-US" altLang="zh-CN" sz="2000" dirty="0"/>
               <a:t>Sleep-Zone</a:t>
             </a:r>
             <a:r>
-              <a:rPr lang="zh-CN" altLang="en-US" dirty="0"/>
+              <a:rPr lang="zh-CN" altLang="en-US" sz="2000" dirty="0"/>
               <a:t>中的</a:t>
             </a:r>
             <a:r>
-              <a:rPr lang="en-US" altLang="zh-CN" dirty="0"/>
+              <a:rPr lang="en-US" altLang="zh-CN" sz="2000" dirty="0"/>
               <a:t>DN</a:t>
             </a:r>
             <a:r>
-              <a:rPr lang="zh-CN" altLang="en-US" dirty="0"/>
+              <a:rPr lang="zh-CN" altLang="en-US" sz="2000" dirty="0"/>
               <a:t>节点处于休眠状态，以节省能耗。</a:t>
             </a:r>
-            <a:endParaRPr lang="en-US" altLang="zh-CN" dirty="0"/>
-          </a:p>
-          <a:p>
-            <a:pPr algn="l"/>
-            <a:r>
-              <a:rPr lang="zh-CN" altLang="en-US" dirty="0"/>
+            <a:endParaRPr lang="en-US" altLang="zh-CN" sz="2000" dirty="0"/>
+          </a:p>
+          <a:p>
+            <a:pPr algn="l">
+              <a:lnSpc>
+                <a:spcPct val="100000"/>
+              </a:lnSpc>
+            </a:pPr>
+            <a:r>
+              <a:rPr lang="zh-CN" altLang="en-US" sz="2000" dirty="0"/>
               <a:t>输入：</a:t>
             </a:r>
             <a:r>
-              <a:rPr lang="en-US" altLang="zh-CN" dirty="0"/>
+              <a:rPr lang="en-US" altLang="zh-CN" sz="2000" dirty="0"/>
               <a:t>T</a:t>
             </a:r>
             <a:r>
-              <a:rPr lang="zh-CN" altLang="en-US" dirty="0"/>
+              <a:rPr lang="zh-CN" altLang="en-US" sz="2000" dirty="0"/>
               <a:t>、</a:t>
             </a:r>
             <a:r>
-              <a:rPr lang="en-US" altLang="zh-CN" dirty="0" err="1"/>
+              <a:rPr lang="en-US" altLang="zh-CN" sz="2000" dirty="0" err="1"/>
               <a:t>sleepCount</a:t>
             </a:r>
             <a:r>
-              <a:rPr lang="zh-CN" altLang="en-US" dirty="0"/>
+              <a:rPr lang="zh-CN" altLang="en-US" sz="2000" dirty="0"/>
               <a:t>、</a:t>
             </a:r>
             <a:r>
-              <a:rPr lang="en-US" altLang="zh-CN" dirty="0" err="1"/>
+              <a:rPr lang="en-US" altLang="zh-CN" sz="2000" dirty="0" err="1"/>
               <a:t>activeCount</a:t>
             </a:r>
-            <a:endParaRPr lang="en-US" altLang="zh-CN" dirty="0"/>
-          </a:p>
-          <a:p>
-            <a:pPr algn="l"/>
-            <a:r>
-              <a:rPr lang="en-US" altLang="zh-CN" dirty="0"/>
+            <a:endParaRPr lang="en-US" altLang="zh-CN" sz="2000" dirty="0"/>
+          </a:p>
+          <a:p>
+            <a:pPr algn="l">
+              <a:lnSpc>
+                <a:spcPct val="100000"/>
+              </a:lnSpc>
+            </a:pPr>
+            <a:r>
+              <a:rPr lang="en-US" altLang="zh-CN" sz="2000" dirty="0"/>
               <a:t>1.</a:t>
             </a:r>
             <a:r>
-              <a:rPr lang="zh-CN" altLang="en-US" dirty="0"/>
+              <a:rPr lang="zh-CN" altLang="en-US" sz="2000" dirty="0"/>
               <a:t>根据用户输入的参数，初始化参数。</a:t>
             </a:r>
-            <a:endParaRPr lang="en-US" altLang="zh-CN" dirty="0"/>
-          </a:p>
-          <a:p>
-            <a:pPr algn="l"/>
-            <a:r>
-              <a:rPr lang="en-US" altLang="zh-CN" dirty="0"/>
+            <a:endParaRPr lang="en-US" altLang="zh-CN" sz="2000" dirty="0"/>
+          </a:p>
+          <a:p>
+            <a:pPr algn="l">
+              <a:lnSpc>
+                <a:spcPct val="100000"/>
+              </a:lnSpc>
+            </a:pPr>
+            <a:r>
+              <a:rPr lang="en-US" altLang="zh-CN" sz="2000" dirty="0"/>
               <a:t>2.</a:t>
             </a:r>
             <a:r>
-              <a:rPr lang="zh-CN" altLang="en-US" dirty="0"/>
+              <a:rPr lang="zh-CN" altLang="en-US" sz="2000" dirty="0"/>
               <a:t>如果满足算法执行条件，唤醒所有节点。</a:t>
             </a:r>
-            <a:endParaRPr lang="en-US" altLang="zh-CN" dirty="0"/>
-          </a:p>
-          <a:p>
-            <a:pPr algn="l"/>
-            <a:r>
-              <a:rPr lang="en-US" altLang="zh-CN" dirty="0"/>
+            <a:endParaRPr lang="en-US" altLang="zh-CN" sz="2000" dirty="0"/>
+          </a:p>
+          <a:p>
+            <a:pPr algn="l">
+              <a:lnSpc>
+                <a:spcPct val="100000"/>
+              </a:lnSpc>
+            </a:pPr>
+            <a:r>
+              <a:rPr lang="en-US" altLang="zh-CN" sz="2000" dirty="0"/>
               <a:t>3.</a:t>
             </a:r>
             <a:r>
-              <a:rPr lang="zh-CN" altLang="en-US" dirty="0"/>
+              <a:rPr lang="zh-CN" altLang="en-US" sz="2000" dirty="0"/>
               <a:t>遍历</a:t>
             </a:r>
             <a:r>
-              <a:rPr lang="en-US" altLang="zh-CN" dirty="0"/>
+              <a:rPr lang="en-US" altLang="zh-CN" sz="2000" dirty="0"/>
               <a:t>HDFS</a:t>
             </a:r>
             <a:r>
-              <a:rPr lang="zh-CN" altLang="en-US" dirty="0"/>
+              <a:rPr lang="zh-CN" altLang="en-US" sz="2000" dirty="0"/>
               <a:t>集群中所有文件数据块状态矩阵</a:t>
             </a:r>
-            <a:endParaRPr lang="en-US" altLang="zh-CN" dirty="0"/>
-          </a:p>
-          <a:p>
-            <a:pPr algn="l"/>
-            <a:r>
-              <a:rPr lang="en-US" altLang="zh-CN" dirty="0"/>
+            <a:endParaRPr lang="en-US" altLang="zh-CN" sz="2000" dirty="0"/>
+          </a:p>
+          <a:p>
+            <a:pPr algn="l">
+              <a:lnSpc>
+                <a:spcPct val="100000"/>
+              </a:lnSpc>
+            </a:pPr>
+            <a:r>
+              <a:rPr lang="en-US" altLang="zh-CN" sz="2000" dirty="0"/>
               <a:t>4.</a:t>
             </a:r>
             <a:r>
-              <a:rPr lang="zh-CN" altLang="en-US" dirty="0"/>
+              <a:rPr lang="zh-CN" altLang="en-US" sz="2000" dirty="0"/>
               <a:t>根据文件的访问日志得到数据块的访问次数，与阈值参数比较。判断是否需要增加或减少活动数据块的数量。</a:t>
             </a:r>
-            <a:endParaRPr lang="en-US" altLang="zh-CN" dirty="0"/>
-          </a:p>
-          <a:p>
-            <a:pPr algn="l"/>
-            <a:r>
-              <a:rPr lang="en-US" altLang="zh-CN" dirty="0"/>
+            <a:endParaRPr lang="en-US" altLang="zh-CN" sz="2000" dirty="0"/>
+          </a:p>
+          <a:p>
+            <a:pPr algn="l">
+              <a:lnSpc>
+                <a:spcPct val="100000"/>
+              </a:lnSpc>
+            </a:pPr>
+            <a:r>
+              <a:rPr lang="en-US" altLang="zh-CN" sz="2000" dirty="0"/>
               <a:t>5.</a:t>
             </a:r>
             <a:r>
-              <a:rPr lang="zh-CN" altLang="en-US" dirty="0"/>
+              <a:rPr lang="zh-CN" altLang="en-US" sz="2000" dirty="0"/>
               <a:t>将状态改变的数据块转移到相应的区域中</a:t>
             </a:r>
-            <a:endParaRPr lang="en-US" altLang="zh-CN" dirty="0"/>
-          </a:p>
-          <a:p>
-            <a:pPr algn="l"/>
-            <a:r>
-              <a:rPr lang="en-US" altLang="zh-CN" dirty="0"/>
+            <a:endParaRPr lang="en-US" altLang="zh-CN" sz="2000" dirty="0"/>
+          </a:p>
+          <a:p>
+            <a:pPr algn="l">
+              <a:lnSpc>
+                <a:spcPct val="100000"/>
+              </a:lnSpc>
+            </a:pPr>
+            <a:r>
+              <a:rPr lang="en-US" altLang="zh-CN" sz="2000" dirty="0"/>
               <a:t>6.</a:t>
             </a:r>
             <a:r>
-              <a:rPr lang="zh-CN" altLang="en-US" dirty="0"/>
+              <a:rPr lang="zh-CN" altLang="en-US" sz="2000" dirty="0"/>
               <a:t>更新该文件数据块存储与状态矩阵。</a:t>
             </a:r>
-            <a:endParaRPr lang="en-US" altLang="zh-CN" dirty="0"/>
+            <a:endParaRPr lang="en-US" altLang="zh-CN" sz="2000" dirty="0"/>
           </a:p>
         </p:txBody>
       </p:sp>
     </p:spTree>
-    <p:extLst>
-      <p:ext uri="{BB962C8B-B14F-4D97-AF65-F5344CB8AC3E}">
-        <p14:creationId xmlns:p14="http://schemas.microsoft.com/office/powerpoint/2010/main" val="1311666239"/>
-      </p:ext>
-    </p:extLst>
   </p:cSld>
   <p:clrMapOvr>
     <a:masterClrMapping/>
@@ -8622,13 +7547,7 @@
       </p:grpSpPr>
       <p:sp>
         <p:nvSpPr>
-          <p:cNvPr id="2" name="标题 1">
-            <a:extLst>
-              <a:ext uri="{FF2B5EF4-FFF2-40B4-BE49-F238E27FC236}">
-                <a16:creationId xmlns:a16="http://schemas.microsoft.com/office/drawing/2014/main" id="{193B1244-C8B2-45E1-AA37-E78E9BA377A1}"/>
-              </a:ext>
-            </a:extLst>
-          </p:cNvPr>
+          <p:cNvPr id="2" name="标题 1"/>
           <p:cNvSpPr>
             <a:spLocks noGrp="1"/>
           </p:cNvSpPr>
@@ -8662,13 +7581,7 @@
       </p:sp>
       <p:sp>
         <p:nvSpPr>
-          <p:cNvPr id="3" name="副标题 2">
-            <a:extLst>
-              <a:ext uri="{FF2B5EF4-FFF2-40B4-BE49-F238E27FC236}">
-                <a16:creationId xmlns:a16="http://schemas.microsoft.com/office/drawing/2014/main" id="{61E0CB74-2852-4FE5-B8AB-8CB7C900FB7D}"/>
-              </a:ext>
-            </a:extLst>
-          </p:cNvPr>
+          <p:cNvPr id="3" name="副标题 2"/>
           <p:cNvSpPr>
             <a:spLocks noGrp="1"/>
           </p:cNvSpPr>
@@ -8686,156 +7599,167 @@
           <a:bodyPr/>
           <a:lstStyle/>
           <a:p>
-            <a:pPr algn="l"/>
-            <a:r>
-              <a:rPr lang="zh-CN" altLang="en-US" dirty="0"/>
+            <a:pPr algn="l">
+              <a:lnSpc>
+                <a:spcPct val="100000"/>
+              </a:lnSpc>
+            </a:pPr>
+            <a:r>
+              <a:rPr lang="zh-CN" altLang="en-US" sz="2000" dirty="0"/>
               <a:t>该算法解决了</a:t>
             </a:r>
             <a:r>
-              <a:rPr lang="en-US" altLang="zh-CN" dirty="0"/>
+              <a:rPr lang="en-US" altLang="zh-CN" sz="2000" dirty="0"/>
               <a:t>Active-Zone</a:t>
             </a:r>
             <a:r>
-              <a:rPr lang="zh-CN" altLang="en-US" dirty="0"/>
+              <a:rPr lang="zh-CN" altLang="en-US" sz="2000" dirty="0"/>
               <a:t>和</a:t>
             </a:r>
             <a:r>
-              <a:rPr lang="en-US" altLang="zh-CN" dirty="0"/>
+              <a:rPr lang="en-US" altLang="zh-CN" sz="2000" dirty="0"/>
               <a:t>Sleep-Zone</a:t>
             </a:r>
             <a:r>
-              <a:rPr lang="zh-CN" altLang="en-US" dirty="0"/>
+              <a:rPr lang="zh-CN" altLang="en-US" sz="2000" dirty="0"/>
               <a:t>区域节点分配问题。</a:t>
             </a:r>
-            <a:endParaRPr lang="en-US" altLang="zh-CN" dirty="0"/>
-          </a:p>
-          <a:p>
-            <a:pPr algn="l"/>
-            <a:r>
-              <a:rPr lang="zh-CN" altLang="en-US" dirty="0"/>
+            <a:endParaRPr lang="en-US" altLang="zh-CN" sz="2000" dirty="0"/>
+          </a:p>
+          <a:p>
+            <a:pPr algn="l">
+              <a:lnSpc>
+                <a:spcPct val="100000"/>
+              </a:lnSpc>
+            </a:pPr>
+            <a:r>
+              <a:rPr lang="zh-CN" altLang="en-US" sz="2000" dirty="0"/>
               <a:t>输入：</a:t>
             </a:r>
             <a:r>
-              <a:rPr lang="en-US" altLang="zh-CN" dirty="0"/>
+              <a:rPr lang="en-US" altLang="zh-CN" sz="2000" dirty="0"/>
               <a:t>HDFS</a:t>
             </a:r>
             <a:r>
-              <a:rPr lang="zh-CN" altLang="en-US" dirty="0"/>
+              <a:rPr lang="zh-CN" altLang="en-US" sz="2000" dirty="0"/>
               <a:t>集群中所有的</a:t>
             </a:r>
             <a:r>
-              <a:rPr lang="en-US" altLang="zh-CN" dirty="0"/>
+              <a:rPr lang="en-US" altLang="zh-CN" sz="2000" dirty="0"/>
               <a:t>Rack</a:t>
             </a:r>
           </a:p>
           <a:p>
-            <a:pPr algn="l"/>
-            <a:r>
-              <a:rPr lang="en-US" altLang="zh-CN" dirty="0"/>
+            <a:pPr algn="l">
+              <a:lnSpc>
+                <a:spcPct val="100000"/>
+              </a:lnSpc>
+            </a:pPr>
+            <a:r>
+              <a:rPr lang="en-US" altLang="zh-CN" sz="2000" dirty="0"/>
               <a:t>1.</a:t>
             </a:r>
             <a:r>
-              <a:rPr lang="zh-CN" altLang="en-US" dirty="0"/>
+              <a:rPr lang="zh-CN" altLang="en-US" sz="2000" dirty="0"/>
               <a:t>初始化参数、变量。</a:t>
             </a:r>
-            <a:endParaRPr lang="en-US" altLang="zh-CN" dirty="0"/>
-          </a:p>
-          <a:p>
-            <a:pPr algn="l"/>
-            <a:r>
-              <a:rPr lang="en-US" altLang="zh-CN" dirty="0"/>
+            <a:endParaRPr lang="en-US" altLang="zh-CN" sz="2000" dirty="0"/>
+          </a:p>
+          <a:p>
+            <a:pPr algn="l">
+              <a:lnSpc>
+                <a:spcPct val="100000"/>
+              </a:lnSpc>
+            </a:pPr>
+            <a:r>
+              <a:rPr lang="en-US" altLang="zh-CN" sz="2000" dirty="0"/>
               <a:t>2.</a:t>
             </a:r>
             <a:r>
-              <a:rPr lang="zh-CN" altLang="en-US" dirty="0"/>
+              <a:rPr lang="zh-CN" altLang="en-US" sz="2000" dirty="0"/>
               <a:t>遍历</a:t>
             </a:r>
             <a:r>
-              <a:rPr lang="en-US" altLang="zh-CN" dirty="0"/>
+              <a:rPr lang="en-US" altLang="zh-CN" sz="2000" dirty="0"/>
               <a:t>RACK</a:t>
             </a:r>
             <a:r>
-              <a:rPr lang="zh-CN" altLang="en-US" dirty="0"/>
+              <a:rPr lang="zh-CN" altLang="en-US" sz="2000" dirty="0"/>
               <a:t>中所有的</a:t>
             </a:r>
             <a:r>
-              <a:rPr lang="en-US" altLang="zh-CN" dirty="0"/>
+              <a:rPr lang="en-US" altLang="zh-CN" sz="2000" dirty="0"/>
               <a:t>DN</a:t>
             </a:r>
             <a:r>
-              <a:rPr lang="zh-CN" altLang="en-US" dirty="0"/>
+              <a:rPr lang="zh-CN" altLang="en-US" sz="2000" dirty="0"/>
               <a:t>节点和其中的数据块。</a:t>
             </a:r>
-            <a:endParaRPr lang="en-US" altLang="zh-CN" dirty="0"/>
-          </a:p>
-          <a:p>
-            <a:pPr algn="l"/>
-            <a:r>
-              <a:rPr lang="en-US" altLang="zh-CN" dirty="0"/>
+            <a:endParaRPr lang="en-US" altLang="zh-CN" sz="2000" dirty="0"/>
+          </a:p>
+          <a:p>
+            <a:pPr algn="l">
+              <a:lnSpc>
+                <a:spcPct val="100000"/>
+              </a:lnSpc>
+            </a:pPr>
+            <a:r>
+              <a:rPr lang="en-US" altLang="zh-CN" sz="2000" dirty="0"/>
               <a:t>3.</a:t>
             </a:r>
             <a:r>
-              <a:rPr lang="zh-CN" altLang="en-US" dirty="0"/>
+              <a:rPr lang="zh-CN" altLang="en-US" sz="2000" dirty="0"/>
               <a:t>计算活动数据块的数量。</a:t>
             </a:r>
-            <a:endParaRPr lang="en-US" altLang="zh-CN" dirty="0"/>
-          </a:p>
-          <a:p>
-            <a:pPr algn="l"/>
-            <a:r>
-              <a:rPr lang="en-US" altLang="zh-CN" dirty="0"/>
+            <a:endParaRPr lang="en-US" altLang="zh-CN" sz="2000" dirty="0"/>
+          </a:p>
+          <a:p>
+            <a:pPr algn="l">
+              <a:lnSpc>
+                <a:spcPct val="100000"/>
+              </a:lnSpc>
+            </a:pPr>
+            <a:r>
+              <a:rPr lang="en-US" altLang="zh-CN" sz="2000" dirty="0"/>
               <a:t>4.</a:t>
             </a:r>
             <a:r>
-              <a:rPr lang="zh-CN" altLang="en-US" dirty="0"/>
+              <a:rPr lang="zh-CN" altLang="en-US" sz="2000" dirty="0"/>
               <a:t>通过活动数据块与总数据块的比值计算两个区域节点的数量。</a:t>
             </a:r>
-            <a:endParaRPr lang="en-US" altLang="zh-CN" dirty="0"/>
-          </a:p>
-          <a:p>
-            <a:pPr algn="l"/>
-            <a:endParaRPr lang="en-US" altLang="zh-CN" dirty="0"/>
-          </a:p>
-          <a:p>
-            <a:pPr algn="l"/>
-            <a:r>
-              <a:rPr lang="zh-CN" altLang="en-US" dirty="0">
-                <a:solidFill>
-                  <a:srgbClr val="FF0000"/>
-                </a:solidFill>
-              </a:rPr>
+            <a:endParaRPr lang="en-US" altLang="zh-CN" sz="2000" dirty="0"/>
+          </a:p>
+          <a:p>
+            <a:pPr algn="l">
+              <a:lnSpc>
+                <a:spcPct val="100000"/>
+              </a:lnSpc>
+            </a:pPr>
+            <a:endParaRPr lang="en-US" altLang="zh-CN" sz="2000" dirty="0"/>
+          </a:p>
+          <a:p>
+            <a:pPr algn="l">
+              <a:lnSpc>
+                <a:spcPct val="100000"/>
+              </a:lnSpc>
+            </a:pPr>
+            <a:r>
+              <a:rPr lang="zh-CN" altLang="en-US" sz="2000" dirty="0"/>
               <a:t>注：该算法应该在数据块存储结构配置节能算法第</a:t>
             </a:r>
             <a:r>
-              <a:rPr lang="en-US" altLang="zh-CN" dirty="0">
-                <a:solidFill>
-                  <a:srgbClr val="FF0000"/>
-                </a:solidFill>
-              </a:rPr>
+              <a:rPr lang="en-US" altLang="zh-CN" sz="2000" dirty="0"/>
               <a:t>13</a:t>
             </a:r>
             <a:r>
-              <a:rPr lang="zh-CN" altLang="en-US" dirty="0">
-                <a:solidFill>
-                  <a:srgbClr val="FF0000"/>
-                </a:solidFill>
-              </a:rPr>
+              <a:rPr lang="zh-CN" altLang="en-US" sz="2000" dirty="0"/>
               <a:t>行前执行。</a:t>
             </a:r>
-            <a:endParaRPr lang="en-US" altLang="zh-CN" dirty="0">
-              <a:solidFill>
-                <a:srgbClr val="FF0000"/>
-              </a:solidFill>
-            </a:endParaRPr>
+            <a:endParaRPr lang="en-US" altLang="zh-CN" sz="2000" dirty="0"/>
           </a:p>
         </p:txBody>
       </p:sp>
     </p:spTree>
-    <p:extLst>
-      <p:ext uri="{BB962C8B-B14F-4D97-AF65-F5344CB8AC3E}">
-        <p14:creationId xmlns:p14="http://schemas.microsoft.com/office/powerpoint/2010/main" val="1062716665"/>
-      </p:ext>
-    </p:extLst>
   </p:cSld>
   <p:clrMapOvr>
     <a:masterClrMapping/>
@@ -8862,13 +7786,7 @@
       </p:grpSpPr>
       <p:sp>
         <p:nvSpPr>
-          <p:cNvPr id="2" name="标题 1">
-            <a:extLst>
-              <a:ext uri="{FF2B5EF4-FFF2-40B4-BE49-F238E27FC236}">
-                <a16:creationId xmlns:a16="http://schemas.microsoft.com/office/drawing/2014/main" id="{A67EA3CB-CAD3-4C3D-B946-2126F666257A}"/>
-              </a:ext>
-            </a:extLst>
-          </p:cNvPr>
+          <p:cNvPr id="2" name="标题 1"/>
           <p:cNvSpPr>
             <a:spLocks noGrp="1"/>
           </p:cNvSpPr>
@@ -8897,13 +7815,7 @@
       </p:sp>
       <p:sp>
         <p:nvSpPr>
-          <p:cNvPr id="3" name="副标题 2">
-            <a:extLst>
-              <a:ext uri="{FF2B5EF4-FFF2-40B4-BE49-F238E27FC236}">
-                <a16:creationId xmlns:a16="http://schemas.microsoft.com/office/drawing/2014/main" id="{10E211FD-83C9-4B5E-B7AD-D80C076E15A6}"/>
-              </a:ext>
-            </a:extLst>
-          </p:cNvPr>
+          <p:cNvPr id="3" name="副标题 2"/>
           <p:cNvSpPr>
             <a:spLocks noGrp="1"/>
           </p:cNvSpPr>
@@ -8954,17 +7866,12 @@
             </a:r>
             <a:r>
               <a:rPr lang="zh-CN" altLang="en-US" sz="2000" dirty="0"/>
-              <a:t>分布式集群高能耗低效率的的问题，成为信息与通信技术行业待解决的问题。</a:t>
+              <a:t>分布式集群高能耗低效率的问题，成为信息与通信技术行业亟待解决的问题。</a:t>
             </a:r>
           </a:p>
         </p:txBody>
       </p:sp>
     </p:spTree>
-    <p:extLst>
-      <p:ext uri="{BB962C8B-B14F-4D97-AF65-F5344CB8AC3E}">
-        <p14:creationId xmlns:p14="http://schemas.microsoft.com/office/powerpoint/2010/main" val="1144202438"/>
-      </p:ext>
-    </p:extLst>
   </p:cSld>
   <p:clrMapOvr>
     <a:masterClrMapping/>
@@ -8991,13 +7898,7 @@
       </p:grpSpPr>
       <p:sp>
         <p:nvSpPr>
-          <p:cNvPr id="2" name="标题 1">
-            <a:extLst>
-              <a:ext uri="{FF2B5EF4-FFF2-40B4-BE49-F238E27FC236}">
-                <a16:creationId xmlns:a16="http://schemas.microsoft.com/office/drawing/2014/main" id="{5A8BB4F2-5CEC-434B-B689-9F67A164C794}"/>
-              </a:ext>
-            </a:extLst>
-          </p:cNvPr>
+          <p:cNvPr id="2" name="标题 1"/>
           <p:cNvSpPr>
             <a:spLocks noGrp="1"/>
           </p:cNvSpPr>
@@ -9027,13 +7928,7 @@
       </p:sp>
       <p:sp>
         <p:nvSpPr>
-          <p:cNvPr id="3" name="副标题 2">
-            <a:extLst>
-              <a:ext uri="{FF2B5EF4-FFF2-40B4-BE49-F238E27FC236}">
-                <a16:creationId xmlns:a16="http://schemas.microsoft.com/office/drawing/2014/main" id="{9FC08C0B-97D1-4817-8247-8938869DAAAC}"/>
-              </a:ext>
-            </a:extLst>
-          </p:cNvPr>
+          <p:cNvPr id="3" name="副标题 2"/>
           <p:cNvSpPr>
             <a:spLocks noGrp="1"/>
           </p:cNvSpPr>
@@ -9051,68 +7946,68 @@
           <a:bodyPr/>
           <a:lstStyle/>
           <a:p>
-            <a:pPr algn="l"/>
-            <a:r>
-              <a:rPr lang="zh-CN" altLang="en-US" dirty="0"/>
+            <a:pPr algn="l">
+              <a:lnSpc>
+                <a:spcPct val="100000"/>
+              </a:lnSpc>
+            </a:pPr>
+            <a:r>
+              <a:rPr lang="zh-CN" altLang="en-US" sz="2000" dirty="0"/>
               <a:t>上述的算法没有改变</a:t>
             </a:r>
             <a:r>
-              <a:rPr lang="en-US" altLang="zh-CN" dirty="0"/>
+              <a:rPr lang="en-US" altLang="zh-CN" sz="2000" dirty="0"/>
               <a:t>HDFS</a:t>
             </a:r>
             <a:r>
-              <a:rPr lang="zh-CN" altLang="en-US" dirty="0"/>
+              <a:rPr lang="zh-CN" altLang="en-US" sz="2000" dirty="0"/>
               <a:t>默认机架感知的数据块存储策略，论文</a:t>
             </a:r>
             <a:r>
-              <a:rPr lang="en-US" altLang="zh-CN" dirty="0"/>
+              <a:rPr lang="en-US" altLang="zh-CN" sz="2000" dirty="0"/>
               <a:t>4.3</a:t>
             </a:r>
             <a:r>
-              <a:rPr lang="zh-CN" altLang="en-US" dirty="0"/>
-              <a:t>节提出了</a:t>
-            </a:r>
-            <a:r>
-              <a:rPr lang="zh-CN" altLang="en-US" dirty="0">
-                <a:solidFill>
-                  <a:srgbClr val="FF0000"/>
-                </a:solidFill>
-              </a:rPr>
-              <a:t>对称数据块存储策略</a:t>
-            </a:r>
-            <a:r>
-              <a:rPr lang="zh-CN" altLang="en-US" dirty="0"/>
-              <a:t>。</a:t>
-            </a:r>
-            <a:endParaRPr lang="en-US" altLang="zh-CN" dirty="0"/>
-          </a:p>
-          <a:p>
-            <a:pPr algn="l"/>
-            <a:r>
-              <a:rPr lang="zh-CN" altLang="en-US" dirty="0"/>
+              <a:rPr lang="zh-CN" altLang="en-US" sz="2000" dirty="0"/>
+              <a:t>节提出了对称数据块存储策略。</a:t>
+            </a:r>
+            <a:endParaRPr lang="en-US" altLang="zh-CN" sz="2000" dirty="0"/>
+          </a:p>
+          <a:p>
+            <a:pPr algn="l">
+              <a:lnSpc>
+                <a:spcPct val="100000"/>
+              </a:lnSpc>
+            </a:pPr>
+            <a:r>
+              <a:rPr lang="zh-CN" altLang="en-US" sz="2000" dirty="0"/>
               <a:t>该策略假设存在两个</a:t>
             </a:r>
             <a:r>
-              <a:rPr lang="en-US" altLang="zh-CN" dirty="0"/>
+              <a:rPr lang="en-US" altLang="zh-CN" sz="2000" dirty="0"/>
               <a:t>DN</a:t>
             </a:r>
             <a:r>
-              <a:rPr lang="zh-CN" altLang="en-US" dirty="0"/>
+              <a:rPr lang="zh-CN" altLang="en-US" sz="2000" dirty="0"/>
               <a:t>节点存储的数据块完全相同，则两个</a:t>
             </a:r>
             <a:r>
-              <a:rPr lang="en-US" altLang="zh-CN" dirty="0"/>
+              <a:rPr lang="en-US" altLang="zh-CN" sz="2000" dirty="0"/>
               <a:t>DN</a:t>
             </a:r>
             <a:r>
-              <a:rPr lang="zh-CN" altLang="en-US" dirty="0"/>
+              <a:rPr lang="zh-CN" altLang="en-US" sz="2000" dirty="0"/>
               <a:t>节点的任务可以互相转移和替换。当两个节点负载都较低时，可以将其中一个休眠。该策略存储结构如下图：</a:t>
             </a:r>
-            <a:endParaRPr lang="en-US" altLang="zh-CN" dirty="0"/>
-          </a:p>
-          <a:p>
-            <a:pPr algn="l"/>
-            <a:endParaRPr lang="en-US" altLang="zh-CN" dirty="0"/>
+            <a:endParaRPr lang="en-US" altLang="zh-CN" sz="2000" dirty="0"/>
+          </a:p>
+          <a:p>
+            <a:pPr algn="l">
+              <a:lnSpc>
+                <a:spcPct val="100000"/>
+              </a:lnSpc>
+            </a:pPr>
+            <a:endParaRPr lang="en-US" altLang="zh-CN" sz="2000" dirty="0"/>
           </a:p>
           <a:p>
             <a:pPr algn="l"/>
@@ -9126,13 +8021,7 @@
       </p:sp>
       <p:pic>
         <p:nvPicPr>
-          <p:cNvPr id="4" name="图片 3">
-            <a:extLst>
-              <a:ext uri="{FF2B5EF4-FFF2-40B4-BE49-F238E27FC236}">
-                <a16:creationId xmlns:a16="http://schemas.microsoft.com/office/drawing/2014/main" id="{EBFE6E7B-D70A-4F97-ACAC-1A01A3894F89}"/>
-              </a:ext>
-            </a:extLst>
-          </p:cNvPr>
+          <p:cNvPr id="4" name="图片 3"/>
           <p:cNvPicPr>
             <a:picLocks noChangeAspect="1"/>
           </p:cNvPicPr>
@@ -9155,11 +8044,6 @@
         </p:spPr>
       </p:pic>
     </p:spTree>
-    <p:extLst>
-      <p:ext uri="{BB962C8B-B14F-4D97-AF65-F5344CB8AC3E}">
-        <p14:creationId xmlns:p14="http://schemas.microsoft.com/office/powerpoint/2010/main" val="727233638"/>
-      </p:ext>
-    </p:extLst>
   </p:cSld>
   <p:clrMapOvr>
     <a:masterClrMapping/>
@@ -9186,13 +8070,7 @@
       </p:grpSpPr>
       <p:sp>
         <p:nvSpPr>
-          <p:cNvPr id="2" name="标题 1">
-            <a:extLst>
-              <a:ext uri="{FF2B5EF4-FFF2-40B4-BE49-F238E27FC236}">
-                <a16:creationId xmlns:a16="http://schemas.microsoft.com/office/drawing/2014/main" id="{E2F2D47C-77EB-4634-8C2F-2BDB179D1FF7}"/>
-              </a:ext>
-            </a:extLst>
-          </p:cNvPr>
+          <p:cNvPr id="2" name="标题 1"/>
           <p:cNvSpPr>
             <a:spLocks noGrp="1"/>
           </p:cNvSpPr>
@@ -9225,11 +8103,7 @@
           <p:sp>
             <p:nvSpPr>
               <p:cNvPr id="3" name="副标题 2">
-                <a:extLst>
-                  <a:ext uri="{FF2B5EF4-FFF2-40B4-BE49-F238E27FC236}">
-                    <a16:creationId xmlns:a16="http://schemas.microsoft.com/office/drawing/2014/main" id="{91032769-E08C-4700-BD97-70D08D78F30A}"/>
-                  </a:ext>
-                </a:extLst>
+                <a:extLst/>
               </p:cNvPr>
               <p:cNvSpPr>
                 <a:spLocks noGrp="1"/>
@@ -9245,16 +8119,22 @@
               </a:xfrm>
             </p:spPr>
             <p:txBody>
-              <a:bodyPr/>
+              <a:bodyPr>
+                <a:normAutofit/>
+              </a:bodyPr>
               <a:lstStyle/>
               <a:p>
-                <a:pPr algn="l"/>
-                <a:r>
-                  <a:rPr lang="en-US" altLang="zh-CN" dirty="0"/>
+                <a:pPr algn="l">
+                  <a:lnSpc>
+                    <a:spcPct val="100000"/>
+                  </a:lnSpc>
+                </a:pPr>
+                <a:r>
+                  <a:rPr lang="en-US" altLang="zh-CN" sz="2000" dirty="0"/>
                   <a:t>1.</a:t>
                 </a:r>
                 <a:r>
-                  <a:rPr lang="zh-CN" altLang="en-US" dirty="0"/>
+                  <a:rPr lang="zh-CN" altLang="en-US" sz="2000" dirty="0"/>
                   <a:t>初始化最大负载阈值</a:t>
                 </a:r>
                 <a14:m>
@@ -9262,9 +8142,7 @@
                     <m:sSub>
                       <m:sSubPr>
                         <m:ctrlPr>
-                          <a:rPr lang="en-US" altLang="zh-CN" i="1" smtClean="0">
-                            <a:latin typeface="Cambria Math" panose="02040503050406030204" pitchFamily="18" charset="0"/>
-                          </a:rPr>
+                          <a:rPr lang="en-US" altLang="zh-CN" sz="2000"/>
                         </m:ctrlPr>
                       </m:sSubPr>
                       <m:e>
@@ -9272,9 +8150,7 @@
                           <m:rPr>
                             <m:sty m:val="p"/>
                           </m:rPr>
-                          <a:rPr lang="en-US" altLang="zh-CN" i="1">
-                            <a:latin typeface="Cambria Math" panose="02040503050406030204" pitchFamily="18" charset="0"/>
-                          </a:rPr>
+                          <a:rPr lang="en-US" altLang="zh-CN" sz="2000"/>
                           <m:t>U</m:t>
                         </m:r>
                       </m:e>
@@ -9283,23 +8159,19 @@
                           <m:rPr>
                             <m:sty m:val="p"/>
                           </m:rPr>
-                          <a:rPr lang="en-US" altLang="zh-CN" i="1">
-                            <a:latin typeface="Cambria Math" panose="02040503050406030204" pitchFamily="18" charset="0"/>
-                          </a:rPr>
+                          <a:rPr lang="en-US" altLang="zh-CN" sz="2000"/>
                           <m:t>max</m:t>
                         </m:r>
                       </m:sub>
                     </m:sSub>
                     <m:r>
-                      <a:rPr lang="zh-CN" altLang="en-US" i="1">
-                        <a:latin typeface="Cambria Math" panose="02040503050406030204" pitchFamily="18" charset="0"/>
-                      </a:rPr>
+                      <a:rPr lang="zh-CN" altLang="en-US" sz="2000"/>
                       <m:t>与</m:t>
                     </m:r>
                   </m:oMath>
                 </a14:m>
                 <a:r>
-                  <a:rPr lang="zh-CN" altLang="en-US" dirty="0"/>
+                  <a:rPr lang="zh-CN" altLang="en-US" sz="2000" dirty="0"/>
                   <a:t>休眠负载阈值</a:t>
                 </a:r>
                 <a14:m>
@@ -9307,9 +8179,7 @@
                     <m:sSub>
                       <m:sSubPr>
                         <m:ctrlPr>
-                          <a:rPr lang="en-US" altLang="zh-CN" i="1">
-                            <a:latin typeface="Cambria Math" panose="02040503050406030204" pitchFamily="18" charset="0"/>
-                          </a:rPr>
+                          <a:rPr lang="en-US" altLang="zh-CN" sz="2000"/>
                         </m:ctrlPr>
                       </m:sSubPr>
                       <m:e>
@@ -9317,9 +8187,7 @@
                           <m:rPr>
                             <m:sty m:val="p"/>
                           </m:rPr>
-                          <a:rPr lang="en-US" altLang="zh-CN" i="1">
-                            <a:latin typeface="Cambria Math" panose="02040503050406030204" pitchFamily="18" charset="0"/>
-                          </a:rPr>
+                          <a:rPr lang="en-US" altLang="zh-CN" sz="2000"/>
                           <m:t>U</m:t>
                         </m:r>
                       </m:e>
@@ -9328,9 +8196,7 @@
                           <m:rPr>
                             <m:sty m:val="p"/>
                           </m:rPr>
-                          <a:rPr lang="en-US" altLang="zh-CN" i="1">
-                            <a:latin typeface="Cambria Math" panose="02040503050406030204" pitchFamily="18" charset="0"/>
-                          </a:rPr>
+                          <a:rPr lang="en-US" altLang="zh-CN" sz="2000"/>
                           <m:t>min</m:t>
                         </m:r>
                       </m:sub>
@@ -9338,54 +8204,58 @@
                   </m:oMath>
                 </a14:m>
                 <a:r>
-                  <a:rPr lang="zh-CN" altLang="en-US" dirty="0"/>
+                  <a:rPr lang="zh-CN" altLang="en-US" sz="2000" dirty="0"/>
                   <a:t>，算法执行周期</a:t>
                 </a:r>
                 <a:r>
-                  <a:rPr lang="en-US" altLang="zh-CN" dirty="0"/>
+                  <a:rPr lang="en-US" altLang="zh-CN" sz="2000" dirty="0"/>
                   <a:t>T</a:t>
                 </a:r>
               </a:p>
               <a:p>
-                <a:pPr algn="l"/>
-                <a:r>
-                  <a:rPr lang="en-US" altLang="zh-CN" dirty="0"/>
+                <a:pPr algn="l">
+                  <a:lnSpc>
+                    <a:spcPct val="100000"/>
+                  </a:lnSpc>
+                </a:pPr>
+                <a:r>
+                  <a:rPr lang="en-US" altLang="zh-CN" sz="2000" dirty="0"/>
                   <a:t>2.DN</a:t>
                 </a:r>
                 <a:r>
-                  <a:rPr lang="zh-CN" altLang="en-US" dirty="0"/>
+                  <a:rPr lang="zh-CN" altLang="en-US" sz="2000" dirty="0"/>
                   <a:t>节点定期向</a:t>
                 </a:r>
                 <a:r>
-                  <a:rPr lang="en-US" altLang="zh-CN" dirty="0" err="1"/>
+                  <a:rPr lang="en-US" altLang="zh-CN" sz="2000" dirty="0" err="1"/>
                   <a:t>NameNode</a:t>
                 </a:r>
                 <a:r>
-                  <a:rPr lang="zh-CN" altLang="en-US" dirty="0"/>
+                  <a:rPr lang="zh-CN" altLang="en-US" sz="2000" dirty="0"/>
                   <a:t>发送心跳信息，包括</a:t>
                 </a:r>
                 <a:r>
-                  <a:rPr lang="en-US" altLang="zh-CN" dirty="0"/>
+                  <a:rPr lang="en-US" altLang="zh-CN" sz="2000" dirty="0"/>
                   <a:t>DN</a:t>
                 </a:r>
                 <a:r>
-                  <a:rPr lang="zh-CN" altLang="en-US" dirty="0"/>
+                  <a:rPr lang="zh-CN" altLang="en-US" sz="2000" dirty="0"/>
                   <a:t>负载状态信息。当满组执行周期</a:t>
                 </a:r>
                 <a:r>
-                  <a:rPr lang="en-US" altLang="zh-CN" dirty="0"/>
+                  <a:rPr lang="en-US" altLang="zh-CN" sz="2000" dirty="0"/>
                   <a:t>T</a:t>
                 </a:r>
                 <a:r>
-                  <a:rPr lang="zh-CN" altLang="en-US" dirty="0"/>
+                  <a:rPr lang="zh-CN" altLang="en-US" sz="2000" dirty="0"/>
                   <a:t>时，</a:t>
                 </a:r>
                 <a:r>
-                  <a:rPr lang="en-US" altLang="zh-CN" dirty="0" err="1"/>
+                  <a:rPr lang="en-US" altLang="zh-CN" sz="2000" dirty="0" err="1"/>
                   <a:t>NameNode</a:t>
                 </a:r>
                 <a:r>
-                  <a:rPr lang="zh-CN" altLang="en-US" dirty="0"/>
+                  <a:rPr lang="zh-CN" altLang="en-US" sz="2000" dirty="0"/>
                   <a:t>将负载小于</a:t>
                 </a:r>
                 <a14:m>
@@ -9393,9 +8263,7 @@
                     <m:sSub>
                       <m:sSubPr>
                         <m:ctrlPr>
-                          <a:rPr lang="en-US" altLang="zh-CN" i="1">
-                            <a:latin typeface="Cambria Math" panose="02040503050406030204" pitchFamily="18" charset="0"/>
-                          </a:rPr>
+                          <a:rPr lang="en-US" altLang="zh-CN" sz="2000"/>
                         </m:ctrlPr>
                       </m:sSubPr>
                       <m:e>
@@ -9403,9 +8271,7 @@
                           <m:rPr>
                             <m:sty m:val="p"/>
                           </m:rPr>
-                          <a:rPr lang="en-US" altLang="zh-CN" i="1">
-                            <a:latin typeface="Cambria Math" panose="02040503050406030204" pitchFamily="18" charset="0"/>
-                          </a:rPr>
+                          <a:rPr lang="en-US" altLang="zh-CN" sz="2000"/>
                           <m:t>U</m:t>
                         </m:r>
                       </m:e>
@@ -9414,9 +8280,7 @@
                           <m:rPr>
                             <m:sty m:val="p"/>
                           </m:rPr>
-                          <a:rPr lang="en-US" altLang="zh-CN" i="1">
-                            <a:latin typeface="Cambria Math" panose="02040503050406030204" pitchFamily="18" charset="0"/>
-                          </a:rPr>
+                          <a:rPr lang="en-US" altLang="zh-CN" sz="2000"/>
                           <m:t>max</m:t>
                         </m:r>
                       </m:sub>
@@ -9424,7 +8288,7 @@
                   </m:oMath>
                 </a14:m>
                 <a:r>
-                  <a:rPr lang="zh-CN" altLang="en-US" dirty="0"/>
+                  <a:rPr lang="zh-CN" altLang="en-US" sz="2000" dirty="0"/>
                   <a:t>大于</a:t>
                 </a:r>
                 <a14:m>
@@ -9432,9 +8296,7 @@
                     <m:sSub>
                       <m:sSubPr>
                         <m:ctrlPr>
-                          <a:rPr lang="en-US" altLang="zh-CN" i="1">
-                            <a:latin typeface="Cambria Math" panose="02040503050406030204" pitchFamily="18" charset="0"/>
-                          </a:rPr>
+                          <a:rPr lang="en-US" altLang="zh-CN" sz="2000"/>
                         </m:ctrlPr>
                       </m:sSubPr>
                       <m:e>
@@ -9442,9 +8304,7 @@
                           <m:rPr>
                             <m:sty m:val="p"/>
                           </m:rPr>
-                          <a:rPr lang="en-US" altLang="zh-CN" i="1">
-                            <a:latin typeface="Cambria Math" panose="02040503050406030204" pitchFamily="18" charset="0"/>
-                          </a:rPr>
+                          <a:rPr lang="en-US" altLang="zh-CN" sz="2000"/>
                           <m:t>U</m:t>
                         </m:r>
                       </m:e>
@@ -9453,32 +8313,19 @@
                           <m:rPr>
                             <m:sty m:val="p"/>
                           </m:rPr>
-                          <a:rPr lang="en-US" altLang="zh-CN" i="1">
-                            <a:latin typeface="Cambria Math" panose="02040503050406030204" pitchFamily="18" charset="0"/>
-                          </a:rPr>
-                          <m:t>m</m:t>
-                        </m:r>
-                        <m:r>
-                          <m:rPr>
-                            <m:sty m:val="p"/>
-                          </m:rPr>
-                          <a:rPr lang="en-US" altLang="zh-CN" i="1">
-                            <a:latin typeface="Cambria Math" panose="02040503050406030204" pitchFamily="18" charset="0"/>
-                          </a:rPr>
-                          <m:t>in</m:t>
+                          <a:rPr lang="en-US" altLang="zh-CN" sz="2000"/>
+                          <m:t>min</m:t>
                         </m:r>
                       </m:sub>
                     </m:sSub>
                     <m:r>
-                      <a:rPr lang="zh-CN" altLang="en-US" i="1">
-                        <a:latin typeface="Cambria Math" panose="02040503050406030204" pitchFamily="18" charset="0"/>
-                      </a:rPr>
+                      <a:rPr lang="zh-CN" altLang="en-US" sz="2000"/>
                       <m:t>节点</m:t>
                     </m:r>
                   </m:oMath>
                 </a14:m>
                 <a:r>
-                  <a:rPr lang="zh-CN" altLang="en-US" dirty="0"/>
+                  <a:rPr lang="zh-CN" altLang="en-US" sz="2000" dirty="0"/>
                   <a:t>视为正常节点，大于</a:t>
                 </a:r>
                 <a14:m>
@@ -9486,9 +8333,7 @@
                     <m:sSub>
                       <m:sSubPr>
                         <m:ctrlPr>
-                          <a:rPr lang="en-US" altLang="zh-CN" i="1">
-                            <a:latin typeface="Cambria Math" panose="02040503050406030204" pitchFamily="18" charset="0"/>
-                          </a:rPr>
+                          <a:rPr lang="en-US" altLang="zh-CN" sz="2000"/>
                         </m:ctrlPr>
                       </m:sSubPr>
                       <m:e>
@@ -9496,9 +8341,7 @@
                           <m:rPr>
                             <m:sty m:val="p"/>
                           </m:rPr>
-                          <a:rPr lang="en-US" altLang="zh-CN" i="1">
-                            <a:latin typeface="Cambria Math" panose="02040503050406030204" pitchFamily="18" charset="0"/>
-                          </a:rPr>
+                          <a:rPr lang="en-US" altLang="zh-CN" sz="2000"/>
                           <m:t>U</m:t>
                         </m:r>
                       </m:e>
@@ -9507,9 +8350,7 @@
                           <m:rPr>
                             <m:sty m:val="p"/>
                           </m:rPr>
-                          <a:rPr lang="en-US" altLang="zh-CN" i="1">
-                            <a:latin typeface="Cambria Math" panose="02040503050406030204" pitchFamily="18" charset="0"/>
-                          </a:rPr>
+                          <a:rPr lang="en-US" altLang="zh-CN" sz="2000"/>
                           <m:t>max</m:t>
                         </m:r>
                       </m:sub>
@@ -9517,7 +8358,7 @@
                   </m:oMath>
                 </a14:m>
                 <a:r>
-                  <a:rPr lang="zh-CN" altLang="en-US" dirty="0"/>
+                  <a:rPr lang="zh-CN" altLang="en-US" sz="2000" dirty="0"/>
                   <a:t>视为高负载节点，小于</a:t>
                 </a:r>
                 <a14:m>
@@ -9525,9 +8366,7 @@
                     <m:sSub>
                       <m:sSubPr>
                         <m:ctrlPr>
-                          <a:rPr lang="en-US" altLang="zh-CN" i="1">
-                            <a:latin typeface="Cambria Math" panose="02040503050406030204" pitchFamily="18" charset="0"/>
-                          </a:rPr>
+                          <a:rPr lang="en-US" altLang="zh-CN" sz="2000"/>
                         </m:ctrlPr>
                       </m:sSubPr>
                       <m:e>
@@ -9535,9 +8374,7 @@
                           <m:rPr>
                             <m:sty m:val="p"/>
                           </m:rPr>
-                          <a:rPr lang="en-US" altLang="zh-CN" i="1">
-                            <a:latin typeface="Cambria Math" panose="02040503050406030204" pitchFamily="18" charset="0"/>
-                          </a:rPr>
+                          <a:rPr lang="en-US" altLang="zh-CN" sz="2000"/>
                           <m:t>U</m:t>
                         </m:r>
                       </m:e>
@@ -9546,9 +8383,7 @@
                           <m:rPr>
                             <m:sty m:val="p"/>
                           </m:rPr>
-                          <a:rPr lang="en-US" altLang="zh-CN" i="1">
-                            <a:latin typeface="Cambria Math" panose="02040503050406030204" pitchFamily="18" charset="0"/>
-                          </a:rPr>
+                          <a:rPr lang="en-US" altLang="zh-CN" sz="2000"/>
                           <m:t>min</m:t>
                         </m:r>
                       </m:sub>
@@ -9556,31 +8391,35 @@
                   </m:oMath>
                 </a14:m>
                 <a:r>
-                  <a:rPr lang="zh-CN" altLang="en-US" dirty="0"/>
+                  <a:rPr lang="zh-CN" altLang="en-US" sz="2000" dirty="0"/>
                   <a:t>的节点视为空闲节点。并把该节点和与该节点同行的所有节点发送给</a:t>
                 </a:r>
                 <a:r>
-                  <a:rPr lang="en-US" altLang="zh-CN" dirty="0" err="1"/>
+                  <a:rPr lang="en-US" altLang="zh-CN" sz="2000" dirty="0" err="1"/>
                   <a:t>PowerController</a:t>
                 </a:r>
                 <a:r>
-                  <a:rPr lang="zh-CN" altLang="en-US" dirty="0"/>
+                  <a:rPr lang="zh-CN" altLang="en-US" sz="2000" dirty="0"/>
                   <a:t>节点处理</a:t>
                 </a:r>
-                <a:endParaRPr lang="en-US" altLang="zh-CN" dirty="0"/>
+                <a:endParaRPr lang="en-US" altLang="zh-CN" sz="2000" dirty="0"/>
               </a:p>
               <a:p>
-                <a:pPr algn="l"/>
-                <a:r>
-                  <a:rPr lang="en-US" altLang="zh-CN" dirty="0"/>
+                <a:pPr algn="l">
+                  <a:lnSpc>
+                    <a:spcPct val="100000"/>
+                  </a:lnSpc>
+                </a:pPr>
+                <a:r>
+                  <a:rPr lang="en-US" altLang="zh-CN" sz="2000" dirty="0"/>
                   <a:t>3. </a:t>
                 </a:r>
                 <a:r>
-                  <a:rPr lang="en-US" altLang="zh-CN" dirty="0" err="1"/>
+                  <a:rPr lang="en-US" altLang="zh-CN" sz="2000" dirty="0" err="1"/>
                   <a:t>PowerController</a:t>
                 </a:r>
                 <a:r>
-                  <a:rPr lang="zh-CN" altLang="en-US" dirty="0"/>
+                  <a:rPr lang="zh-CN" altLang="en-US" sz="2000" dirty="0"/>
                   <a:t>节点根据不同的情况分配任务，并唤醒或休眠节点。</a:t>
                 </a:r>
               </a:p>
@@ -9591,11 +8430,7 @@
           <p:sp>
             <p:nvSpPr>
               <p:cNvPr id="3" name="副标题 2">
-                <a:extLst>
-                  <a:ext uri="{FF2B5EF4-FFF2-40B4-BE49-F238E27FC236}">
-                    <a16:creationId xmlns:a16="http://schemas.microsoft.com/office/drawing/2014/main" id="{91032769-E08C-4700-BD97-70D08D78F30A}"/>
-                  </a:ext>
-                </a:extLst>
+                <a:extLst/>
               </p:cNvPr>
               <p:cNvSpPr>
                 <a:spLocks noGrp="1" noRot="1" noChangeAspect="1" noMove="1" noResize="1" noEditPoints="1" noAdjustHandles="1" noChangeArrowheads="1" noChangeShapeType="1" noTextEdit="1"/>
@@ -9612,7 +8447,7 @@
               <a:blipFill>
                 <a:blip r:embed="rId2"/>
                 <a:stretch>
-                  <a:fillRect l="-999" t="-1619" r="-312"/>
+                  <a:fillRect l="-687" t="-623"/>
                 </a:stretch>
               </a:blipFill>
             </p:spPr>
@@ -9632,11 +8467,6 @@
         </mc:Fallback>
       </mc:AlternateContent>
     </p:spTree>
-    <p:extLst>
-      <p:ext uri="{BB962C8B-B14F-4D97-AF65-F5344CB8AC3E}">
-        <p14:creationId xmlns:p14="http://schemas.microsoft.com/office/powerpoint/2010/main" val="3428568268"/>
-      </p:ext>
-    </p:extLst>
   </p:cSld>
   <p:clrMapOvr>
     <a:masterClrMapping/>
@@ -9663,13 +8493,7 @@
       </p:grpSpPr>
       <p:sp>
         <p:nvSpPr>
-          <p:cNvPr id="2" name="标题 1">
-            <a:extLst>
-              <a:ext uri="{FF2B5EF4-FFF2-40B4-BE49-F238E27FC236}">
-                <a16:creationId xmlns:a16="http://schemas.microsoft.com/office/drawing/2014/main" id="{D9B6A580-2791-4FF6-AE1B-F9E82FAF8010}"/>
-              </a:ext>
-            </a:extLst>
-          </p:cNvPr>
+          <p:cNvPr id="2" name="标题 1"/>
           <p:cNvSpPr>
             <a:spLocks noGrp="1"/>
           </p:cNvSpPr>
@@ -9699,13 +8523,7 @@
       </p:sp>
       <p:sp>
         <p:nvSpPr>
-          <p:cNvPr id="3" name="副标题 2">
-            <a:extLst>
-              <a:ext uri="{FF2B5EF4-FFF2-40B4-BE49-F238E27FC236}">
-                <a16:creationId xmlns:a16="http://schemas.microsoft.com/office/drawing/2014/main" id="{1E7A49B8-B13C-4B57-BB00-41FBDE7123E0}"/>
-              </a:ext>
-            </a:extLst>
-          </p:cNvPr>
+          <p:cNvPr id="3" name="副标题 2"/>
           <p:cNvSpPr>
             <a:spLocks noGrp="1"/>
           </p:cNvSpPr>
@@ -9831,11 +8649,6 @@
         </p:txBody>
       </p:sp>
     </p:spTree>
-    <p:extLst>
-      <p:ext uri="{BB962C8B-B14F-4D97-AF65-F5344CB8AC3E}">
-        <p14:creationId xmlns:p14="http://schemas.microsoft.com/office/powerpoint/2010/main" val="842434232"/>
-      </p:ext>
-    </p:extLst>
   </p:cSld>
   <p:clrMapOvr>
     <a:masterClrMapping/>
@@ -9862,13 +8675,7 @@
       </p:grpSpPr>
       <p:sp>
         <p:nvSpPr>
-          <p:cNvPr id="2" name="标题 1">
-            <a:extLst>
-              <a:ext uri="{FF2B5EF4-FFF2-40B4-BE49-F238E27FC236}">
-                <a16:creationId xmlns:a16="http://schemas.microsoft.com/office/drawing/2014/main" id="{BD1F62AA-A6D6-4595-A7BF-905C92B0CD73}"/>
-              </a:ext>
-            </a:extLst>
-          </p:cNvPr>
+          <p:cNvPr id="2" name="标题 1"/>
           <p:cNvSpPr>
             <a:spLocks noGrp="1"/>
           </p:cNvSpPr>
@@ -9890,13 +8697,7 @@
       </p:sp>
       <p:sp>
         <p:nvSpPr>
-          <p:cNvPr id="3" name="副标题 2">
-            <a:extLst>
-              <a:ext uri="{FF2B5EF4-FFF2-40B4-BE49-F238E27FC236}">
-                <a16:creationId xmlns:a16="http://schemas.microsoft.com/office/drawing/2014/main" id="{A772B542-0235-49B8-8476-646918782EC6}"/>
-              </a:ext>
-            </a:extLst>
-          </p:cNvPr>
+          <p:cNvPr id="3" name="副标题 2"/>
           <p:cNvSpPr>
             <a:spLocks noGrp="1"/>
           </p:cNvSpPr>
@@ -9914,11 +8715,6 @@
         </p:txBody>
       </p:sp>
     </p:spTree>
-    <p:extLst>
-      <p:ext uri="{BB962C8B-B14F-4D97-AF65-F5344CB8AC3E}">
-        <p14:creationId xmlns:p14="http://schemas.microsoft.com/office/powerpoint/2010/main" val="4161784378"/>
-      </p:ext>
-    </p:extLst>
   </p:cSld>
   <p:clrMapOvr>
     <a:masterClrMapping/>
@@ -9945,13 +8741,7 @@
       </p:grpSpPr>
       <p:sp>
         <p:nvSpPr>
-          <p:cNvPr id="2" name="标题 1">
-            <a:extLst>
-              <a:ext uri="{FF2B5EF4-FFF2-40B4-BE49-F238E27FC236}">
-                <a16:creationId xmlns:a16="http://schemas.microsoft.com/office/drawing/2014/main" id="{EC4A76CB-9CC9-49EF-922E-A0389D8AE184}"/>
-              </a:ext>
-            </a:extLst>
-          </p:cNvPr>
+          <p:cNvPr id="2" name="标题 1"/>
           <p:cNvSpPr>
             <a:spLocks noGrp="1"/>
           </p:cNvSpPr>
@@ -9984,11 +8774,7 @@
           <p:sp>
             <p:nvSpPr>
               <p:cNvPr id="3" name="副标题 2">
-                <a:extLst>
-                  <a:ext uri="{FF2B5EF4-FFF2-40B4-BE49-F238E27FC236}">
-                    <a16:creationId xmlns:a16="http://schemas.microsoft.com/office/drawing/2014/main" id="{04102170-8DA0-4292-BD6A-01156C727D67}"/>
-                  </a:ext>
-                </a:extLst>
+                <a:extLst/>
               </p:cNvPr>
               <p:cNvSpPr>
                 <a:spLocks noGrp="1"/>
@@ -10509,13 +9295,7 @@
         <mc:Fallback xmlns="">
           <p:sp>
             <p:nvSpPr>
-              <p:cNvPr id="3" name="副标题 2">
-                <a:extLst>
-                  <a:ext uri="{FF2B5EF4-FFF2-40B4-BE49-F238E27FC236}">
-                    <a16:creationId xmlns:a16="http://schemas.microsoft.com/office/drawing/2014/main" id="{04102170-8DA0-4292-BD6A-01156C727D67}"/>
-                  </a:ext>
-                </a:extLst>
-              </p:cNvPr>
+              <p:cNvPr id="3" name="副标题 2"/>
               <p:cNvSpPr>
                 <a:spLocks noGrp="1" noRot="1" noChangeAspect="1" noMove="1" noResize="1" noEditPoints="1" noAdjustHandles="1" noChangeArrowheads="1" noChangeShapeType="1" noTextEdit="1"/>
               </p:cNvSpPr>
@@ -10528,7 +9308,7 @@
                 <a:off x="1127464" y="1242873"/>
                 <a:ext cx="9540536" cy="4927107"/>
               </a:xfrm>
-              <a:blipFill>
+              <a:blipFill rotWithShape="1">
                 <a:blip r:embed="rId2"/>
                 <a:stretch>
                   <a:fillRect l="-703" t="-1361"/>
@@ -10545,6 +9325,9 @@
                   </a:rPr>
                   <a:t> </a:t>
                 </a:r>
+                <a:endParaRPr lang="zh-CN" altLang="en-US">
+                  <a:noFill/>
+                </a:endParaRPr>
               </a:p>
             </p:txBody>
           </p:sp>
@@ -10552,13 +9335,7 @@
       </mc:AlternateContent>
       <p:pic>
         <p:nvPicPr>
-          <p:cNvPr id="4" name="图片 3">
-            <a:extLst>
-              <a:ext uri="{FF2B5EF4-FFF2-40B4-BE49-F238E27FC236}">
-                <a16:creationId xmlns:a16="http://schemas.microsoft.com/office/drawing/2014/main" id="{9D2AFD1C-5EBE-45C9-A1E5-6DEC16758602}"/>
-              </a:ext>
-            </a:extLst>
-          </p:cNvPr>
+          <p:cNvPr id="4" name="图片 3"/>
           <p:cNvPicPr>
             <a:picLocks noChangeAspect="1"/>
           </p:cNvPicPr>
@@ -10581,11 +9358,6 @@
         </p:spPr>
       </p:pic>
     </p:spTree>
-    <p:extLst>
-      <p:ext uri="{BB962C8B-B14F-4D97-AF65-F5344CB8AC3E}">
-        <p14:creationId xmlns:p14="http://schemas.microsoft.com/office/powerpoint/2010/main" val="29814643"/>
-      </p:ext>
-    </p:extLst>
   </p:cSld>
   <p:clrMapOvr>
     <a:masterClrMapping/>
@@ -10612,13 +9384,7 @@
       </p:grpSpPr>
       <p:sp>
         <p:nvSpPr>
-          <p:cNvPr id="2" name="标题 1">
-            <a:extLst>
-              <a:ext uri="{FF2B5EF4-FFF2-40B4-BE49-F238E27FC236}">
-                <a16:creationId xmlns:a16="http://schemas.microsoft.com/office/drawing/2014/main" id="{CB24A07E-0557-458F-847D-9EAF13BFCEDD}"/>
-              </a:ext>
-            </a:extLst>
-          </p:cNvPr>
+          <p:cNvPr id="2" name="标题 1"/>
           <p:cNvSpPr>
             <a:spLocks noGrp="1"/>
           </p:cNvSpPr>
@@ -10651,11 +9417,7 @@
           <p:sp>
             <p:nvSpPr>
               <p:cNvPr id="3" name="副标题 2">
-                <a:extLst>
-                  <a:ext uri="{FF2B5EF4-FFF2-40B4-BE49-F238E27FC236}">
-                    <a16:creationId xmlns:a16="http://schemas.microsoft.com/office/drawing/2014/main" id="{8A5DF203-2555-47A1-942E-E7771D1664AE}"/>
-                  </a:ext>
-                </a:extLst>
+                <a:extLst/>
               </p:cNvPr>
               <p:cNvSpPr>
                 <a:spLocks noGrp="1"/>
@@ -10984,13 +9746,7 @@
         <mc:Fallback xmlns="">
           <p:sp>
             <p:nvSpPr>
-              <p:cNvPr id="3" name="副标题 2">
-                <a:extLst>
-                  <a:ext uri="{FF2B5EF4-FFF2-40B4-BE49-F238E27FC236}">
-                    <a16:creationId xmlns:a16="http://schemas.microsoft.com/office/drawing/2014/main" id="{8A5DF203-2555-47A1-942E-E7771D1664AE}"/>
-                  </a:ext>
-                </a:extLst>
-              </p:cNvPr>
+              <p:cNvPr id="3" name="副标题 2"/>
               <p:cNvSpPr>
                 <a:spLocks noGrp="1" noRot="1" noChangeAspect="1" noMove="1" noResize="1" noEditPoints="1" noAdjustHandles="1" noChangeArrowheads="1" noChangeShapeType="1" noTextEdit="1"/>
               </p:cNvSpPr>
@@ -11000,10 +9756,10 @@
             </p:nvSpPr>
             <p:spPr>
               <a:xfrm>
-                <a:off x="1151137" y="1379322"/>
+                <a:off x="1151137" y="1364082"/>
                 <a:ext cx="9573087" cy="3911770"/>
               </a:xfrm>
-              <a:blipFill>
+              <a:blipFill rotWithShape="1">
                 <a:blip r:embed="rId2"/>
                 <a:stretch>
                   <a:fillRect l="-637" t="-1558" r="-318"/>
@@ -11014,12 +9770,9 @@
               <a:bodyPr/>
               <a:lstStyle/>
               <a:p>
-                <a:r>
-                  <a:rPr lang="zh-CN" altLang="en-US">
-                    <a:noFill/>
-                  </a:rPr>
-                  <a:t> </a:t>
-                </a:r>
+                <a:endParaRPr lang="zh-CN" altLang="en-US">
+                  <a:noFill/>
+                </a:endParaRPr>
               </a:p>
             </p:txBody>
           </p:sp>
@@ -11027,13 +9780,7 @@
       </mc:AlternateContent>
       <p:pic>
         <p:nvPicPr>
-          <p:cNvPr id="5" name="图片 4">
-            <a:extLst>
-              <a:ext uri="{FF2B5EF4-FFF2-40B4-BE49-F238E27FC236}">
-                <a16:creationId xmlns:a16="http://schemas.microsoft.com/office/drawing/2014/main" id="{C1EEE8CA-4C67-47F7-9B9E-65E6BE4B95EF}"/>
-              </a:ext>
-            </a:extLst>
-          </p:cNvPr>
+          <p:cNvPr id="5" name="图片 4"/>
           <p:cNvPicPr>
             <a:picLocks noChangeAspect="1"/>
           </p:cNvPicPr>
@@ -11056,11 +9803,6 @@
         </p:spPr>
       </p:pic>
     </p:spTree>
-    <p:extLst>
-      <p:ext uri="{BB962C8B-B14F-4D97-AF65-F5344CB8AC3E}">
-        <p14:creationId xmlns:p14="http://schemas.microsoft.com/office/powerpoint/2010/main" val="161933457"/>
-      </p:ext>
-    </p:extLst>
   </p:cSld>
   <p:clrMapOvr>
     <a:masterClrMapping/>
@@ -11087,13 +9829,7 @@
       </p:grpSpPr>
       <p:sp>
         <p:nvSpPr>
-          <p:cNvPr id="2" name="标题 1">
-            <a:extLst>
-              <a:ext uri="{FF2B5EF4-FFF2-40B4-BE49-F238E27FC236}">
-                <a16:creationId xmlns:a16="http://schemas.microsoft.com/office/drawing/2014/main" id="{EA942A97-07DE-405D-B187-91DA2B5AB0B9}"/>
-              </a:ext>
-            </a:extLst>
-          </p:cNvPr>
+          <p:cNvPr id="2" name="标题 1"/>
           <p:cNvSpPr>
             <a:spLocks noGrp="1"/>
           </p:cNvSpPr>
@@ -11126,11 +9862,7 @@
           <p:sp>
             <p:nvSpPr>
               <p:cNvPr id="3" name="副标题 2">
-                <a:extLst>
-                  <a:ext uri="{FF2B5EF4-FFF2-40B4-BE49-F238E27FC236}">
-                    <a16:creationId xmlns:a16="http://schemas.microsoft.com/office/drawing/2014/main" id="{E5A90381-0467-4F2A-8CE7-436CA185962A}"/>
-                  </a:ext>
-                </a:extLst>
+                <a:extLst/>
               </p:cNvPr>
               <p:cNvSpPr>
                 <a:spLocks noGrp="1"/>
@@ -11446,13 +10178,7 @@
         <mc:Fallback xmlns="">
           <p:sp>
             <p:nvSpPr>
-              <p:cNvPr id="3" name="副标题 2">
-                <a:extLst>
-                  <a:ext uri="{FF2B5EF4-FFF2-40B4-BE49-F238E27FC236}">
-                    <a16:creationId xmlns:a16="http://schemas.microsoft.com/office/drawing/2014/main" id="{E5A90381-0467-4F2A-8CE7-436CA185962A}"/>
-                  </a:ext>
-                </a:extLst>
-              </p:cNvPr>
+              <p:cNvPr id="3" name="副标题 2"/>
               <p:cNvSpPr>
                 <a:spLocks noGrp="1" noRot="1" noChangeAspect="1" noMove="1" noResize="1" noEditPoints="1" noAdjustHandles="1" noChangeArrowheads="1" noChangeShapeType="1" noTextEdit="1"/>
               </p:cNvSpPr>
@@ -11465,7 +10191,7 @@
                 <a:off x="1284303" y="1364864"/>
                 <a:ext cx="9144000" cy="4503275"/>
               </a:xfrm>
-              <a:blipFill>
+              <a:blipFill rotWithShape="1">
                 <a:blip r:embed="rId2"/>
                 <a:stretch>
                   <a:fillRect l="-733" t="-1488"/>
@@ -11482,6 +10208,9 @@
                   </a:rPr>
                   <a:t> </a:t>
                 </a:r>
+                <a:endParaRPr lang="zh-CN" altLang="en-US">
+                  <a:noFill/>
+                </a:endParaRPr>
               </a:p>
             </p:txBody>
           </p:sp>
@@ -11489,13 +10218,7 @@
       </mc:AlternateContent>
       <p:pic>
         <p:nvPicPr>
-          <p:cNvPr id="4" name="图片 3">
-            <a:extLst>
-              <a:ext uri="{FF2B5EF4-FFF2-40B4-BE49-F238E27FC236}">
-                <a16:creationId xmlns:a16="http://schemas.microsoft.com/office/drawing/2014/main" id="{101FA546-6CD0-4259-8389-F43AADF52B34}"/>
-              </a:ext>
-            </a:extLst>
-          </p:cNvPr>
+          <p:cNvPr id="4" name="图片 3"/>
           <p:cNvPicPr>
             <a:picLocks noChangeAspect="1"/>
           </p:cNvPicPr>
@@ -11518,11 +10241,6 @@
         </p:spPr>
       </p:pic>
     </p:spTree>
-    <p:extLst>
-      <p:ext uri="{BB962C8B-B14F-4D97-AF65-F5344CB8AC3E}">
-        <p14:creationId xmlns:p14="http://schemas.microsoft.com/office/powerpoint/2010/main" val="2501678939"/>
-      </p:ext>
-    </p:extLst>
   </p:cSld>
   <p:clrMapOvr>
     <a:masterClrMapping/>
@@ -11549,13 +10267,7 @@
       </p:grpSpPr>
       <p:sp>
         <p:nvSpPr>
-          <p:cNvPr id="2" name="标题 1">
-            <a:extLst>
-              <a:ext uri="{FF2B5EF4-FFF2-40B4-BE49-F238E27FC236}">
-                <a16:creationId xmlns:a16="http://schemas.microsoft.com/office/drawing/2014/main" id="{91DE49C8-4201-4E95-86B7-22C85A95D9E8}"/>
-              </a:ext>
-            </a:extLst>
-          </p:cNvPr>
+          <p:cNvPr id="2" name="标题 1"/>
           <p:cNvSpPr>
             <a:spLocks noGrp="1"/>
           </p:cNvSpPr>
@@ -11588,11 +10300,7 @@
           <p:sp>
             <p:nvSpPr>
               <p:cNvPr id="3" name="副标题 2">
-                <a:extLst>
-                  <a:ext uri="{FF2B5EF4-FFF2-40B4-BE49-F238E27FC236}">
-                    <a16:creationId xmlns:a16="http://schemas.microsoft.com/office/drawing/2014/main" id="{432C2D0B-0206-4FAA-98D6-0AD4D240CF9B}"/>
-                  </a:ext>
-                </a:extLst>
+                <a:extLst/>
               </p:cNvPr>
               <p:cNvSpPr>
                 <a:spLocks noGrp="1"/>
@@ -12172,13 +10880,7 @@
         <mc:Fallback xmlns="">
           <p:sp>
             <p:nvSpPr>
-              <p:cNvPr id="3" name="副标题 2">
-                <a:extLst>
-                  <a:ext uri="{FF2B5EF4-FFF2-40B4-BE49-F238E27FC236}">
-                    <a16:creationId xmlns:a16="http://schemas.microsoft.com/office/drawing/2014/main" id="{432C2D0B-0206-4FAA-98D6-0AD4D240CF9B}"/>
-                  </a:ext>
-                </a:extLst>
-              </p:cNvPr>
+              <p:cNvPr id="3" name="副标题 2"/>
               <p:cNvSpPr>
                 <a:spLocks noGrp="1" noRot="1" noChangeAspect="1" noMove="1" noResize="1" noEditPoints="1" noAdjustHandles="1" noChangeArrowheads="1" noChangeShapeType="1" noTextEdit="1"/>
               </p:cNvSpPr>
@@ -12188,10 +10890,10 @@
             </p:nvSpPr>
             <p:spPr>
               <a:xfrm>
-                <a:off x="1009094" y="1160679"/>
+                <a:off x="1009094" y="1168934"/>
                 <a:ext cx="10762695" cy="5541962"/>
               </a:xfrm>
-              <a:blipFill>
+              <a:blipFill rotWithShape="1">
                 <a:blip r:embed="rId2"/>
                 <a:stretch>
                   <a:fillRect l="-907" t="-1209" r="-850"/>
@@ -12208,6 +10910,9 @@
                   </a:rPr>
                   <a:t> </a:t>
                 </a:r>
+                <a:endParaRPr lang="zh-CN" altLang="en-US">
+                  <a:noFill/>
+                </a:endParaRPr>
               </a:p>
             </p:txBody>
           </p:sp>
@@ -12215,13 +10920,7 @@
       </mc:AlternateContent>
       <p:pic>
         <p:nvPicPr>
-          <p:cNvPr id="4" name="图片 3">
-            <a:extLst>
-              <a:ext uri="{FF2B5EF4-FFF2-40B4-BE49-F238E27FC236}">
-                <a16:creationId xmlns:a16="http://schemas.microsoft.com/office/drawing/2014/main" id="{B7B9C654-EFF0-4239-865E-F5F0105E45D1}"/>
-              </a:ext>
-            </a:extLst>
-          </p:cNvPr>
+          <p:cNvPr id="4" name="图片 3"/>
           <p:cNvPicPr>
             <a:picLocks noChangeAspect="1"/>
           </p:cNvPicPr>
@@ -12244,11 +10943,6 @@
         </p:spPr>
       </p:pic>
     </p:spTree>
-    <p:extLst>
-      <p:ext uri="{BB962C8B-B14F-4D97-AF65-F5344CB8AC3E}">
-        <p14:creationId xmlns:p14="http://schemas.microsoft.com/office/powerpoint/2010/main" val="1748130313"/>
-      </p:ext>
-    </p:extLst>
   </p:cSld>
   <p:clrMapOvr>
     <a:masterClrMapping/>
@@ -12275,13 +10969,7 @@
       </p:grpSpPr>
       <p:sp>
         <p:nvSpPr>
-          <p:cNvPr id="2" name="标题 1">
-            <a:extLst>
-              <a:ext uri="{FF2B5EF4-FFF2-40B4-BE49-F238E27FC236}">
-                <a16:creationId xmlns:a16="http://schemas.microsoft.com/office/drawing/2014/main" id="{50DA6282-E0AE-4D39-B438-DE2164D6F084}"/>
-              </a:ext>
-            </a:extLst>
-          </p:cNvPr>
+          <p:cNvPr id="2" name="标题 1"/>
           <p:cNvSpPr>
             <a:spLocks noGrp="1"/>
           </p:cNvSpPr>
@@ -12313,11 +11001,7 @@
           <p:sp>
             <p:nvSpPr>
               <p:cNvPr id="3" name="内容占位符 2">
-                <a:extLst>
-                  <a:ext uri="{FF2B5EF4-FFF2-40B4-BE49-F238E27FC236}">
-                    <a16:creationId xmlns:a16="http://schemas.microsoft.com/office/drawing/2014/main" id="{ABA32D85-6AD4-4FA0-A0CD-3161687C2EBF}"/>
-                  </a:ext>
-                </a:extLst>
+                <a:extLst/>
               </p:cNvPr>
               <p:cNvSpPr>
                 <a:spLocks noGrp="1"/>
@@ -12783,13 +11467,7 @@
         <mc:Fallback xmlns="">
           <p:sp>
             <p:nvSpPr>
-              <p:cNvPr id="3" name="内容占位符 2">
-                <a:extLst>
-                  <a:ext uri="{FF2B5EF4-FFF2-40B4-BE49-F238E27FC236}">
-                    <a16:creationId xmlns:a16="http://schemas.microsoft.com/office/drawing/2014/main" id="{ABA32D85-6AD4-4FA0-A0CD-3161687C2EBF}"/>
-                  </a:ext>
-                </a:extLst>
-              </p:cNvPr>
+              <p:cNvPr id="3" name="内容占位符 2"/>
               <p:cNvSpPr>
                 <a:spLocks noGrp="1" noRot="1" noChangeAspect="1" noMove="1" noResize="1" noEditPoints="1" noAdjustHandles="1" noChangeArrowheads="1" noChangeShapeType="1" noTextEdit="1"/>
               </p:cNvSpPr>
@@ -12802,7 +11480,7 @@
                 <a:off x="838200" y="1047565"/>
                 <a:ext cx="10515600" cy="4962617"/>
               </a:xfrm>
-              <a:blipFill>
+              <a:blipFill rotWithShape="1">
                 <a:blip r:embed="rId2"/>
                 <a:stretch>
                   <a:fillRect l="-638" t="-1351" r="-232"/>
@@ -12819,6 +11497,9 @@
                   </a:rPr>
                   <a:t> </a:t>
                 </a:r>
+                <a:endParaRPr lang="zh-CN" altLang="en-US">
+                  <a:noFill/>
+                </a:endParaRPr>
               </a:p>
             </p:txBody>
           </p:sp>
@@ -12826,13 +11507,7 @@
       </mc:AlternateContent>
       <p:pic>
         <p:nvPicPr>
-          <p:cNvPr id="4" name="图片 3">
-            <a:extLst>
-              <a:ext uri="{FF2B5EF4-FFF2-40B4-BE49-F238E27FC236}">
-                <a16:creationId xmlns:a16="http://schemas.microsoft.com/office/drawing/2014/main" id="{0A49132B-32D1-49D4-A221-9E0C1488A0C1}"/>
-              </a:ext>
-            </a:extLst>
-          </p:cNvPr>
+          <p:cNvPr id="4" name="图片 3"/>
           <p:cNvPicPr>
             <a:picLocks noChangeAspect="1"/>
           </p:cNvPicPr>
@@ -12855,11 +11530,6 @@
         </p:spPr>
       </p:pic>
     </p:spTree>
-    <p:extLst>
-      <p:ext uri="{BB962C8B-B14F-4D97-AF65-F5344CB8AC3E}">
-        <p14:creationId xmlns:p14="http://schemas.microsoft.com/office/powerpoint/2010/main" val="1940291766"/>
-      </p:ext>
-    </p:extLst>
   </p:cSld>
   <p:clrMapOvr>
     <a:masterClrMapping/>
@@ -12910,7 +11580,7 @@
     </a:clrScheme>
     <a:fontScheme name="Office">
       <a:majorFont>
-        <a:latin typeface="等线 Light" panose="020F0302020204030204"/>
+        <a:latin typeface="等线 Light"/>
         <a:ea typeface=""/>
         <a:cs typeface=""/>
         <a:font script="Jpan" typeface="游ゴシック Light"/>
@@ -12943,26 +11613,9 @@
         <a:font script="Viet" typeface="Times New Roman"/>
         <a:font script="Uigh" typeface="Microsoft Uighur"/>
         <a:font script="Geor" typeface="Sylfaen"/>
-        <a:font script="Armn" typeface="Arial"/>
-        <a:font script="Bugi" typeface="Leelawadee UI"/>
-        <a:font script="Bopo" typeface="Microsoft JhengHei"/>
-        <a:font script="Java" typeface="Javanese Text"/>
-        <a:font script="Lisu" typeface="Segoe UI"/>
-        <a:font script="Mymr" typeface="Myanmar Text"/>
-        <a:font script="Nkoo" typeface="Ebrima"/>
-        <a:font script="Olck" typeface="Nirmala UI"/>
-        <a:font script="Osma" typeface="Ebrima"/>
-        <a:font script="Phag" typeface="Phagspa"/>
-        <a:font script="Syrn" typeface="Estrangelo Edessa"/>
-        <a:font script="Syrj" typeface="Estrangelo Edessa"/>
-        <a:font script="Syre" typeface="Estrangelo Edessa"/>
-        <a:font script="Sora" typeface="Nirmala UI"/>
-        <a:font script="Tale" typeface="Microsoft Tai Le"/>
-        <a:font script="Talu" typeface="Microsoft New Tai Lue"/>
-        <a:font script="Tfng" typeface="Ebrima"/>
       </a:majorFont>
       <a:minorFont>
-        <a:latin typeface="等线" panose="020F0502020204030204"/>
+        <a:latin typeface="等线"/>
         <a:ea typeface=""/>
         <a:cs typeface=""/>
         <a:font script="Jpan" typeface="游ゴシック"/>
@@ -12995,23 +11648,6 @@
         <a:font script="Viet" typeface="Arial"/>
         <a:font script="Uigh" typeface="Microsoft Uighur"/>
         <a:font script="Geor" typeface="Sylfaen"/>
-        <a:font script="Armn" typeface="Arial"/>
-        <a:font script="Bugi" typeface="Leelawadee UI"/>
-        <a:font script="Bopo" typeface="Microsoft JhengHei"/>
-        <a:font script="Java" typeface="Javanese Text"/>
-        <a:font script="Lisu" typeface="Segoe UI"/>
-        <a:font script="Mymr" typeface="Myanmar Text"/>
-        <a:font script="Nkoo" typeface="Ebrima"/>
-        <a:font script="Olck" typeface="Nirmala UI"/>
-        <a:font script="Osma" typeface="Ebrima"/>
-        <a:font script="Phag" typeface="Phagspa"/>
-        <a:font script="Syrn" typeface="Estrangelo Edessa"/>
-        <a:font script="Syrj" typeface="Estrangelo Edessa"/>
-        <a:font script="Syre" typeface="Estrangelo Edessa"/>
-        <a:font script="Sora" typeface="Nirmala UI"/>
-        <a:font script="Tale" typeface="Microsoft Tai Le"/>
-        <a:font script="Talu" typeface="Microsoft New Tai Lue"/>
-        <a:font script="Tfng" typeface="Ebrima"/>
       </a:minorFont>
     </a:fontScheme>
     <a:fmtScheme name="Office">
